--- a/OA_pres.pptx
+++ b/OA_pres.pptx
@@ -4,6 +4,9 @@
   <p:sldMasterIdLst>
     <p:sldMasterId id="2147483768" r:id="rId1"/>
   </p:sldMasterIdLst>
+  <p:notesMasterIdLst>
+    <p:notesMasterId r:id="rId17"/>
+  </p:notesMasterIdLst>
   <p:sldIdLst>
     <p:sldId id="256" r:id="rId2"/>
     <p:sldId id="258" r:id="rId3"/>
@@ -13,11 +16,13 @@
     <p:sldId id="261" r:id="rId7"/>
     <p:sldId id="262" r:id="rId8"/>
     <p:sldId id="263" r:id="rId9"/>
-    <p:sldId id="264" r:id="rId10"/>
-    <p:sldId id="265" r:id="rId11"/>
-    <p:sldId id="266" r:id="rId12"/>
-    <p:sldId id="267" r:id="rId13"/>
-    <p:sldId id="268" r:id="rId14"/>
+    <p:sldId id="269" r:id="rId10"/>
+    <p:sldId id="270" r:id="rId11"/>
+    <p:sldId id="264" r:id="rId12"/>
+    <p:sldId id="265" r:id="rId13"/>
+    <p:sldId id="266" r:id="rId14"/>
+    <p:sldId id="267" r:id="rId15"/>
+    <p:sldId id="268" r:id="rId16"/>
   </p:sldIdLst>
   <p:sldSz cx="12192000" cy="6858000"/>
   <p:notesSz cx="6858000" cy="9144000"/>
@@ -126,6 +131,1961 @@
 
 <file path=ppt/revisionInfo.xml><?xml version="1.0" encoding="utf-8"?>
 <p1510:revInfo xmlns:a="http://schemas.openxmlformats.org/drawingml/2006/main" xmlns:r="http://schemas.openxmlformats.org/officeDocument/2006/relationships" xmlns:p1510="http://schemas.microsoft.com/office/powerpoint/2015/10/main"/>
+</file>
+
+<file path=ppt/notesMasters/notesMaster1.xml><?xml version="1.0" encoding="utf-8"?>
+<p:notesMaster xmlns:a="http://schemas.openxmlformats.org/drawingml/2006/main" xmlns:r="http://schemas.openxmlformats.org/officeDocument/2006/relationships" xmlns:p="http://schemas.openxmlformats.org/presentationml/2006/main">
+  <p:cSld>
+    <p:bg>
+      <p:bgRef idx="1001">
+        <a:schemeClr val="bg1"/>
+      </p:bgRef>
+    </p:bg>
+    <p:spTree>
+      <p:nvGrpSpPr>
+        <p:cNvPr id="1" name=""/>
+        <p:cNvGrpSpPr/>
+        <p:nvPr/>
+      </p:nvGrpSpPr>
+      <p:grpSpPr>
+        <a:xfrm>
+          <a:off x="0" y="0"/>
+          <a:ext cx="0" cy="0"/>
+          <a:chOff x="0" y="0"/>
+          <a:chExt cx="0" cy="0"/>
+        </a:xfrm>
+      </p:grpSpPr>
+      <p:sp>
+        <p:nvSpPr>
+          <p:cNvPr id="2" name="Marcador de Posição do Cabeçalho 1"/>
+          <p:cNvSpPr>
+            <a:spLocks noGrp="1"/>
+          </p:cNvSpPr>
+          <p:nvPr>
+            <p:ph type="hdr" sz="quarter"/>
+          </p:nvPr>
+        </p:nvSpPr>
+        <p:spPr>
+          <a:xfrm>
+            <a:off x="0" y="0"/>
+            <a:ext cx="2971800" cy="458788"/>
+          </a:xfrm>
+          <a:prstGeom prst="rect">
+            <a:avLst/>
+          </a:prstGeom>
+        </p:spPr>
+        <p:txBody>
+          <a:bodyPr vert="horz" lIns="91440" tIns="45720" rIns="91440" bIns="45720" rtlCol="0"/>
+          <a:lstStyle>
+            <a:lvl1pPr algn="l">
+              <a:defRPr sz="1200"/>
+            </a:lvl1pPr>
+          </a:lstStyle>
+          <a:p>
+            <a:endParaRPr lang="pt-PT"/>
+          </a:p>
+        </p:txBody>
+      </p:sp>
+      <p:sp>
+        <p:nvSpPr>
+          <p:cNvPr id="3" name="Marcador de Posição da Data 2"/>
+          <p:cNvSpPr>
+            <a:spLocks noGrp="1"/>
+          </p:cNvSpPr>
+          <p:nvPr>
+            <p:ph type="dt" idx="1"/>
+          </p:nvPr>
+        </p:nvSpPr>
+        <p:spPr>
+          <a:xfrm>
+            <a:off x="3884613" y="0"/>
+            <a:ext cx="2971800" cy="458788"/>
+          </a:xfrm>
+          <a:prstGeom prst="rect">
+            <a:avLst/>
+          </a:prstGeom>
+        </p:spPr>
+        <p:txBody>
+          <a:bodyPr vert="horz" lIns="91440" tIns="45720" rIns="91440" bIns="45720" rtlCol="0"/>
+          <a:lstStyle>
+            <a:lvl1pPr algn="r">
+              <a:defRPr sz="1200"/>
+            </a:lvl1pPr>
+          </a:lstStyle>
+          <a:p>
+            <a:fld id="{D5B1BFC7-0EB9-4CB1-ABC7-62262F39C40C}" type="datetimeFigureOut">
+              <a:rPr lang="pt-PT" smtClean="0"/>
+              <a:t>11/12/2017</a:t>
+            </a:fld>
+            <a:endParaRPr lang="pt-PT"/>
+          </a:p>
+        </p:txBody>
+      </p:sp>
+      <p:sp>
+        <p:nvSpPr>
+          <p:cNvPr id="4" name="Marcador de Posição da Imagem do Diapositivo 3"/>
+          <p:cNvSpPr>
+            <a:spLocks noGrp="1" noRot="1" noChangeAspect="1"/>
+          </p:cNvSpPr>
+          <p:nvPr>
+            <p:ph type="sldImg" idx="2"/>
+          </p:nvPr>
+        </p:nvSpPr>
+        <p:spPr>
+          <a:xfrm>
+            <a:off x="685800" y="1143000"/>
+            <a:ext cx="5486400" cy="3086100"/>
+          </a:xfrm>
+          <a:prstGeom prst="rect">
+            <a:avLst/>
+          </a:prstGeom>
+          <a:noFill/>
+          <a:ln w="12700">
+            <a:solidFill>
+              <a:prstClr val="black"/>
+            </a:solidFill>
+          </a:ln>
+        </p:spPr>
+        <p:txBody>
+          <a:bodyPr vert="horz" lIns="91440" tIns="45720" rIns="91440" bIns="45720" rtlCol="0" anchor="ctr"/>
+          <a:lstStyle/>
+          <a:p>
+            <a:endParaRPr lang="pt-PT"/>
+          </a:p>
+        </p:txBody>
+      </p:sp>
+      <p:sp>
+        <p:nvSpPr>
+          <p:cNvPr id="5" name="Marcador de Posição de Notas 4"/>
+          <p:cNvSpPr>
+            <a:spLocks noGrp="1"/>
+          </p:cNvSpPr>
+          <p:nvPr>
+            <p:ph type="body" sz="quarter" idx="3"/>
+          </p:nvPr>
+        </p:nvSpPr>
+        <p:spPr>
+          <a:xfrm>
+            <a:off x="685800" y="4400550"/>
+            <a:ext cx="5486400" cy="3600450"/>
+          </a:xfrm>
+          <a:prstGeom prst="rect">
+            <a:avLst/>
+          </a:prstGeom>
+        </p:spPr>
+        <p:txBody>
+          <a:bodyPr vert="horz" lIns="91440" tIns="45720" rIns="91440" bIns="45720" rtlCol="0"/>
+          <a:lstStyle/>
+          <a:p>
+            <a:pPr lvl="0"/>
+            <a:r>
+              <a:rPr lang="pt-PT"/>
+              <a:t>Editar os estilos de texto do Modelo Global</a:t>
+            </a:r>
+          </a:p>
+          <a:p>
+            <a:pPr lvl="1"/>
+            <a:r>
+              <a:rPr lang="pt-PT"/>
+              <a:t>Segundo nível</a:t>
+            </a:r>
+          </a:p>
+          <a:p>
+            <a:pPr lvl="2"/>
+            <a:r>
+              <a:rPr lang="pt-PT"/>
+              <a:t>Terceiro nível</a:t>
+            </a:r>
+          </a:p>
+          <a:p>
+            <a:pPr lvl="3"/>
+            <a:r>
+              <a:rPr lang="pt-PT"/>
+              <a:t>Quarto nível</a:t>
+            </a:r>
+          </a:p>
+          <a:p>
+            <a:pPr lvl="4"/>
+            <a:r>
+              <a:rPr lang="pt-PT"/>
+              <a:t>Quinto nível</a:t>
+            </a:r>
+          </a:p>
+        </p:txBody>
+      </p:sp>
+      <p:sp>
+        <p:nvSpPr>
+          <p:cNvPr id="6" name="Marcador de Posição do Rodapé 5"/>
+          <p:cNvSpPr>
+            <a:spLocks noGrp="1"/>
+          </p:cNvSpPr>
+          <p:nvPr>
+            <p:ph type="ftr" sz="quarter" idx="4"/>
+          </p:nvPr>
+        </p:nvSpPr>
+        <p:spPr>
+          <a:xfrm>
+            <a:off x="0" y="8685213"/>
+            <a:ext cx="2971800" cy="458787"/>
+          </a:xfrm>
+          <a:prstGeom prst="rect">
+            <a:avLst/>
+          </a:prstGeom>
+        </p:spPr>
+        <p:txBody>
+          <a:bodyPr vert="horz" lIns="91440" tIns="45720" rIns="91440" bIns="45720" rtlCol="0" anchor="b"/>
+          <a:lstStyle>
+            <a:lvl1pPr algn="l">
+              <a:defRPr sz="1200"/>
+            </a:lvl1pPr>
+          </a:lstStyle>
+          <a:p>
+            <a:endParaRPr lang="pt-PT"/>
+          </a:p>
+        </p:txBody>
+      </p:sp>
+      <p:sp>
+        <p:nvSpPr>
+          <p:cNvPr id="7" name="Marcador de Posição do Número do Diapositivo 6"/>
+          <p:cNvSpPr>
+            <a:spLocks noGrp="1"/>
+          </p:cNvSpPr>
+          <p:nvPr>
+            <p:ph type="sldNum" sz="quarter" idx="5"/>
+          </p:nvPr>
+        </p:nvSpPr>
+        <p:spPr>
+          <a:xfrm>
+            <a:off x="3884613" y="8685213"/>
+            <a:ext cx="2971800" cy="458787"/>
+          </a:xfrm>
+          <a:prstGeom prst="rect">
+            <a:avLst/>
+          </a:prstGeom>
+        </p:spPr>
+        <p:txBody>
+          <a:bodyPr vert="horz" lIns="91440" tIns="45720" rIns="91440" bIns="45720" rtlCol="0" anchor="b"/>
+          <a:lstStyle>
+            <a:lvl1pPr algn="r">
+              <a:defRPr sz="1200"/>
+            </a:lvl1pPr>
+          </a:lstStyle>
+          <a:p>
+            <a:fld id="{9039FE6F-9FE1-49A8-B4B4-D2BE189FBC6D}" type="slidenum">
+              <a:rPr lang="pt-PT" smtClean="0"/>
+              <a:t>‹nº›</a:t>
+            </a:fld>
+            <a:endParaRPr lang="pt-PT"/>
+          </a:p>
+        </p:txBody>
+      </p:sp>
+    </p:spTree>
+    <p:extLst>
+      <p:ext uri="{BB962C8B-B14F-4D97-AF65-F5344CB8AC3E}">
+        <p14:creationId xmlns:p14="http://schemas.microsoft.com/office/powerpoint/2010/main" val="1778952702"/>
+      </p:ext>
+    </p:extLst>
+  </p:cSld>
+  <p:clrMap bg1="lt1" tx1="dk1" bg2="lt2" tx2="dk2" accent1="accent1" accent2="accent2" accent3="accent3" accent4="accent4" accent5="accent5" accent6="accent6" hlink="hlink" folHlink="folHlink"/>
+  <p:notesStyle>
+    <a:lvl1pPr marL="0" algn="l" defTabSz="914400" rtl="0" eaLnBrk="1" latinLnBrk="0" hangingPunct="1">
+      <a:defRPr sz="1200" kern="1200">
+        <a:solidFill>
+          <a:schemeClr val="tx1"/>
+        </a:solidFill>
+        <a:latin typeface="+mn-lt"/>
+        <a:ea typeface="+mn-ea"/>
+        <a:cs typeface="+mn-cs"/>
+      </a:defRPr>
+    </a:lvl1pPr>
+    <a:lvl2pPr marL="457200" algn="l" defTabSz="914400" rtl="0" eaLnBrk="1" latinLnBrk="0" hangingPunct="1">
+      <a:defRPr sz="1200" kern="1200">
+        <a:solidFill>
+          <a:schemeClr val="tx1"/>
+        </a:solidFill>
+        <a:latin typeface="+mn-lt"/>
+        <a:ea typeface="+mn-ea"/>
+        <a:cs typeface="+mn-cs"/>
+      </a:defRPr>
+    </a:lvl2pPr>
+    <a:lvl3pPr marL="914400" algn="l" defTabSz="914400" rtl="0" eaLnBrk="1" latinLnBrk="0" hangingPunct="1">
+      <a:defRPr sz="1200" kern="1200">
+        <a:solidFill>
+          <a:schemeClr val="tx1"/>
+        </a:solidFill>
+        <a:latin typeface="+mn-lt"/>
+        <a:ea typeface="+mn-ea"/>
+        <a:cs typeface="+mn-cs"/>
+      </a:defRPr>
+    </a:lvl3pPr>
+    <a:lvl4pPr marL="1371600" algn="l" defTabSz="914400" rtl="0" eaLnBrk="1" latinLnBrk="0" hangingPunct="1">
+      <a:defRPr sz="1200" kern="1200">
+        <a:solidFill>
+          <a:schemeClr val="tx1"/>
+        </a:solidFill>
+        <a:latin typeface="+mn-lt"/>
+        <a:ea typeface="+mn-ea"/>
+        <a:cs typeface="+mn-cs"/>
+      </a:defRPr>
+    </a:lvl4pPr>
+    <a:lvl5pPr marL="1828800" algn="l" defTabSz="914400" rtl="0" eaLnBrk="1" latinLnBrk="0" hangingPunct="1">
+      <a:defRPr sz="1200" kern="1200">
+        <a:solidFill>
+          <a:schemeClr val="tx1"/>
+        </a:solidFill>
+        <a:latin typeface="+mn-lt"/>
+        <a:ea typeface="+mn-ea"/>
+        <a:cs typeface="+mn-cs"/>
+      </a:defRPr>
+    </a:lvl5pPr>
+    <a:lvl6pPr marL="2286000" algn="l" defTabSz="914400" rtl="0" eaLnBrk="1" latinLnBrk="0" hangingPunct="1">
+      <a:defRPr sz="1200" kern="1200">
+        <a:solidFill>
+          <a:schemeClr val="tx1"/>
+        </a:solidFill>
+        <a:latin typeface="+mn-lt"/>
+        <a:ea typeface="+mn-ea"/>
+        <a:cs typeface="+mn-cs"/>
+      </a:defRPr>
+    </a:lvl6pPr>
+    <a:lvl7pPr marL="2743200" algn="l" defTabSz="914400" rtl="0" eaLnBrk="1" latinLnBrk="0" hangingPunct="1">
+      <a:defRPr sz="1200" kern="1200">
+        <a:solidFill>
+          <a:schemeClr val="tx1"/>
+        </a:solidFill>
+        <a:latin typeface="+mn-lt"/>
+        <a:ea typeface="+mn-ea"/>
+        <a:cs typeface="+mn-cs"/>
+      </a:defRPr>
+    </a:lvl7pPr>
+    <a:lvl8pPr marL="3200400" algn="l" defTabSz="914400" rtl="0" eaLnBrk="1" latinLnBrk="0" hangingPunct="1">
+      <a:defRPr sz="1200" kern="1200">
+        <a:solidFill>
+          <a:schemeClr val="tx1"/>
+        </a:solidFill>
+        <a:latin typeface="+mn-lt"/>
+        <a:ea typeface="+mn-ea"/>
+        <a:cs typeface="+mn-cs"/>
+      </a:defRPr>
+    </a:lvl8pPr>
+    <a:lvl9pPr marL="3657600" algn="l" defTabSz="914400" rtl="0" eaLnBrk="1" latinLnBrk="0" hangingPunct="1">
+      <a:defRPr sz="1200" kern="1200">
+        <a:solidFill>
+          <a:schemeClr val="tx1"/>
+        </a:solidFill>
+        <a:latin typeface="+mn-lt"/>
+        <a:ea typeface="+mn-ea"/>
+        <a:cs typeface="+mn-cs"/>
+      </a:defRPr>
+    </a:lvl9pPr>
+  </p:notesStyle>
+</p:notesMaster>
+</file>
+
+<file path=ppt/notesSlides/notesSlide1.xml><?xml version="1.0" encoding="utf-8"?>
+<p:notes xmlns:a="http://schemas.openxmlformats.org/drawingml/2006/main" xmlns:r="http://schemas.openxmlformats.org/officeDocument/2006/relationships" xmlns:p="http://schemas.openxmlformats.org/presentationml/2006/main">
+  <p:cSld>
+    <p:spTree>
+      <p:nvGrpSpPr>
+        <p:cNvPr id="1" name=""/>
+        <p:cNvGrpSpPr/>
+        <p:nvPr/>
+      </p:nvGrpSpPr>
+      <p:grpSpPr>
+        <a:xfrm>
+          <a:off x="0" y="0"/>
+          <a:ext cx="0" cy="0"/>
+          <a:chOff x="0" y="0"/>
+          <a:chExt cx="0" cy="0"/>
+        </a:xfrm>
+      </p:grpSpPr>
+      <p:sp>
+        <p:nvSpPr>
+          <p:cNvPr id="2" name="Marcador de Posição da Imagem do Diapositivo 1"/>
+          <p:cNvSpPr>
+            <a:spLocks noGrp="1" noRot="1" noChangeAspect="1"/>
+          </p:cNvSpPr>
+          <p:nvPr>
+            <p:ph type="sldImg"/>
+          </p:nvPr>
+        </p:nvSpPr>
+        <p:spPr/>
+      </p:sp>
+      <p:sp>
+        <p:nvSpPr>
+          <p:cNvPr id="3" name="Marcador de Posição de Notas 2"/>
+          <p:cNvSpPr>
+            <a:spLocks noGrp="1"/>
+          </p:cNvSpPr>
+          <p:nvPr>
+            <p:ph type="body" idx="1"/>
+          </p:nvPr>
+        </p:nvSpPr>
+        <p:spPr/>
+        <p:txBody>
+          <a:bodyPr/>
+          <a:lstStyle/>
+          <a:p>
+            <a:r>
+              <a:rPr lang="pt-PT" dirty="0"/>
+              <a:t>-Nos representam pontos de entrada ou saída</a:t>
+            </a:r>
+          </a:p>
+          <a:p>
+            <a:r>
+              <a:rPr lang="pt-PT" dirty="0"/>
+              <a:t>-Arestas representam vias de transporte e tem uma capacidade e um custo</a:t>
+            </a:r>
+          </a:p>
+        </p:txBody>
+      </p:sp>
+      <p:sp>
+        <p:nvSpPr>
+          <p:cNvPr id="4" name="Marcador de Posição do Número do Diapositivo 3"/>
+          <p:cNvSpPr>
+            <a:spLocks noGrp="1"/>
+          </p:cNvSpPr>
+          <p:nvPr>
+            <p:ph type="sldNum" sz="quarter" idx="10"/>
+          </p:nvPr>
+        </p:nvSpPr>
+        <p:spPr/>
+        <p:txBody>
+          <a:bodyPr/>
+          <a:lstStyle/>
+          <a:p>
+            <a:fld id="{9039FE6F-9FE1-49A8-B4B4-D2BE189FBC6D}" type="slidenum">
+              <a:rPr lang="pt-PT" smtClean="0"/>
+              <a:t>2</a:t>
+            </a:fld>
+            <a:endParaRPr lang="pt-PT"/>
+          </a:p>
+        </p:txBody>
+      </p:sp>
+    </p:spTree>
+    <p:extLst>
+      <p:ext uri="{BB962C8B-B14F-4D97-AF65-F5344CB8AC3E}">
+        <p14:creationId xmlns:p14="http://schemas.microsoft.com/office/powerpoint/2010/main" val="2897161886"/>
+      </p:ext>
+    </p:extLst>
+  </p:cSld>
+  <p:clrMapOvr>
+    <a:masterClrMapping/>
+  </p:clrMapOvr>
+</p:notes>
+</file>
+
+<file path=ppt/notesSlides/notesSlide10.xml><?xml version="1.0" encoding="utf-8"?>
+<p:notes xmlns:a="http://schemas.openxmlformats.org/drawingml/2006/main" xmlns:r="http://schemas.openxmlformats.org/officeDocument/2006/relationships" xmlns:p="http://schemas.openxmlformats.org/presentationml/2006/main">
+  <p:cSld>
+    <p:spTree>
+      <p:nvGrpSpPr>
+        <p:cNvPr id="1" name=""/>
+        <p:cNvGrpSpPr/>
+        <p:nvPr/>
+      </p:nvGrpSpPr>
+      <p:grpSpPr>
+        <a:xfrm>
+          <a:off x="0" y="0"/>
+          <a:ext cx="0" cy="0"/>
+          <a:chOff x="0" y="0"/>
+          <a:chExt cx="0" cy="0"/>
+        </a:xfrm>
+      </p:grpSpPr>
+      <p:sp>
+        <p:nvSpPr>
+          <p:cNvPr id="2" name="Marcador de Posição da Imagem do Diapositivo 1"/>
+          <p:cNvSpPr>
+            <a:spLocks noGrp="1" noRot="1" noChangeAspect="1"/>
+          </p:cNvSpPr>
+          <p:nvPr>
+            <p:ph type="sldImg"/>
+          </p:nvPr>
+        </p:nvSpPr>
+        <p:spPr/>
+      </p:sp>
+      <p:sp>
+        <p:nvSpPr>
+          <p:cNvPr id="3" name="Marcador de Posição de Notas 2"/>
+          <p:cNvSpPr>
+            <a:spLocks noGrp="1"/>
+          </p:cNvSpPr>
+          <p:nvPr>
+            <p:ph type="body" idx="1"/>
+          </p:nvPr>
+        </p:nvSpPr>
+        <p:spPr/>
+        <p:txBody>
+          <a:bodyPr/>
+          <a:lstStyle/>
+          <a:p>
+            <a:pPr marL="171450" indent="-171450">
+              <a:buFontTx/>
+              <a:buChar char="-"/>
+            </a:pPr>
+            <a:r>
+              <a:rPr lang="pt-PT" dirty="0"/>
+              <a:t>Temos duas redes diferentes cada uma com uma dada orientação das arestas</a:t>
+            </a:r>
+          </a:p>
+          <a:p>
+            <a:pPr marL="171450" indent="-171450">
+              <a:buFontTx/>
+              <a:buChar char="-"/>
+            </a:pPr>
+            <a:r>
+              <a:rPr lang="pt-PT" dirty="0"/>
+              <a:t>As é definida através de A multiplicada por uma matriz diagonal f em que os -1 são as arestas que mudam de direção</a:t>
+            </a:r>
+          </a:p>
+          <a:p>
+            <a:pPr marL="171450" indent="-171450">
+              <a:buFontTx/>
+              <a:buChar char="-"/>
+            </a:pPr>
+            <a:r>
+              <a:rPr lang="pt-PT" dirty="0"/>
+              <a:t>f são os </a:t>
+            </a:r>
+            <a:r>
+              <a:rPr lang="pt-PT" dirty="0" err="1"/>
+              <a:t>flows</a:t>
+            </a:r>
+            <a:r>
+              <a:rPr lang="pt-PT" dirty="0"/>
+              <a:t> de A e h os </a:t>
+            </a:r>
+            <a:r>
+              <a:rPr lang="pt-PT" dirty="0" err="1"/>
+              <a:t>flows</a:t>
+            </a:r>
+            <a:r>
+              <a:rPr lang="pt-PT" dirty="0"/>
+              <a:t> de As</a:t>
+            </a:r>
+          </a:p>
+          <a:p>
+            <a:pPr marL="171450" indent="-171450">
+              <a:buFontTx/>
+              <a:buChar char="-"/>
+            </a:pPr>
+            <a:r>
+              <a:rPr lang="pt-PT" dirty="0"/>
+              <a:t>Queremos uma reserva que garanta menor custa para as duas configurações (garantir caminho mesmo quando a direção muda)</a:t>
+            </a:r>
+          </a:p>
+        </p:txBody>
+      </p:sp>
+      <p:sp>
+        <p:nvSpPr>
+          <p:cNvPr id="4" name="Marcador de Posição do Número do Diapositivo 3"/>
+          <p:cNvSpPr>
+            <a:spLocks noGrp="1"/>
+          </p:cNvSpPr>
+          <p:nvPr>
+            <p:ph type="sldNum" sz="quarter" idx="10"/>
+          </p:nvPr>
+        </p:nvSpPr>
+        <p:spPr/>
+        <p:txBody>
+          <a:bodyPr/>
+          <a:lstStyle/>
+          <a:p>
+            <a:fld id="{9039FE6F-9FE1-49A8-B4B4-D2BE189FBC6D}" type="slidenum">
+              <a:rPr lang="pt-PT" smtClean="0"/>
+              <a:t>11</a:t>
+            </a:fld>
+            <a:endParaRPr lang="pt-PT"/>
+          </a:p>
+        </p:txBody>
+      </p:sp>
+    </p:spTree>
+    <p:extLst>
+      <p:ext uri="{BB962C8B-B14F-4D97-AF65-F5344CB8AC3E}">
+        <p14:creationId xmlns:p14="http://schemas.microsoft.com/office/powerpoint/2010/main" val="2908034695"/>
+      </p:ext>
+    </p:extLst>
+  </p:cSld>
+  <p:clrMapOvr>
+    <a:masterClrMapping/>
+  </p:clrMapOvr>
+</p:notes>
+</file>
+
+<file path=ppt/notesSlides/notesSlide11.xml><?xml version="1.0" encoding="utf-8"?>
+<p:notes xmlns:a="http://schemas.openxmlformats.org/drawingml/2006/main" xmlns:r="http://schemas.openxmlformats.org/officeDocument/2006/relationships" xmlns:p="http://schemas.openxmlformats.org/presentationml/2006/main">
+  <p:cSld>
+    <p:spTree>
+      <p:nvGrpSpPr>
+        <p:cNvPr id="1" name=""/>
+        <p:cNvGrpSpPr/>
+        <p:nvPr/>
+      </p:nvGrpSpPr>
+      <p:grpSpPr>
+        <a:xfrm>
+          <a:off x="0" y="0"/>
+          <a:ext cx="0" cy="0"/>
+          <a:chOff x="0" y="0"/>
+          <a:chExt cx="0" cy="0"/>
+        </a:xfrm>
+      </p:grpSpPr>
+      <p:sp>
+        <p:nvSpPr>
+          <p:cNvPr id="2" name="Marcador de Posição da Imagem do Diapositivo 1"/>
+          <p:cNvSpPr>
+            <a:spLocks noGrp="1" noRot="1" noChangeAspect="1"/>
+          </p:cNvSpPr>
+          <p:nvPr>
+            <p:ph type="sldImg"/>
+          </p:nvPr>
+        </p:nvSpPr>
+        <p:spPr/>
+      </p:sp>
+      <p:sp>
+        <p:nvSpPr>
+          <p:cNvPr id="3" name="Marcador de Posição de Notas 2"/>
+          <p:cNvSpPr>
+            <a:spLocks noGrp="1"/>
+          </p:cNvSpPr>
+          <p:nvPr>
+            <p:ph type="body" idx="1"/>
+          </p:nvPr>
+        </p:nvSpPr>
+        <p:spPr/>
+        <p:txBody>
+          <a:bodyPr/>
+          <a:lstStyle/>
+          <a:p>
+            <a:pPr marL="171450" indent="-171450">
+              <a:buFontTx/>
+              <a:buChar char="-"/>
+            </a:pPr>
+            <a:r>
+              <a:rPr lang="pt-PT" dirty="0"/>
+              <a:t>Algoritmo dá caminho alternativo pois não sabe se pode usar a resta 3</a:t>
+            </a:r>
+          </a:p>
+          <a:p>
+            <a:pPr marL="171450" indent="-171450">
+              <a:buFontTx/>
+              <a:buChar char="-"/>
+            </a:pPr>
+            <a:r>
+              <a:rPr lang="pt-PT" dirty="0"/>
+              <a:t>Apesar de ter agora um custo mais elevado garante caminho em </a:t>
+            </a:r>
+            <a:r>
+              <a:rPr lang="pt-PT" dirty="0" err="1"/>
+              <a:t>qql</a:t>
+            </a:r>
+            <a:r>
+              <a:rPr lang="pt-PT" dirty="0"/>
+              <a:t> caso</a:t>
+            </a:r>
+          </a:p>
+          <a:p>
+            <a:pPr marL="0" indent="0">
+              <a:buFontTx/>
+              <a:buNone/>
+            </a:pPr>
+            <a:endParaRPr lang="pt-PT" dirty="0"/>
+          </a:p>
+        </p:txBody>
+      </p:sp>
+      <p:sp>
+        <p:nvSpPr>
+          <p:cNvPr id="4" name="Marcador de Posição do Número do Diapositivo 3"/>
+          <p:cNvSpPr>
+            <a:spLocks noGrp="1"/>
+          </p:cNvSpPr>
+          <p:nvPr>
+            <p:ph type="sldNum" sz="quarter" idx="10"/>
+          </p:nvPr>
+        </p:nvSpPr>
+        <p:spPr/>
+        <p:txBody>
+          <a:bodyPr/>
+          <a:lstStyle/>
+          <a:p>
+            <a:fld id="{9039FE6F-9FE1-49A8-B4B4-D2BE189FBC6D}" type="slidenum">
+              <a:rPr lang="pt-PT" smtClean="0"/>
+              <a:t>12</a:t>
+            </a:fld>
+            <a:endParaRPr lang="pt-PT"/>
+          </a:p>
+        </p:txBody>
+      </p:sp>
+    </p:spTree>
+    <p:extLst>
+      <p:ext uri="{BB962C8B-B14F-4D97-AF65-F5344CB8AC3E}">
+        <p14:creationId xmlns:p14="http://schemas.microsoft.com/office/powerpoint/2010/main" val="4178156429"/>
+      </p:ext>
+    </p:extLst>
+  </p:cSld>
+  <p:clrMapOvr>
+    <a:masterClrMapping/>
+  </p:clrMapOvr>
+</p:notes>
+</file>
+
+<file path=ppt/notesSlides/notesSlide12.xml><?xml version="1.0" encoding="utf-8"?>
+<p:notes xmlns:a="http://schemas.openxmlformats.org/drawingml/2006/main" xmlns:r="http://schemas.openxmlformats.org/officeDocument/2006/relationships" xmlns:p="http://schemas.openxmlformats.org/presentationml/2006/main">
+  <p:cSld>
+    <p:spTree>
+      <p:nvGrpSpPr>
+        <p:cNvPr id="1" name=""/>
+        <p:cNvGrpSpPr/>
+        <p:nvPr/>
+      </p:nvGrpSpPr>
+      <p:grpSpPr>
+        <a:xfrm>
+          <a:off x="0" y="0"/>
+          <a:ext cx="0" cy="0"/>
+          <a:chOff x="0" y="0"/>
+          <a:chExt cx="0" cy="0"/>
+        </a:xfrm>
+      </p:grpSpPr>
+      <p:sp>
+        <p:nvSpPr>
+          <p:cNvPr id="2" name="Marcador de Posição da Imagem do Diapositivo 1"/>
+          <p:cNvSpPr>
+            <a:spLocks noGrp="1" noRot="1" noChangeAspect="1"/>
+          </p:cNvSpPr>
+          <p:nvPr>
+            <p:ph type="sldImg"/>
+          </p:nvPr>
+        </p:nvSpPr>
+        <p:spPr/>
+      </p:sp>
+      <p:sp>
+        <p:nvSpPr>
+          <p:cNvPr id="3" name="Marcador de Posição de Notas 2"/>
+          <p:cNvSpPr>
+            <a:spLocks noGrp="1"/>
+          </p:cNvSpPr>
+          <p:nvPr>
+            <p:ph type="body" idx="1"/>
+          </p:nvPr>
+        </p:nvSpPr>
+        <p:spPr/>
+        <p:txBody>
+          <a:bodyPr/>
+          <a:lstStyle/>
+          <a:p>
+            <a:pPr marL="171450" indent="-171450">
+              <a:buFontTx/>
+              <a:buChar char="-"/>
+            </a:pPr>
+            <a:r>
+              <a:rPr lang="pt-PT" dirty="0"/>
+              <a:t>No exemplo anterior podia parecer que o algoritmo simplesmente não reserva arestas que virassem</a:t>
+            </a:r>
+          </a:p>
+          <a:p>
+            <a:pPr marL="171450" indent="-171450">
+              <a:buFontTx/>
+              <a:buChar char="-"/>
+            </a:pPr>
+            <a:r>
+              <a:rPr lang="pt-PT" dirty="0"/>
+              <a:t>Neste exemplo caso ignorasse arestas não iria produzir solução embora esta exista</a:t>
+            </a:r>
+          </a:p>
+          <a:p>
+            <a:pPr marL="171450" indent="-171450">
+              <a:buFontTx/>
+              <a:buChar char="-"/>
+            </a:pPr>
+            <a:r>
+              <a:rPr lang="pt-PT" dirty="0"/>
+              <a:t>Verificasse que reserva tanto a aresta 5 como a 3 e a 4 para garantir que pode transportar o fluxo</a:t>
+            </a:r>
+          </a:p>
+        </p:txBody>
+      </p:sp>
+      <p:sp>
+        <p:nvSpPr>
+          <p:cNvPr id="4" name="Marcador de Posição do Número do Diapositivo 3"/>
+          <p:cNvSpPr>
+            <a:spLocks noGrp="1"/>
+          </p:cNvSpPr>
+          <p:nvPr>
+            <p:ph type="sldNum" sz="quarter" idx="10"/>
+          </p:nvPr>
+        </p:nvSpPr>
+        <p:spPr/>
+        <p:txBody>
+          <a:bodyPr/>
+          <a:lstStyle/>
+          <a:p>
+            <a:fld id="{9039FE6F-9FE1-49A8-B4B4-D2BE189FBC6D}" type="slidenum">
+              <a:rPr lang="pt-PT" smtClean="0"/>
+              <a:t>13</a:t>
+            </a:fld>
+            <a:endParaRPr lang="pt-PT"/>
+          </a:p>
+        </p:txBody>
+      </p:sp>
+    </p:spTree>
+    <p:extLst>
+      <p:ext uri="{BB962C8B-B14F-4D97-AF65-F5344CB8AC3E}">
+        <p14:creationId xmlns:p14="http://schemas.microsoft.com/office/powerpoint/2010/main" val="2500217170"/>
+      </p:ext>
+    </p:extLst>
+  </p:cSld>
+  <p:clrMapOvr>
+    <a:masterClrMapping/>
+  </p:clrMapOvr>
+</p:notes>
+</file>
+
+<file path=ppt/notesSlides/notesSlide13.xml><?xml version="1.0" encoding="utf-8"?>
+<p:notes xmlns:a="http://schemas.openxmlformats.org/drawingml/2006/main" xmlns:r="http://schemas.openxmlformats.org/officeDocument/2006/relationships" xmlns:p="http://schemas.openxmlformats.org/presentationml/2006/main">
+  <p:cSld>
+    <p:spTree>
+      <p:nvGrpSpPr>
+        <p:cNvPr id="1" name=""/>
+        <p:cNvGrpSpPr/>
+        <p:nvPr/>
+      </p:nvGrpSpPr>
+      <p:grpSpPr>
+        <a:xfrm>
+          <a:off x="0" y="0"/>
+          <a:ext cx="0" cy="0"/>
+          <a:chOff x="0" y="0"/>
+          <a:chExt cx="0" cy="0"/>
+        </a:xfrm>
+      </p:grpSpPr>
+      <p:sp>
+        <p:nvSpPr>
+          <p:cNvPr id="2" name="Marcador de Posição da Imagem do Diapositivo 1"/>
+          <p:cNvSpPr>
+            <a:spLocks noGrp="1" noRot="1" noChangeAspect="1"/>
+          </p:cNvSpPr>
+          <p:nvPr>
+            <p:ph type="sldImg"/>
+          </p:nvPr>
+        </p:nvSpPr>
+        <p:spPr/>
+      </p:sp>
+      <p:sp>
+        <p:nvSpPr>
+          <p:cNvPr id="3" name="Marcador de Posição de Notas 2"/>
+          <p:cNvSpPr>
+            <a:spLocks noGrp="1"/>
+          </p:cNvSpPr>
+          <p:nvPr>
+            <p:ph type="body" idx="1"/>
+          </p:nvPr>
+        </p:nvSpPr>
+        <p:spPr/>
+        <p:txBody>
+          <a:bodyPr/>
+          <a:lstStyle/>
+          <a:p>
+            <a:pPr marL="171450" indent="-171450">
+              <a:buFontTx/>
+              <a:buChar char="-"/>
+            </a:pPr>
+            <a:r>
+              <a:rPr lang="pt-PT" dirty="0"/>
+              <a:t>Neste caso fica mais barato usar pouco de cada aresta pois para reservas pequenas o declive é mais baixo</a:t>
+            </a:r>
+          </a:p>
+          <a:p>
+            <a:pPr marL="171450" indent="-171450">
+              <a:buFontTx/>
+              <a:buChar char="-"/>
+            </a:pPr>
+            <a:r>
+              <a:rPr lang="pt-PT" dirty="0"/>
+              <a:t>Deste modo, comparando com a parte 1 (custos proporcionais para todo o r), o algoritmo procura efetuar uma distribuição mais uniforme dos fluxos pelas arestas</a:t>
+            </a:r>
+          </a:p>
+        </p:txBody>
+      </p:sp>
+      <p:sp>
+        <p:nvSpPr>
+          <p:cNvPr id="4" name="Marcador de Posição do Número do Diapositivo 3"/>
+          <p:cNvSpPr>
+            <a:spLocks noGrp="1"/>
+          </p:cNvSpPr>
+          <p:nvPr>
+            <p:ph type="sldNum" sz="quarter" idx="10"/>
+          </p:nvPr>
+        </p:nvSpPr>
+        <p:spPr/>
+        <p:txBody>
+          <a:bodyPr/>
+          <a:lstStyle/>
+          <a:p>
+            <a:fld id="{9039FE6F-9FE1-49A8-B4B4-D2BE189FBC6D}" type="slidenum">
+              <a:rPr lang="pt-PT" smtClean="0"/>
+              <a:t>15</a:t>
+            </a:fld>
+            <a:endParaRPr lang="pt-PT"/>
+          </a:p>
+        </p:txBody>
+      </p:sp>
+    </p:spTree>
+    <p:extLst>
+      <p:ext uri="{BB962C8B-B14F-4D97-AF65-F5344CB8AC3E}">
+        <p14:creationId xmlns:p14="http://schemas.microsoft.com/office/powerpoint/2010/main" val="1629799996"/>
+      </p:ext>
+    </p:extLst>
+  </p:cSld>
+  <p:clrMapOvr>
+    <a:masterClrMapping/>
+  </p:clrMapOvr>
+</p:notes>
+</file>
+
+<file path=ppt/notesSlides/notesSlide2.xml><?xml version="1.0" encoding="utf-8"?>
+<p:notes xmlns:a="http://schemas.openxmlformats.org/drawingml/2006/main" xmlns:r="http://schemas.openxmlformats.org/officeDocument/2006/relationships" xmlns:p="http://schemas.openxmlformats.org/presentationml/2006/main">
+  <p:cSld>
+    <p:spTree>
+      <p:nvGrpSpPr>
+        <p:cNvPr id="1" name=""/>
+        <p:cNvGrpSpPr/>
+        <p:nvPr/>
+      </p:nvGrpSpPr>
+      <p:grpSpPr>
+        <a:xfrm>
+          <a:off x="0" y="0"/>
+          <a:ext cx="0" cy="0"/>
+          <a:chOff x="0" y="0"/>
+          <a:chExt cx="0" cy="0"/>
+        </a:xfrm>
+      </p:grpSpPr>
+      <p:sp>
+        <p:nvSpPr>
+          <p:cNvPr id="2" name="Marcador de Posição da Imagem do Diapositivo 1"/>
+          <p:cNvSpPr>
+            <a:spLocks noGrp="1" noRot="1" noChangeAspect="1"/>
+          </p:cNvSpPr>
+          <p:nvPr>
+            <p:ph type="sldImg"/>
+          </p:nvPr>
+        </p:nvSpPr>
+        <p:spPr/>
+      </p:sp>
+      <p:sp>
+        <p:nvSpPr>
+          <p:cNvPr id="3" name="Marcador de Posição de Notas 2"/>
+          <p:cNvSpPr>
+            <a:spLocks noGrp="1"/>
+          </p:cNvSpPr>
+          <p:nvPr>
+            <p:ph type="body" idx="1"/>
+          </p:nvPr>
+        </p:nvSpPr>
+        <p:spPr/>
+        <p:txBody>
+          <a:bodyPr/>
+          <a:lstStyle/>
+          <a:p>
+            <a:pPr marL="171450" indent="-171450">
+              <a:buFontTx/>
+              <a:buChar char="-"/>
+            </a:pPr>
+            <a:r>
+              <a:rPr lang="pt-PT" dirty="0"/>
+              <a:t>Rede de internet : reservar os fluxos nos vários canais satisfazer cada utilizador</a:t>
+            </a:r>
+          </a:p>
+          <a:p>
+            <a:pPr marL="171450" indent="-171450">
+              <a:buFontTx/>
+              <a:buChar char="-"/>
+            </a:pPr>
+            <a:r>
+              <a:rPr lang="pt-PT" dirty="0"/>
+              <a:t>Rede de transporte de mercadorias cada aresta=uma estrada</a:t>
+            </a:r>
+          </a:p>
+          <a:p>
+            <a:pPr marL="171450" indent="-171450">
+              <a:buFontTx/>
+              <a:buChar char="-"/>
+            </a:pPr>
+            <a:r>
+              <a:rPr lang="pt-PT" dirty="0"/>
+              <a:t>O custo é dado pelo tempo que demora percorrer ou a distancia de cada estrada</a:t>
+            </a:r>
+          </a:p>
+        </p:txBody>
+      </p:sp>
+      <p:sp>
+        <p:nvSpPr>
+          <p:cNvPr id="4" name="Marcador de Posição do Número do Diapositivo 3"/>
+          <p:cNvSpPr>
+            <a:spLocks noGrp="1"/>
+          </p:cNvSpPr>
+          <p:nvPr>
+            <p:ph type="sldNum" sz="quarter" idx="10"/>
+          </p:nvPr>
+        </p:nvSpPr>
+        <p:spPr/>
+        <p:txBody>
+          <a:bodyPr/>
+          <a:lstStyle/>
+          <a:p>
+            <a:fld id="{9039FE6F-9FE1-49A8-B4B4-D2BE189FBC6D}" type="slidenum">
+              <a:rPr lang="pt-PT" smtClean="0"/>
+              <a:t>3</a:t>
+            </a:fld>
+            <a:endParaRPr lang="pt-PT"/>
+          </a:p>
+        </p:txBody>
+      </p:sp>
+    </p:spTree>
+    <p:extLst>
+      <p:ext uri="{BB962C8B-B14F-4D97-AF65-F5344CB8AC3E}">
+        <p14:creationId xmlns:p14="http://schemas.microsoft.com/office/powerpoint/2010/main" val="2815149364"/>
+      </p:ext>
+    </p:extLst>
+  </p:cSld>
+  <p:clrMapOvr>
+    <a:masterClrMapping/>
+  </p:clrMapOvr>
+</p:notes>
+</file>
+
+<file path=ppt/notesSlides/notesSlide3.xml><?xml version="1.0" encoding="utf-8"?>
+<p:notes xmlns:a="http://schemas.openxmlformats.org/drawingml/2006/main" xmlns:r="http://schemas.openxmlformats.org/officeDocument/2006/relationships" xmlns:p="http://schemas.openxmlformats.org/presentationml/2006/main">
+  <p:cSld>
+    <p:spTree>
+      <p:nvGrpSpPr>
+        <p:cNvPr id="1" name=""/>
+        <p:cNvGrpSpPr/>
+        <p:nvPr/>
+      </p:nvGrpSpPr>
+      <p:grpSpPr>
+        <a:xfrm>
+          <a:off x="0" y="0"/>
+          <a:ext cx="0" cy="0"/>
+          <a:chOff x="0" y="0"/>
+          <a:chExt cx="0" cy="0"/>
+        </a:xfrm>
+      </p:grpSpPr>
+      <p:sp>
+        <p:nvSpPr>
+          <p:cNvPr id="2" name="Marcador de Posição da Imagem do Diapositivo 1"/>
+          <p:cNvSpPr>
+            <a:spLocks noGrp="1" noRot="1" noChangeAspect="1"/>
+          </p:cNvSpPr>
+          <p:nvPr>
+            <p:ph type="sldImg"/>
+          </p:nvPr>
+        </p:nvSpPr>
+        <p:spPr/>
+      </p:sp>
+      <p:sp>
+        <p:nvSpPr>
+          <p:cNvPr id="3" name="Marcador de Posição de Notas 2"/>
+          <p:cNvSpPr>
+            <a:spLocks noGrp="1"/>
+          </p:cNvSpPr>
+          <p:nvPr>
+            <p:ph type="body" idx="1"/>
+          </p:nvPr>
+        </p:nvSpPr>
+        <p:spPr/>
+        <p:txBody>
+          <a:bodyPr/>
+          <a:lstStyle/>
+          <a:p>
+            <a:pPr marL="171450" indent="-171450">
+              <a:buFontTx/>
+              <a:buChar char="-"/>
+            </a:pPr>
+            <a:r>
+              <a:rPr lang="pt-PT" dirty="0"/>
+              <a:t>p*r (custo*reserva) : custo total</a:t>
+            </a:r>
+          </a:p>
+          <a:p>
+            <a:pPr marL="171450" indent="-171450">
+              <a:buFontTx/>
+              <a:buChar char="-"/>
+            </a:pPr>
+            <a:r>
+              <a:rPr lang="pt-PT" dirty="0"/>
+              <a:t>A*f(fluxo numa aresta) responda as necessidades de s</a:t>
+            </a:r>
+          </a:p>
+          <a:p>
+            <a:pPr marL="171450" indent="-171450">
+              <a:buFontTx/>
+              <a:buChar char="-"/>
+            </a:pPr>
+            <a:r>
+              <a:rPr lang="pt-PT" dirty="0"/>
+              <a:t>Não usamos =0 devido o algoritmo ser de iterações logo não conseguirá chegar exatamente a zero</a:t>
+            </a:r>
+          </a:p>
+          <a:p>
+            <a:pPr marL="171450" indent="-171450">
+              <a:buFontTx/>
+              <a:buChar char="-"/>
+            </a:pPr>
+            <a:r>
+              <a:rPr lang="pt-PT" dirty="0"/>
+              <a:t>r limite superior dos f(</a:t>
+            </a:r>
+            <a:r>
+              <a:rPr lang="pt-PT" dirty="0" err="1"/>
+              <a:t>flows</a:t>
+            </a:r>
+            <a:r>
+              <a:rPr lang="pt-PT" dirty="0"/>
+              <a:t> me cada cenário)</a:t>
+            </a:r>
+          </a:p>
+          <a:p>
+            <a:pPr marL="171450" indent="-171450">
+              <a:buFontTx/>
+              <a:buChar char="-"/>
+            </a:pPr>
+            <a:r>
+              <a:rPr lang="pt-PT" dirty="0"/>
+              <a:t>r não pode exceder a capacidade</a:t>
+            </a:r>
+          </a:p>
+          <a:p>
+            <a:pPr marL="171450" indent="-171450">
+              <a:buFontTx/>
+              <a:buChar char="-"/>
+            </a:pPr>
+            <a:r>
+              <a:rPr lang="pt-PT" dirty="0"/>
+              <a:t>f reservas para cada cenário particular e r têm em conta todos os cenários</a:t>
+            </a:r>
+          </a:p>
+        </p:txBody>
+      </p:sp>
+      <p:sp>
+        <p:nvSpPr>
+          <p:cNvPr id="4" name="Marcador de Posição do Número do Diapositivo 3"/>
+          <p:cNvSpPr>
+            <a:spLocks noGrp="1"/>
+          </p:cNvSpPr>
+          <p:nvPr>
+            <p:ph type="sldNum" sz="quarter" idx="10"/>
+          </p:nvPr>
+        </p:nvSpPr>
+        <p:spPr/>
+        <p:txBody>
+          <a:bodyPr/>
+          <a:lstStyle/>
+          <a:p>
+            <a:fld id="{9039FE6F-9FE1-49A8-B4B4-D2BE189FBC6D}" type="slidenum">
+              <a:rPr lang="pt-PT" smtClean="0"/>
+              <a:t>4</a:t>
+            </a:fld>
+            <a:endParaRPr lang="pt-PT"/>
+          </a:p>
+        </p:txBody>
+      </p:sp>
+    </p:spTree>
+    <p:extLst>
+      <p:ext uri="{BB962C8B-B14F-4D97-AF65-F5344CB8AC3E}">
+        <p14:creationId xmlns:p14="http://schemas.microsoft.com/office/powerpoint/2010/main" val="1072225220"/>
+      </p:ext>
+    </p:extLst>
+  </p:cSld>
+  <p:clrMapOvr>
+    <a:masterClrMapping/>
+  </p:clrMapOvr>
+</p:notes>
+</file>
+
+<file path=ppt/notesSlides/notesSlide4.xml><?xml version="1.0" encoding="utf-8"?>
+<p:notes xmlns:a="http://schemas.openxmlformats.org/drawingml/2006/main" xmlns:r="http://schemas.openxmlformats.org/officeDocument/2006/relationships" xmlns:p="http://schemas.openxmlformats.org/presentationml/2006/main">
+  <p:cSld>
+    <p:spTree>
+      <p:nvGrpSpPr>
+        <p:cNvPr id="1" name=""/>
+        <p:cNvGrpSpPr/>
+        <p:nvPr/>
+      </p:nvGrpSpPr>
+      <p:grpSpPr>
+        <a:xfrm>
+          <a:off x="0" y="0"/>
+          <a:ext cx="0" cy="0"/>
+          <a:chOff x="0" y="0"/>
+          <a:chExt cx="0" cy="0"/>
+        </a:xfrm>
+      </p:grpSpPr>
+      <p:sp>
+        <p:nvSpPr>
+          <p:cNvPr id="2" name="Marcador de Posição da Imagem do Diapositivo 1"/>
+          <p:cNvSpPr>
+            <a:spLocks noGrp="1" noRot="1" noChangeAspect="1"/>
+          </p:cNvSpPr>
+          <p:nvPr>
+            <p:ph type="sldImg"/>
+          </p:nvPr>
+        </p:nvSpPr>
+        <p:spPr/>
+      </p:sp>
+      <p:sp>
+        <p:nvSpPr>
+          <p:cNvPr id="3" name="Marcador de Posição de Notas 2"/>
+          <p:cNvSpPr>
+            <a:spLocks noGrp="1"/>
+          </p:cNvSpPr>
+          <p:nvPr>
+            <p:ph type="body" idx="1"/>
+          </p:nvPr>
+        </p:nvSpPr>
+        <p:spPr/>
+        <p:txBody>
+          <a:bodyPr/>
+          <a:lstStyle/>
+          <a:p>
+            <a:pPr marL="171450" indent="-171450">
+              <a:buFontTx/>
+              <a:buChar char="-"/>
+            </a:pPr>
+            <a:r>
+              <a:rPr lang="pt-PT" dirty="0"/>
+              <a:t>Procura usar o menor número de arestas possível dado que todas têm o mesmo custo</a:t>
+            </a:r>
+          </a:p>
+          <a:p>
+            <a:pPr marL="171450" indent="-171450">
+              <a:buFontTx/>
+              <a:buChar char="-"/>
+            </a:pPr>
+            <a:r>
+              <a:rPr lang="pt-PT" dirty="0"/>
+              <a:t>uma aresta custa ,2 custa 2*r</a:t>
+            </a:r>
+          </a:p>
+        </p:txBody>
+      </p:sp>
+      <p:sp>
+        <p:nvSpPr>
+          <p:cNvPr id="4" name="Marcador de Posição do Número do Diapositivo 3"/>
+          <p:cNvSpPr>
+            <a:spLocks noGrp="1"/>
+          </p:cNvSpPr>
+          <p:nvPr>
+            <p:ph type="sldNum" sz="quarter" idx="10"/>
+          </p:nvPr>
+        </p:nvSpPr>
+        <p:spPr/>
+        <p:txBody>
+          <a:bodyPr/>
+          <a:lstStyle/>
+          <a:p>
+            <a:fld id="{9039FE6F-9FE1-49A8-B4B4-D2BE189FBC6D}" type="slidenum">
+              <a:rPr lang="pt-PT" smtClean="0"/>
+              <a:t>5</a:t>
+            </a:fld>
+            <a:endParaRPr lang="pt-PT"/>
+          </a:p>
+        </p:txBody>
+      </p:sp>
+    </p:spTree>
+    <p:extLst>
+      <p:ext uri="{BB962C8B-B14F-4D97-AF65-F5344CB8AC3E}">
+        <p14:creationId xmlns:p14="http://schemas.microsoft.com/office/powerpoint/2010/main" val="1520051623"/>
+      </p:ext>
+    </p:extLst>
+  </p:cSld>
+  <p:clrMapOvr>
+    <a:masterClrMapping/>
+  </p:clrMapOvr>
+</p:notes>
+</file>
+
+<file path=ppt/notesSlides/notesSlide5.xml><?xml version="1.0" encoding="utf-8"?>
+<p:notes xmlns:a="http://schemas.openxmlformats.org/drawingml/2006/main" xmlns:r="http://schemas.openxmlformats.org/officeDocument/2006/relationships" xmlns:p="http://schemas.openxmlformats.org/presentationml/2006/main">
+  <p:cSld>
+    <p:spTree>
+      <p:nvGrpSpPr>
+        <p:cNvPr id="1" name=""/>
+        <p:cNvGrpSpPr/>
+        <p:nvPr/>
+      </p:nvGrpSpPr>
+      <p:grpSpPr>
+        <a:xfrm>
+          <a:off x="0" y="0"/>
+          <a:ext cx="0" cy="0"/>
+          <a:chOff x="0" y="0"/>
+          <a:chExt cx="0" cy="0"/>
+        </a:xfrm>
+      </p:grpSpPr>
+      <p:sp>
+        <p:nvSpPr>
+          <p:cNvPr id="2" name="Marcador de Posição da Imagem do Diapositivo 1"/>
+          <p:cNvSpPr>
+            <a:spLocks noGrp="1" noRot="1" noChangeAspect="1"/>
+          </p:cNvSpPr>
+          <p:nvPr>
+            <p:ph type="sldImg"/>
+          </p:nvPr>
+        </p:nvSpPr>
+        <p:spPr/>
+      </p:sp>
+      <p:sp>
+        <p:nvSpPr>
+          <p:cNvPr id="3" name="Marcador de Posição de Notas 2"/>
+          <p:cNvSpPr>
+            <a:spLocks noGrp="1"/>
+          </p:cNvSpPr>
+          <p:nvPr>
+            <p:ph type="body" idx="1"/>
+          </p:nvPr>
+        </p:nvSpPr>
+        <p:spPr/>
+        <p:txBody>
+          <a:bodyPr/>
+          <a:lstStyle/>
+          <a:p>
+            <a:pPr marL="171450" indent="-171450">
+              <a:buFontTx/>
+              <a:buChar char="-"/>
+            </a:pPr>
+            <a:r>
+              <a:rPr lang="pt-PT" dirty="0"/>
+              <a:t>Custo deixa de ser só proporcional, passa-se a pagar taxa por usar aresta (</a:t>
+            </a:r>
+            <a:r>
+              <a:rPr lang="pt-PT" dirty="0" err="1"/>
+              <a:t>overhead</a:t>
+            </a:r>
+            <a:r>
+              <a:rPr lang="pt-PT" dirty="0"/>
+              <a:t>)</a:t>
+            </a:r>
+          </a:p>
+          <a:p>
+            <a:pPr marL="171450" indent="-171450">
+              <a:buFontTx/>
+              <a:buChar char="-"/>
+            </a:pPr>
+            <a:r>
+              <a:rPr lang="pt-PT" dirty="0"/>
+              <a:t>g é em teoria um vetor binário</a:t>
+            </a:r>
+          </a:p>
+          <a:p>
+            <a:pPr marL="171450" indent="-171450">
+              <a:buFontTx/>
+              <a:buChar char="-"/>
+            </a:pPr>
+            <a:r>
+              <a:rPr lang="pt-PT" dirty="0"/>
+              <a:t>Um vetor binário não é linear</a:t>
+            </a:r>
+          </a:p>
+          <a:p>
+            <a:pPr marL="171450" indent="-171450">
+              <a:buFontTx/>
+              <a:buChar char="-"/>
+            </a:pPr>
+            <a:r>
+              <a:rPr lang="pt-PT" dirty="0"/>
+              <a:t>Isto não será problema pois os valores de g iram convergir para 0 ou 1 consoante a necessidade de usar a aresta</a:t>
+            </a:r>
+          </a:p>
+        </p:txBody>
+      </p:sp>
+      <p:sp>
+        <p:nvSpPr>
+          <p:cNvPr id="4" name="Marcador de Posição do Número do Diapositivo 3"/>
+          <p:cNvSpPr>
+            <a:spLocks noGrp="1"/>
+          </p:cNvSpPr>
+          <p:nvPr>
+            <p:ph type="sldNum" sz="quarter" idx="10"/>
+          </p:nvPr>
+        </p:nvSpPr>
+        <p:spPr/>
+        <p:txBody>
+          <a:bodyPr/>
+          <a:lstStyle/>
+          <a:p>
+            <a:fld id="{9039FE6F-9FE1-49A8-B4B4-D2BE189FBC6D}" type="slidenum">
+              <a:rPr lang="pt-PT" smtClean="0"/>
+              <a:t>6</a:t>
+            </a:fld>
+            <a:endParaRPr lang="pt-PT"/>
+          </a:p>
+        </p:txBody>
+      </p:sp>
+    </p:spTree>
+    <p:extLst>
+      <p:ext uri="{BB962C8B-B14F-4D97-AF65-F5344CB8AC3E}">
+        <p14:creationId xmlns:p14="http://schemas.microsoft.com/office/powerpoint/2010/main" val="1088201672"/>
+      </p:ext>
+    </p:extLst>
+  </p:cSld>
+  <p:clrMapOvr>
+    <a:masterClrMapping/>
+  </p:clrMapOvr>
+</p:notes>
+</file>
+
+<file path=ppt/notesSlides/notesSlide6.xml><?xml version="1.0" encoding="utf-8"?>
+<p:notes xmlns:a="http://schemas.openxmlformats.org/drawingml/2006/main" xmlns:r="http://schemas.openxmlformats.org/officeDocument/2006/relationships" xmlns:p="http://schemas.openxmlformats.org/presentationml/2006/main">
+  <p:cSld>
+    <p:spTree>
+      <p:nvGrpSpPr>
+        <p:cNvPr id="1" name=""/>
+        <p:cNvGrpSpPr/>
+        <p:nvPr/>
+      </p:nvGrpSpPr>
+      <p:grpSpPr>
+        <a:xfrm>
+          <a:off x="0" y="0"/>
+          <a:ext cx="0" cy="0"/>
+          <a:chOff x="0" y="0"/>
+          <a:chExt cx="0" cy="0"/>
+        </a:xfrm>
+      </p:grpSpPr>
+      <p:sp>
+        <p:nvSpPr>
+          <p:cNvPr id="2" name="Marcador de Posição da Imagem do Diapositivo 1"/>
+          <p:cNvSpPr>
+            <a:spLocks noGrp="1" noRot="1" noChangeAspect="1"/>
+          </p:cNvSpPr>
+          <p:nvPr>
+            <p:ph type="sldImg"/>
+          </p:nvPr>
+        </p:nvSpPr>
+        <p:spPr/>
+      </p:sp>
+      <p:sp>
+        <p:nvSpPr>
+          <p:cNvPr id="3" name="Marcador de Posição de Notas 2"/>
+          <p:cNvSpPr>
+            <a:spLocks noGrp="1"/>
+          </p:cNvSpPr>
+          <p:nvPr>
+            <p:ph type="body" idx="1"/>
+          </p:nvPr>
+        </p:nvSpPr>
+        <p:spPr/>
+        <p:txBody>
+          <a:bodyPr/>
+          <a:lstStyle/>
+          <a:p>
+            <a:pPr marL="171450" indent="-171450">
+              <a:buFontTx/>
+              <a:buChar char="-"/>
+            </a:pPr>
+            <a:r>
+              <a:rPr lang="pt-PT" dirty="0"/>
+              <a:t>Rede e cenários iniciais</a:t>
+            </a:r>
+          </a:p>
+          <a:p>
+            <a:pPr marL="171450" indent="-171450">
+              <a:buFontTx/>
+              <a:buChar char="-"/>
+            </a:pPr>
+            <a:r>
+              <a:rPr lang="pt-PT" dirty="0"/>
+              <a:t>g não terá </a:t>
+            </a:r>
+            <a:r>
+              <a:rPr lang="pt-PT" dirty="0" err="1"/>
+              <a:t>so</a:t>
+            </a:r>
+            <a:r>
+              <a:rPr lang="pt-PT" dirty="0"/>
+              <a:t> 0 ou 1</a:t>
+            </a:r>
+          </a:p>
+          <a:p>
+            <a:pPr marL="171450" indent="-171450">
+              <a:buFontTx/>
+              <a:buChar char="-"/>
+            </a:pPr>
+            <a:r>
+              <a:rPr lang="pt-PT" dirty="0"/>
+              <a:t>Após testar com outras redes e outros </a:t>
+            </a:r>
+            <a:r>
+              <a:rPr lang="pt-PT" dirty="0" err="1"/>
+              <a:t>overheads</a:t>
+            </a:r>
+            <a:r>
+              <a:rPr lang="pt-PT" dirty="0"/>
+              <a:t> definimos 0,1 como sendo um valor razoável para escolher entre 0 ou 1</a:t>
+            </a:r>
+          </a:p>
+          <a:p>
+            <a:pPr marL="171450" indent="-171450">
+              <a:buFontTx/>
+              <a:buChar char="-"/>
+            </a:pPr>
+            <a:r>
+              <a:rPr lang="pt-PT" dirty="0"/>
+              <a:t>Reescrevemos g e corrermos o algoritmo novamente</a:t>
+            </a:r>
+          </a:p>
+          <a:p>
+            <a:pPr marL="171450" indent="-171450">
+              <a:buFontTx/>
+              <a:buChar char="-"/>
+            </a:pPr>
+            <a:r>
+              <a:rPr lang="pt-PT" dirty="0"/>
+              <a:t>Agora g já não é variável mas sim constante</a:t>
+            </a:r>
+          </a:p>
+          <a:p>
+            <a:pPr marL="171450" indent="-171450">
+              <a:buFontTx/>
+              <a:buChar char="-"/>
+            </a:pPr>
+            <a:r>
+              <a:rPr lang="pt-PT" dirty="0"/>
+              <a:t>Isto redefinirá os valores de r</a:t>
+            </a:r>
+          </a:p>
+        </p:txBody>
+      </p:sp>
+      <p:sp>
+        <p:nvSpPr>
+          <p:cNvPr id="4" name="Marcador de Posição do Número do Diapositivo 3"/>
+          <p:cNvSpPr>
+            <a:spLocks noGrp="1"/>
+          </p:cNvSpPr>
+          <p:nvPr>
+            <p:ph type="sldNum" sz="quarter" idx="10"/>
+          </p:nvPr>
+        </p:nvSpPr>
+        <p:spPr/>
+        <p:txBody>
+          <a:bodyPr/>
+          <a:lstStyle/>
+          <a:p>
+            <a:fld id="{9039FE6F-9FE1-49A8-B4B4-D2BE189FBC6D}" type="slidenum">
+              <a:rPr lang="pt-PT" smtClean="0"/>
+              <a:t>7</a:t>
+            </a:fld>
+            <a:endParaRPr lang="pt-PT"/>
+          </a:p>
+        </p:txBody>
+      </p:sp>
+    </p:spTree>
+    <p:extLst>
+      <p:ext uri="{BB962C8B-B14F-4D97-AF65-F5344CB8AC3E}">
+        <p14:creationId xmlns:p14="http://schemas.microsoft.com/office/powerpoint/2010/main" val="4162625542"/>
+      </p:ext>
+    </p:extLst>
+  </p:cSld>
+  <p:clrMapOvr>
+    <a:masterClrMapping/>
+  </p:clrMapOvr>
+</p:notes>
+</file>
+
+<file path=ppt/notesSlides/notesSlide7.xml><?xml version="1.0" encoding="utf-8"?>
+<p:notes xmlns:a="http://schemas.openxmlformats.org/drawingml/2006/main" xmlns:r="http://schemas.openxmlformats.org/officeDocument/2006/relationships" xmlns:p="http://schemas.openxmlformats.org/presentationml/2006/main">
+  <p:cSld>
+    <p:spTree>
+      <p:nvGrpSpPr>
+        <p:cNvPr id="1" name=""/>
+        <p:cNvGrpSpPr/>
+        <p:nvPr/>
+      </p:nvGrpSpPr>
+      <p:grpSpPr>
+        <a:xfrm>
+          <a:off x="0" y="0"/>
+          <a:ext cx="0" cy="0"/>
+          <a:chOff x="0" y="0"/>
+          <a:chExt cx="0" cy="0"/>
+        </a:xfrm>
+      </p:grpSpPr>
+      <p:sp>
+        <p:nvSpPr>
+          <p:cNvPr id="2" name="Marcador de Posição da Imagem do Diapositivo 1"/>
+          <p:cNvSpPr>
+            <a:spLocks noGrp="1" noRot="1" noChangeAspect="1"/>
+          </p:cNvSpPr>
+          <p:nvPr>
+            <p:ph type="sldImg"/>
+          </p:nvPr>
+        </p:nvSpPr>
+        <p:spPr/>
+      </p:sp>
+      <p:sp>
+        <p:nvSpPr>
+          <p:cNvPr id="3" name="Marcador de Posição de Notas 2"/>
+          <p:cNvSpPr>
+            <a:spLocks noGrp="1"/>
+          </p:cNvSpPr>
+          <p:nvPr>
+            <p:ph type="body" idx="1"/>
+          </p:nvPr>
+        </p:nvSpPr>
+        <p:spPr/>
+        <p:txBody>
+          <a:bodyPr/>
+          <a:lstStyle/>
+          <a:p>
+            <a:r>
+              <a:rPr lang="pt-PT" sz="1200" dirty="0"/>
+              <a:t>- Ciclo for que testa todas as possibilidades de uso ou não das arestas com </a:t>
+            </a:r>
+            <a:r>
+              <a:rPr lang="pt-PT" sz="1200" dirty="0" err="1"/>
+              <a:t>overhead</a:t>
+            </a:r>
+            <a:endParaRPr lang="pt-PT" sz="1200" dirty="0"/>
+          </a:p>
+          <a:p>
+            <a:r>
+              <a:rPr lang="pt-PT" sz="1200" dirty="0"/>
+              <a:t>- Garantimos custo mínimo</a:t>
+            </a:r>
+          </a:p>
+          <a:p>
+            <a:pPr marL="171450" indent="-171450">
+              <a:buFontTx/>
+              <a:buChar char="-"/>
+            </a:pPr>
+            <a:r>
+              <a:rPr lang="pt-PT" sz="1200" dirty="0"/>
+              <a:t>Capacidade computacional pode ser elevada (aumenta cm o numero de arestas cm </a:t>
+            </a:r>
+            <a:r>
+              <a:rPr lang="pt-PT" sz="1200" dirty="0" err="1"/>
+              <a:t>overhead</a:t>
+            </a:r>
+            <a:r>
+              <a:rPr lang="pt-PT" sz="1200" dirty="0"/>
+              <a:t>)</a:t>
+            </a:r>
+          </a:p>
+          <a:p>
+            <a:pPr marL="171450" indent="-171450">
+              <a:buFontTx/>
+              <a:buChar char="-"/>
+            </a:pPr>
+            <a:r>
+              <a:rPr lang="pt-PT" sz="1200" dirty="0"/>
+              <a:t>No nosso exemplo tínhamos 8 combinações mas apenas duas davam solução válida</a:t>
+            </a:r>
+          </a:p>
+          <a:p>
+            <a:pPr marL="171450" indent="-171450">
+              <a:buFontTx/>
+              <a:buChar char="-"/>
+            </a:pPr>
+            <a:r>
+              <a:rPr lang="pt-PT" sz="1200" dirty="0"/>
+              <a:t>A aresta 1 não é essencial então é preferível não a usar pois podemos reconduzir o fluxo</a:t>
+            </a:r>
+          </a:p>
+          <a:p>
+            <a:endParaRPr lang="pt-PT" sz="1200" dirty="0"/>
+          </a:p>
+        </p:txBody>
+      </p:sp>
+      <p:sp>
+        <p:nvSpPr>
+          <p:cNvPr id="4" name="Marcador de Posição do Número do Diapositivo 3"/>
+          <p:cNvSpPr>
+            <a:spLocks noGrp="1"/>
+          </p:cNvSpPr>
+          <p:nvPr>
+            <p:ph type="sldNum" sz="quarter" idx="10"/>
+          </p:nvPr>
+        </p:nvSpPr>
+        <p:spPr/>
+        <p:txBody>
+          <a:bodyPr/>
+          <a:lstStyle/>
+          <a:p>
+            <a:fld id="{9039FE6F-9FE1-49A8-B4B4-D2BE189FBC6D}" type="slidenum">
+              <a:rPr lang="pt-PT" smtClean="0"/>
+              <a:t>8</a:t>
+            </a:fld>
+            <a:endParaRPr lang="pt-PT"/>
+          </a:p>
+        </p:txBody>
+      </p:sp>
+    </p:spTree>
+    <p:extLst>
+      <p:ext uri="{BB962C8B-B14F-4D97-AF65-F5344CB8AC3E}">
+        <p14:creationId xmlns:p14="http://schemas.microsoft.com/office/powerpoint/2010/main" val="3810386651"/>
+      </p:ext>
+    </p:extLst>
+  </p:cSld>
+  <p:clrMapOvr>
+    <a:masterClrMapping/>
+  </p:clrMapOvr>
+</p:notes>
+</file>
+
+<file path=ppt/notesSlides/notesSlide8.xml><?xml version="1.0" encoding="utf-8"?>
+<p:notes xmlns:a="http://schemas.openxmlformats.org/drawingml/2006/main" xmlns:r="http://schemas.openxmlformats.org/officeDocument/2006/relationships" xmlns:p="http://schemas.openxmlformats.org/presentationml/2006/main">
+  <p:cSld>
+    <p:spTree>
+      <p:nvGrpSpPr>
+        <p:cNvPr id="1" name=""/>
+        <p:cNvGrpSpPr/>
+        <p:nvPr/>
+      </p:nvGrpSpPr>
+      <p:grpSpPr>
+        <a:xfrm>
+          <a:off x="0" y="0"/>
+          <a:ext cx="0" cy="0"/>
+          <a:chOff x="0" y="0"/>
+          <a:chExt cx="0" cy="0"/>
+        </a:xfrm>
+      </p:grpSpPr>
+      <p:sp>
+        <p:nvSpPr>
+          <p:cNvPr id="2" name="Marcador de Posição da Imagem do Diapositivo 1"/>
+          <p:cNvSpPr>
+            <a:spLocks noGrp="1" noRot="1" noChangeAspect="1"/>
+          </p:cNvSpPr>
+          <p:nvPr>
+            <p:ph type="sldImg"/>
+          </p:nvPr>
+        </p:nvSpPr>
+        <p:spPr/>
+      </p:sp>
+      <p:sp>
+        <p:nvSpPr>
+          <p:cNvPr id="3" name="Marcador de Posição de Notas 2"/>
+          <p:cNvSpPr>
+            <a:spLocks noGrp="1"/>
+          </p:cNvSpPr>
+          <p:nvPr>
+            <p:ph type="body" idx="1"/>
+          </p:nvPr>
+        </p:nvSpPr>
+        <p:spPr/>
+        <p:txBody>
+          <a:bodyPr/>
+          <a:lstStyle/>
+          <a:p>
+            <a:pPr marL="171450" indent="-171450">
+              <a:buFontTx/>
+              <a:buChar char="-"/>
+            </a:pPr>
+            <a:r>
+              <a:rPr lang="pt-PT" dirty="0"/>
+              <a:t>Queremos levar </a:t>
+            </a:r>
+            <a:r>
+              <a:rPr lang="pt-PT" dirty="0" err="1"/>
+              <a:t>flow</a:t>
+            </a:r>
+            <a:r>
+              <a:rPr lang="pt-PT" dirty="0"/>
+              <a:t> para 2 proveniente de 1 e 4</a:t>
+            </a:r>
+          </a:p>
+          <a:p>
+            <a:pPr marL="171450" indent="-171450">
+              <a:buFontTx/>
+              <a:buChar char="-"/>
+            </a:pPr>
+            <a:r>
+              <a:rPr lang="pt-PT" dirty="0"/>
+              <a:t>Sem </a:t>
+            </a:r>
+            <a:r>
+              <a:rPr lang="pt-PT" dirty="0" err="1"/>
+              <a:t>overhead</a:t>
+            </a:r>
+            <a:r>
+              <a:rPr lang="pt-PT" dirty="0"/>
+              <a:t> usaríamos 1 e 3</a:t>
+            </a:r>
+          </a:p>
+        </p:txBody>
+      </p:sp>
+      <p:sp>
+        <p:nvSpPr>
+          <p:cNvPr id="4" name="Marcador de Posição do Número do Diapositivo 3"/>
+          <p:cNvSpPr>
+            <a:spLocks noGrp="1"/>
+          </p:cNvSpPr>
+          <p:nvPr>
+            <p:ph type="sldNum" sz="quarter" idx="10"/>
+          </p:nvPr>
+        </p:nvSpPr>
+        <p:spPr/>
+        <p:txBody>
+          <a:bodyPr/>
+          <a:lstStyle/>
+          <a:p>
+            <a:fld id="{9039FE6F-9FE1-49A8-B4B4-D2BE189FBC6D}" type="slidenum">
+              <a:rPr lang="pt-PT" smtClean="0"/>
+              <a:t>9</a:t>
+            </a:fld>
+            <a:endParaRPr lang="pt-PT"/>
+          </a:p>
+        </p:txBody>
+      </p:sp>
+    </p:spTree>
+    <p:extLst>
+      <p:ext uri="{BB962C8B-B14F-4D97-AF65-F5344CB8AC3E}">
+        <p14:creationId xmlns:p14="http://schemas.microsoft.com/office/powerpoint/2010/main" val="391144399"/>
+      </p:ext>
+    </p:extLst>
+  </p:cSld>
+  <p:clrMapOvr>
+    <a:masterClrMapping/>
+  </p:clrMapOvr>
+</p:notes>
+</file>
+
+<file path=ppt/notesSlides/notesSlide9.xml><?xml version="1.0" encoding="utf-8"?>
+<p:notes xmlns:a="http://schemas.openxmlformats.org/drawingml/2006/main" xmlns:r="http://schemas.openxmlformats.org/officeDocument/2006/relationships" xmlns:p="http://schemas.openxmlformats.org/presentationml/2006/main">
+  <p:cSld>
+    <p:spTree>
+      <p:nvGrpSpPr>
+        <p:cNvPr id="1" name=""/>
+        <p:cNvGrpSpPr/>
+        <p:nvPr/>
+      </p:nvGrpSpPr>
+      <p:grpSpPr>
+        <a:xfrm>
+          <a:off x="0" y="0"/>
+          <a:ext cx="0" cy="0"/>
+          <a:chOff x="0" y="0"/>
+          <a:chExt cx="0" cy="0"/>
+        </a:xfrm>
+      </p:grpSpPr>
+      <p:sp>
+        <p:nvSpPr>
+          <p:cNvPr id="2" name="Marcador de Posição da Imagem do Diapositivo 1"/>
+          <p:cNvSpPr>
+            <a:spLocks noGrp="1" noRot="1" noChangeAspect="1"/>
+          </p:cNvSpPr>
+          <p:nvPr>
+            <p:ph type="sldImg"/>
+          </p:nvPr>
+        </p:nvSpPr>
+        <p:spPr/>
+      </p:sp>
+      <p:sp>
+        <p:nvSpPr>
+          <p:cNvPr id="3" name="Marcador de Posição de Notas 2"/>
+          <p:cNvSpPr>
+            <a:spLocks noGrp="1"/>
+          </p:cNvSpPr>
+          <p:nvPr>
+            <p:ph type="body" idx="1"/>
+          </p:nvPr>
+        </p:nvSpPr>
+        <p:spPr/>
+        <p:txBody>
+          <a:bodyPr/>
+          <a:lstStyle/>
+          <a:p>
+            <a:pPr marL="171450" indent="-171450">
+              <a:buFontTx/>
+              <a:buChar char="-"/>
+            </a:pPr>
+            <a:r>
+              <a:rPr lang="pt-PT" dirty="0"/>
+              <a:t>Por força bruta (2 combinações) teríamos sempre a melhor solução (usar as arestas 4 e 5) para os dois </a:t>
+            </a:r>
+            <a:r>
+              <a:rPr lang="pt-PT" dirty="0" err="1"/>
+              <a:t>overheads</a:t>
+            </a:r>
+            <a:r>
+              <a:rPr lang="pt-PT" dirty="0"/>
+              <a:t> de 3</a:t>
+            </a:r>
+          </a:p>
+          <a:p>
+            <a:pPr marL="171450" indent="-171450">
+              <a:buFontTx/>
+              <a:buChar char="-"/>
+            </a:pPr>
+            <a:r>
+              <a:rPr lang="pt-PT" dirty="0"/>
+              <a:t>não garantimos melhor solução pois g da aresta 3 não vai ter uma valor suficientemente baixo</a:t>
+            </a:r>
+          </a:p>
+          <a:p>
+            <a:pPr marL="171450" indent="-171450">
+              <a:buFontTx/>
+              <a:buChar char="-"/>
+            </a:pPr>
+            <a:r>
+              <a:rPr lang="pt-PT" dirty="0"/>
+              <a:t>Em outros casos este valor poderia ser de uma aresta essencial (como no grafo anterior na aresta 7)</a:t>
+            </a:r>
+          </a:p>
+          <a:p>
+            <a:pPr marL="171450" indent="-171450">
+              <a:buFontTx/>
+              <a:buChar char="-"/>
+            </a:pPr>
+            <a:r>
+              <a:rPr lang="pt-PT" dirty="0"/>
+              <a:t>Para </a:t>
+            </a:r>
+            <a:r>
+              <a:rPr lang="pt-PT" dirty="0" err="1"/>
+              <a:t>overhead</a:t>
+            </a:r>
+            <a:r>
+              <a:rPr lang="pt-PT" dirty="0"/>
+              <a:t> de 2 o valor em g já é </a:t>
+            </a:r>
+            <a:r>
+              <a:rPr lang="pt-PT" dirty="0" err="1"/>
+              <a:t>mto</a:t>
+            </a:r>
+            <a:r>
+              <a:rPr lang="pt-PT" dirty="0"/>
+              <a:t> baixo por isso sabemos logo que há caminho alternativo</a:t>
+            </a:r>
+          </a:p>
+        </p:txBody>
+      </p:sp>
+      <p:sp>
+        <p:nvSpPr>
+          <p:cNvPr id="4" name="Marcador de Posição do Número do Diapositivo 3"/>
+          <p:cNvSpPr>
+            <a:spLocks noGrp="1"/>
+          </p:cNvSpPr>
+          <p:nvPr>
+            <p:ph type="sldNum" sz="quarter" idx="10"/>
+          </p:nvPr>
+        </p:nvSpPr>
+        <p:spPr/>
+        <p:txBody>
+          <a:bodyPr/>
+          <a:lstStyle/>
+          <a:p>
+            <a:fld id="{9039FE6F-9FE1-49A8-B4B4-D2BE189FBC6D}" type="slidenum">
+              <a:rPr lang="pt-PT" smtClean="0"/>
+              <a:t>10</a:t>
+            </a:fld>
+            <a:endParaRPr lang="pt-PT"/>
+          </a:p>
+        </p:txBody>
+      </p:sp>
+    </p:spTree>
+    <p:extLst>
+      <p:ext uri="{BB962C8B-B14F-4D97-AF65-F5344CB8AC3E}">
+        <p14:creationId xmlns:p14="http://schemas.microsoft.com/office/powerpoint/2010/main" val="809283606"/>
+      </p:ext>
+    </p:extLst>
+  </p:cSld>
+  <p:clrMapOvr>
+    <a:masterClrMapping/>
+  </p:clrMapOvr>
+</p:notes>
 </file>
 
 <file path=ppt/slideLayouts/slideLayout1.xml><?xml version="1.0" encoding="utf-8"?>
@@ -6825,6 +8785,1184 @@
           <p:cNvPr id="2" name="Título 1">
             <a:extLst>
               <a:ext uri="{FF2B5EF4-FFF2-40B4-BE49-F238E27FC236}">
+                <a16:creationId xmlns:a16="http://schemas.microsoft.com/office/drawing/2014/main" id="{00597261-95D8-41C3-8683-0B384958BE8A}"/>
+              </a:ext>
+            </a:extLst>
+          </p:cNvPr>
+          <p:cNvSpPr>
+            <a:spLocks noGrp="1"/>
+          </p:cNvSpPr>
+          <p:nvPr>
+            <p:ph type="title"/>
+          </p:nvPr>
+        </p:nvSpPr>
+        <p:spPr>
+          <a:xfrm>
+            <a:off x="1484310" y="521804"/>
+            <a:ext cx="10018713" cy="1089991"/>
+          </a:xfrm>
+        </p:spPr>
+        <p:txBody>
+          <a:bodyPr/>
+          <a:lstStyle/>
+          <a:p>
+            <a:r>
+              <a:rPr lang="pt-PT" dirty="0"/>
+              <a:t>Parte 2 : Resultados (Relaxação de aresta)</a:t>
+            </a:r>
+          </a:p>
+        </p:txBody>
+      </p:sp>
+      <p:pic>
+        <p:nvPicPr>
+          <p:cNvPr id="4" name="Marcador de Posição de Conteúdo 4">
+            <a:extLst>
+              <a:ext uri="{FF2B5EF4-FFF2-40B4-BE49-F238E27FC236}">
+                <a16:creationId xmlns:a16="http://schemas.microsoft.com/office/drawing/2014/main" id="{C594AF20-2348-446F-8396-E5F8E9F18911}"/>
+              </a:ext>
+            </a:extLst>
+          </p:cNvPr>
+          <p:cNvPicPr>
+            <a:picLocks noChangeAspect="1"/>
+          </p:cNvPicPr>
+          <p:nvPr/>
+        </p:nvPicPr>
+        <p:blipFill>
+          <a:blip r:embed="rId3">
+            <a:clrChange>
+              <a:clrFrom>
+                <a:srgbClr val="FFFFFF"/>
+              </a:clrFrom>
+              <a:clrTo>
+                <a:srgbClr val="FFFFFF">
+                  <a:alpha val="0"/>
+                </a:srgbClr>
+              </a:clrTo>
+            </a:clrChange>
+            <a:extLst>
+              <a:ext uri="{28A0092B-C50C-407E-A947-70E740481C1C}">
+                <a14:useLocalDpi xmlns:a14="http://schemas.microsoft.com/office/drawing/2010/main" val="0"/>
+              </a:ext>
+            </a:extLst>
+          </a:blip>
+          <a:stretch>
+            <a:fillRect/>
+          </a:stretch>
+        </p:blipFill>
+        <p:spPr>
+          <a:xfrm>
+            <a:off x="2426519" y="2105677"/>
+            <a:ext cx="3669481" cy="3575392"/>
+          </a:xfrm>
+          <a:prstGeom prst="rect">
+            <a:avLst/>
+          </a:prstGeom>
+        </p:spPr>
+      </p:pic>
+      <p:sp>
+        <p:nvSpPr>
+          <p:cNvPr id="6" name="Marcador de Posição de Conteúdo 2">
+            <a:extLst>
+              <a:ext uri="{FF2B5EF4-FFF2-40B4-BE49-F238E27FC236}">
+                <a16:creationId xmlns:a16="http://schemas.microsoft.com/office/drawing/2014/main" id="{1C65CDF5-D957-43B2-BF11-DA3F6DE5EF99}"/>
+              </a:ext>
+            </a:extLst>
+          </p:cNvPr>
+          <p:cNvSpPr txBox="1">
+            <a:spLocks/>
+          </p:cNvSpPr>
+          <p:nvPr/>
+        </p:nvSpPr>
+        <p:spPr>
+          <a:xfrm>
+            <a:off x="7477118" y="2567157"/>
+            <a:ext cx="3401880" cy="1723685"/>
+          </a:xfrm>
+          <a:prstGeom prst="rect">
+            <a:avLst/>
+          </a:prstGeom>
+        </p:spPr>
+        <p:txBody>
+          <a:bodyPr vert="horz" lIns="91440" tIns="45720" rIns="91440" bIns="45720" rtlCol="0" anchor="ctr">
+            <a:noAutofit/>
+          </a:bodyPr>
+          <a:lstStyle>
+            <a:lvl1pPr marL="285750" indent="-285750" algn="l" defTabSz="457200" rtl="0" eaLnBrk="1" latinLnBrk="0" hangingPunct="1">
+              <a:spcBef>
+                <a:spcPct val="20000"/>
+              </a:spcBef>
+              <a:spcAft>
+                <a:spcPts val="600"/>
+              </a:spcAft>
+              <a:buClr>
+                <a:schemeClr val="accent1">
+                  <a:lumMod val="75000"/>
+                </a:schemeClr>
+              </a:buClr>
+              <a:buSzPct val="145000"/>
+              <a:buFont typeface="Arial"/>
+              <a:buChar char="•"/>
+              <a:defRPr sz="2400" kern="1200" cap="none">
+                <a:solidFill>
+                  <a:schemeClr val="tx1"/>
+                </a:solidFill>
+                <a:effectLst/>
+                <a:latin typeface="+mn-lt"/>
+                <a:ea typeface="+mn-ea"/>
+                <a:cs typeface="+mn-cs"/>
+              </a:defRPr>
+            </a:lvl1pPr>
+            <a:lvl2pPr marL="742950" indent="-285750" algn="l" defTabSz="457200" rtl="0" eaLnBrk="1" latinLnBrk="0" hangingPunct="1">
+              <a:spcBef>
+                <a:spcPct val="20000"/>
+              </a:spcBef>
+              <a:spcAft>
+                <a:spcPts val="600"/>
+              </a:spcAft>
+              <a:buClr>
+                <a:schemeClr val="accent1">
+                  <a:lumMod val="75000"/>
+                </a:schemeClr>
+              </a:buClr>
+              <a:buSzPct val="145000"/>
+              <a:buFont typeface="Arial"/>
+              <a:buChar char="•"/>
+              <a:defRPr sz="2000" kern="1200" cap="none">
+                <a:solidFill>
+                  <a:schemeClr val="tx1"/>
+                </a:solidFill>
+                <a:effectLst/>
+                <a:latin typeface="+mn-lt"/>
+                <a:ea typeface="+mn-ea"/>
+                <a:cs typeface="+mn-cs"/>
+              </a:defRPr>
+            </a:lvl2pPr>
+            <a:lvl3pPr marL="1200150" indent="-285750" algn="l" defTabSz="457200" rtl="0" eaLnBrk="1" latinLnBrk="0" hangingPunct="1">
+              <a:spcBef>
+                <a:spcPct val="20000"/>
+              </a:spcBef>
+              <a:spcAft>
+                <a:spcPts val="600"/>
+              </a:spcAft>
+              <a:buClr>
+                <a:schemeClr val="accent1">
+                  <a:lumMod val="75000"/>
+                </a:schemeClr>
+              </a:buClr>
+              <a:buSzPct val="145000"/>
+              <a:buFont typeface="Arial"/>
+              <a:buChar char="•"/>
+              <a:defRPr sz="1800" kern="1200" cap="none">
+                <a:solidFill>
+                  <a:schemeClr val="tx1"/>
+                </a:solidFill>
+                <a:effectLst/>
+                <a:latin typeface="+mn-lt"/>
+                <a:ea typeface="+mn-ea"/>
+                <a:cs typeface="+mn-cs"/>
+              </a:defRPr>
+            </a:lvl3pPr>
+            <a:lvl4pPr marL="1543050" indent="-171450" algn="l" defTabSz="457200" rtl="0" eaLnBrk="1" latinLnBrk="0" hangingPunct="1">
+              <a:spcBef>
+                <a:spcPct val="20000"/>
+              </a:spcBef>
+              <a:spcAft>
+                <a:spcPts val="600"/>
+              </a:spcAft>
+              <a:buClr>
+                <a:schemeClr val="accent1">
+                  <a:lumMod val="75000"/>
+                </a:schemeClr>
+              </a:buClr>
+              <a:buSzPct val="145000"/>
+              <a:buFont typeface="Arial"/>
+              <a:buChar char="•"/>
+              <a:defRPr sz="1600" kern="1200" cap="none">
+                <a:solidFill>
+                  <a:schemeClr val="tx1"/>
+                </a:solidFill>
+                <a:effectLst/>
+                <a:latin typeface="+mn-lt"/>
+                <a:ea typeface="+mn-ea"/>
+                <a:cs typeface="+mn-cs"/>
+              </a:defRPr>
+            </a:lvl4pPr>
+            <a:lvl5pPr marL="2000250" indent="-171450" algn="l" defTabSz="457200" rtl="0" eaLnBrk="1" latinLnBrk="0" hangingPunct="1">
+              <a:spcBef>
+                <a:spcPct val="20000"/>
+              </a:spcBef>
+              <a:spcAft>
+                <a:spcPts val="600"/>
+              </a:spcAft>
+              <a:buClr>
+                <a:schemeClr val="accent1">
+                  <a:lumMod val="75000"/>
+                </a:schemeClr>
+              </a:buClr>
+              <a:buSzPct val="145000"/>
+              <a:buFont typeface="Arial"/>
+              <a:buChar char="•"/>
+              <a:defRPr sz="1400" kern="1200" cap="none">
+                <a:solidFill>
+                  <a:schemeClr val="tx1"/>
+                </a:solidFill>
+                <a:effectLst/>
+                <a:latin typeface="+mn-lt"/>
+                <a:ea typeface="+mn-ea"/>
+                <a:cs typeface="+mn-cs"/>
+              </a:defRPr>
+            </a:lvl5pPr>
+            <a:lvl6pPr marL="2514600" indent="-228600" algn="l" defTabSz="457200" rtl="0" eaLnBrk="1" latinLnBrk="0" hangingPunct="1">
+              <a:spcBef>
+                <a:spcPct val="20000"/>
+              </a:spcBef>
+              <a:spcAft>
+                <a:spcPts val="600"/>
+              </a:spcAft>
+              <a:buClr>
+                <a:schemeClr val="accent1">
+                  <a:lumMod val="75000"/>
+                </a:schemeClr>
+              </a:buClr>
+              <a:buSzPct val="145000"/>
+              <a:buFont typeface="Arial"/>
+              <a:buChar char="•"/>
+              <a:defRPr sz="1400" kern="1200" cap="none">
+                <a:solidFill>
+                  <a:schemeClr val="tx1"/>
+                </a:solidFill>
+                <a:effectLst/>
+                <a:latin typeface="+mn-lt"/>
+                <a:ea typeface="+mn-ea"/>
+                <a:cs typeface="+mn-cs"/>
+              </a:defRPr>
+            </a:lvl6pPr>
+            <a:lvl7pPr marL="2971800" indent="-228600" algn="l" defTabSz="457200" rtl="0" eaLnBrk="1" latinLnBrk="0" hangingPunct="1">
+              <a:spcBef>
+                <a:spcPct val="20000"/>
+              </a:spcBef>
+              <a:spcAft>
+                <a:spcPts val="600"/>
+              </a:spcAft>
+              <a:buClr>
+                <a:schemeClr val="accent1">
+                  <a:lumMod val="75000"/>
+                </a:schemeClr>
+              </a:buClr>
+              <a:buSzPct val="145000"/>
+              <a:buFont typeface="Arial"/>
+              <a:buChar char="•"/>
+              <a:defRPr sz="1400" kern="1200" cap="none">
+                <a:solidFill>
+                  <a:schemeClr val="tx1"/>
+                </a:solidFill>
+                <a:effectLst/>
+                <a:latin typeface="+mn-lt"/>
+                <a:ea typeface="+mn-ea"/>
+                <a:cs typeface="+mn-cs"/>
+              </a:defRPr>
+            </a:lvl7pPr>
+            <a:lvl8pPr marL="3429000" indent="-228600" algn="l" defTabSz="457200" rtl="0" eaLnBrk="1" latinLnBrk="0" hangingPunct="1">
+              <a:spcBef>
+                <a:spcPct val="20000"/>
+              </a:spcBef>
+              <a:spcAft>
+                <a:spcPts val="600"/>
+              </a:spcAft>
+              <a:buClr>
+                <a:schemeClr val="accent1">
+                  <a:lumMod val="75000"/>
+                </a:schemeClr>
+              </a:buClr>
+              <a:buSzPct val="145000"/>
+              <a:buFont typeface="Arial"/>
+              <a:buChar char="•"/>
+              <a:defRPr sz="1400" kern="1200" cap="none">
+                <a:solidFill>
+                  <a:schemeClr val="tx1"/>
+                </a:solidFill>
+                <a:effectLst/>
+                <a:latin typeface="+mn-lt"/>
+                <a:ea typeface="+mn-ea"/>
+                <a:cs typeface="+mn-cs"/>
+              </a:defRPr>
+            </a:lvl8pPr>
+            <a:lvl9pPr marL="3886200" indent="-228600" algn="l" defTabSz="457200" rtl="0" eaLnBrk="1" latinLnBrk="0" hangingPunct="1">
+              <a:spcBef>
+                <a:spcPct val="20000"/>
+              </a:spcBef>
+              <a:spcAft>
+                <a:spcPts val="600"/>
+              </a:spcAft>
+              <a:buClr>
+                <a:schemeClr val="accent1">
+                  <a:lumMod val="75000"/>
+                </a:schemeClr>
+              </a:buClr>
+              <a:buSzPct val="145000"/>
+              <a:buFont typeface="Arial"/>
+              <a:buChar char="•"/>
+              <a:defRPr sz="1400" kern="1200" cap="none">
+                <a:solidFill>
+                  <a:schemeClr val="tx1"/>
+                </a:solidFill>
+                <a:effectLst/>
+                <a:latin typeface="+mn-lt"/>
+                <a:ea typeface="+mn-ea"/>
+                <a:cs typeface="+mn-cs"/>
+              </a:defRPr>
+            </a:lvl9pPr>
+          </a:lstStyle>
+          <a:p>
+            <a:pPr>
+              <a:buFont typeface="Arial" panose="020B0604020202020204" pitchFamily="34" charset="0"/>
+              <a:buChar char="•"/>
+            </a:pPr>
+            <a:r>
+              <a:rPr lang="pt-PT" sz="2000" dirty="0"/>
+              <a:t>Com </a:t>
+            </a:r>
+            <a:r>
+              <a:rPr lang="pt-PT" sz="2000" dirty="0" err="1"/>
+              <a:t>overhead</a:t>
+            </a:r>
+            <a:r>
+              <a:rPr lang="pt-PT" sz="2000" dirty="0"/>
+              <a:t> de 1 na aresta 3</a:t>
+            </a:r>
+          </a:p>
+          <a:p>
+            <a:pPr>
+              <a:buFont typeface="Arial" panose="020B0604020202020204" pitchFamily="34" charset="0"/>
+              <a:buChar char="•"/>
+            </a:pPr>
+            <a:r>
+              <a:rPr lang="pt-PT" sz="2000" dirty="0"/>
+              <a:t>O </a:t>
+            </a:r>
+            <a:r>
+              <a:rPr lang="pt-PT" sz="2000" dirty="0" err="1"/>
+              <a:t>flow</a:t>
+            </a:r>
+            <a:r>
+              <a:rPr lang="pt-PT" sz="2000" dirty="0"/>
+              <a:t> de 0.75 passa na resta 3 com custo de 1.75 enquanto que pelas arestas 4 e 5 teria custo de 1.5</a:t>
+            </a:r>
+            <a:endParaRPr lang="pt-PT" dirty="0"/>
+          </a:p>
+          <a:p>
+            <a:pPr>
+              <a:buFont typeface="Arial" panose="020B0604020202020204" pitchFamily="34" charset="0"/>
+              <a:buChar char="•"/>
+            </a:pPr>
+            <a:endParaRPr lang="pt-PT" dirty="0"/>
+          </a:p>
+          <a:p>
+            <a:endParaRPr lang="pt-PT" dirty="0"/>
+          </a:p>
+        </p:txBody>
+      </p:sp>
+      <p:sp>
+        <p:nvSpPr>
+          <p:cNvPr id="7" name="Marcador de Posição de Conteúdo 2">
+            <a:extLst>
+              <a:ext uri="{FF2B5EF4-FFF2-40B4-BE49-F238E27FC236}">
+                <a16:creationId xmlns:a16="http://schemas.microsoft.com/office/drawing/2014/main" id="{BED25348-9553-4A4B-B933-3815F978E897}"/>
+              </a:ext>
+            </a:extLst>
+          </p:cNvPr>
+          <p:cNvSpPr txBox="1">
+            <a:spLocks/>
+          </p:cNvSpPr>
+          <p:nvPr/>
+        </p:nvSpPr>
+        <p:spPr>
+          <a:xfrm>
+            <a:off x="7488999" y="4819226"/>
+            <a:ext cx="3401880" cy="1723685"/>
+          </a:xfrm>
+          <a:prstGeom prst="rect">
+            <a:avLst/>
+          </a:prstGeom>
+        </p:spPr>
+        <p:txBody>
+          <a:bodyPr vert="horz" lIns="91440" tIns="45720" rIns="91440" bIns="45720" rtlCol="0" anchor="ctr">
+            <a:noAutofit/>
+          </a:bodyPr>
+          <a:lstStyle>
+            <a:lvl1pPr marL="285750" indent="-285750" algn="l" defTabSz="457200" rtl="0" eaLnBrk="1" latinLnBrk="0" hangingPunct="1">
+              <a:spcBef>
+                <a:spcPct val="20000"/>
+              </a:spcBef>
+              <a:spcAft>
+                <a:spcPts val="600"/>
+              </a:spcAft>
+              <a:buClr>
+                <a:schemeClr val="accent1">
+                  <a:lumMod val="75000"/>
+                </a:schemeClr>
+              </a:buClr>
+              <a:buSzPct val="145000"/>
+              <a:buFont typeface="Arial"/>
+              <a:buChar char="•"/>
+              <a:defRPr sz="2400" kern="1200" cap="none">
+                <a:solidFill>
+                  <a:schemeClr val="tx1"/>
+                </a:solidFill>
+                <a:effectLst/>
+                <a:latin typeface="+mn-lt"/>
+                <a:ea typeface="+mn-ea"/>
+                <a:cs typeface="+mn-cs"/>
+              </a:defRPr>
+            </a:lvl1pPr>
+            <a:lvl2pPr marL="742950" indent="-285750" algn="l" defTabSz="457200" rtl="0" eaLnBrk="1" latinLnBrk="0" hangingPunct="1">
+              <a:spcBef>
+                <a:spcPct val="20000"/>
+              </a:spcBef>
+              <a:spcAft>
+                <a:spcPts val="600"/>
+              </a:spcAft>
+              <a:buClr>
+                <a:schemeClr val="accent1">
+                  <a:lumMod val="75000"/>
+                </a:schemeClr>
+              </a:buClr>
+              <a:buSzPct val="145000"/>
+              <a:buFont typeface="Arial"/>
+              <a:buChar char="•"/>
+              <a:defRPr sz="2000" kern="1200" cap="none">
+                <a:solidFill>
+                  <a:schemeClr val="tx1"/>
+                </a:solidFill>
+                <a:effectLst/>
+                <a:latin typeface="+mn-lt"/>
+                <a:ea typeface="+mn-ea"/>
+                <a:cs typeface="+mn-cs"/>
+              </a:defRPr>
+            </a:lvl2pPr>
+            <a:lvl3pPr marL="1200150" indent="-285750" algn="l" defTabSz="457200" rtl="0" eaLnBrk="1" latinLnBrk="0" hangingPunct="1">
+              <a:spcBef>
+                <a:spcPct val="20000"/>
+              </a:spcBef>
+              <a:spcAft>
+                <a:spcPts val="600"/>
+              </a:spcAft>
+              <a:buClr>
+                <a:schemeClr val="accent1">
+                  <a:lumMod val="75000"/>
+                </a:schemeClr>
+              </a:buClr>
+              <a:buSzPct val="145000"/>
+              <a:buFont typeface="Arial"/>
+              <a:buChar char="•"/>
+              <a:defRPr sz="1800" kern="1200" cap="none">
+                <a:solidFill>
+                  <a:schemeClr val="tx1"/>
+                </a:solidFill>
+                <a:effectLst/>
+                <a:latin typeface="+mn-lt"/>
+                <a:ea typeface="+mn-ea"/>
+                <a:cs typeface="+mn-cs"/>
+              </a:defRPr>
+            </a:lvl3pPr>
+            <a:lvl4pPr marL="1543050" indent="-171450" algn="l" defTabSz="457200" rtl="0" eaLnBrk="1" latinLnBrk="0" hangingPunct="1">
+              <a:spcBef>
+                <a:spcPct val="20000"/>
+              </a:spcBef>
+              <a:spcAft>
+                <a:spcPts val="600"/>
+              </a:spcAft>
+              <a:buClr>
+                <a:schemeClr val="accent1">
+                  <a:lumMod val="75000"/>
+                </a:schemeClr>
+              </a:buClr>
+              <a:buSzPct val="145000"/>
+              <a:buFont typeface="Arial"/>
+              <a:buChar char="•"/>
+              <a:defRPr sz="1600" kern="1200" cap="none">
+                <a:solidFill>
+                  <a:schemeClr val="tx1"/>
+                </a:solidFill>
+                <a:effectLst/>
+                <a:latin typeface="+mn-lt"/>
+                <a:ea typeface="+mn-ea"/>
+                <a:cs typeface="+mn-cs"/>
+              </a:defRPr>
+            </a:lvl4pPr>
+            <a:lvl5pPr marL="2000250" indent="-171450" algn="l" defTabSz="457200" rtl="0" eaLnBrk="1" latinLnBrk="0" hangingPunct="1">
+              <a:spcBef>
+                <a:spcPct val="20000"/>
+              </a:spcBef>
+              <a:spcAft>
+                <a:spcPts val="600"/>
+              </a:spcAft>
+              <a:buClr>
+                <a:schemeClr val="accent1">
+                  <a:lumMod val="75000"/>
+                </a:schemeClr>
+              </a:buClr>
+              <a:buSzPct val="145000"/>
+              <a:buFont typeface="Arial"/>
+              <a:buChar char="•"/>
+              <a:defRPr sz="1400" kern="1200" cap="none">
+                <a:solidFill>
+                  <a:schemeClr val="tx1"/>
+                </a:solidFill>
+                <a:effectLst/>
+                <a:latin typeface="+mn-lt"/>
+                <a:ea typeface="+mn-ea"/>
+                <a:cs typeface="+mn-cs"/>
+              </a:defRPr>
+            </a:lvl5pPr>
+            <a:lvl6pPr marL="2514600" indent="-228600" algn="l" defTabSz="457200" rtl="0" eaLnBrk="1" latinLnBrk="0" hangingPunct="1">
+              <a:spcBef>
+                <a:spcPct val="20000"/>
+              </a:spcBef>
+              <a:spcAft>
+                <a:spcPts val="600"/>
+              </a:spcAft>
+              <a:buClr>
+                <a:schemeClr val="accent1">
+                  <a:lumMod val="75000"/>
+                </a:schemeClr>
+              </a:buClr>
+              <a:buSzPct val="145000"/>
+              <a:buFont typeface="Arial"/>
+              <a:buChar char="•"/>
+              <a:defRPr sz="1400" kern="1200" cap="none">
+                <a:solidFill>
+                  <a:schemeClr val="tx1"/>
+                </a:solidFill>
+                <a:effectLst/>
+                <a:latin typeface="+mn-lt"/>
+                <a:ea typeface="+mn-ea"/>
+                <a:cs typeface="+mn-cs"/>
+              </a:defRPr>
+            </a:lvl6pPr>
+            <a:lvl7pPr marL="2971800" indent="-228600" algn="l" defTabSz="457200" rtl="0" eaLnBrk="1" latinLnBrk="0" hangingPunct="1">
+              <a:spcBef>
+                <a:spcPct val="20000"/>
+              </a:spcBef>
+              <a:spcAft>
+                <a:spcPts val="600"/>
+              </a:spcAft>
+              <a:buClr>
+                <a:schemeClr val="accent1">
+                  <a:lumMod val="75000"/>
+                </a:schemeClr>
+              </a:buClr>
+              <a:buSzPct val="145000"/>
+              <a:buFont typeface="Arial"/>
+              <a:buChar char="•"/>
+              <a:defRPr sz="1400" kern="1200" cap="none">
+                <a:solidFill>
+                  <a:schemeClr val="tx1"/>
+                </a:solidFill>
+                <a:effectLst/>
+                <a:latin typeface="+mn-lt"/>
+                <a:ea typeface="+mn-ea"/>
+                <a:cs typeface="+mn-cs"/>
+              </a:defRPr>
+            </a:lvl7pPr>
+            <a:lvl8pPr marL="3429000" indent="-228600" algn="l" defTabSz="457200" rtl="0" eaLnBrk="1" latinLnBrk="0" hangingPunct="1">
+              <a:spcBef>
+                <a:spcPct val="20000"/>
+              </a:spcBef>
+              <a:spcAft>
+                <a:spcPts val="600"/>
+              </a:spcAft>
+              <a:buClr>
+                <a:schemeClr val="accent1">
+                  <a:lumMod val="75000"/>
+                </a:schemeClr>
+              </a:buClr>
+              <a:buSzPct val="145000"/>
+              <a:buFont typeface="Arial"/>
+              <a:buChar char="•"/>
+              <a:defRPr sz="1400" kern="1200" cap="none">
+                <a:solidFill>
+                  <a:schemeClr val="tx1"/>
+                </a:solidFill>
+                <a:effectLst/>
+                <a:latin typeface="+mn-lt"/>
+                <a:ea typeface="+mn-ea"/>
+                <a:cs typeface="+mn-cs"/>
+              </a:defRPr>
+            </a:lvl8pPr>
+            <a:lvl9pPr marL="3886200" indent="-228600" algn="l" defTabSz="457200" rtl="0" eaLnBrk="1" latinLnBrk="0" hangingPunct="1">
+              <a:spcBef>
+                <a:spcPct val="20000"/>
+              </a:spcBef>
+              <a:spcAft>
+                <a:spcPts val="600"/>
+              </a:spcAft>
+              <a:buClr>
+                <a:schemeClr val="accent1">
+                  <a:lumMod val="75000"/>
+                </a:schemeClr>
+              </a:buClr>
+              <a:buSzPct val="145000"/>
+              <a:buFont typeface="Arial"/>
+              <a:buChar char="•"/>
+              <a:defRPr sz="1400" kern="1200" cap="none">
+                <a:solidFill>
+                  <a:schemeClr val="tx1"/>
+                </a:solidFill>
+                <a:effectLst/>
+                <a:latin typeface="+mn-lt"/>
+                <a:ea typeface="+mn-ea"/>
+                <a:cs typeface="+mn-cs"/>
+              </a:defRPr>
+            </a:lvl9pPr>
+          </a:lstStyle>
+          <a:p>
+            <a:pPr>
+              <a:buFont typeface="Arial" panose="020B0604020202020204" pitchFamily="34" charset="0"/>
+              <a:buChar char="•"/>
+            </a:pPr>
+            <a:r>
+              <a:rPr lang="pt-PT" sz="2000" dirty="0"/>
+              <a:t>Com </a:t>
+            </a:r>
+            <a:r>
+              <a:rPr lang="pt-PT" sz="2000" dirty="0" err="1"/>
+              <a:t>overhead</a:t>
+            </a:r>
+            <a:r>
+              <a:rPr lang="pt-PT" sz="2000" dirty="0"/>
+              <a:t> de 2 na aresta 3</a:t>
+            </a:r>
+          </a:p>
+          <a:p>
+            <a:pPr>
+              <a:buFont typeface="Arial" panose="020B0604020202020204" pitchFamily="34" charset="0"/>
+              <a:buChar char="•"/>
+            </a:pPr>
+            <a:r>
+              <a:rPr lang="pt-PT" sz="2000" dirty="0"/>
+              <a:t>O </a:t>
+            </a:r>
+            <a:r>
+              <a:rPr lang="pt-PT" sz="2000" dirty="0" err="1"/>
+              <a:t>flow</a:t>
+            </a:r>
+            <a:r>
+              <a:rPr lang="pt-PT" sz="2000" dirty="0"/>
+              <a:t> de 0.75 passa nas arestas 4 e 5 com custo de 1.5</a:t>
+            </a:r>
+            <a:endParaRPr lang="pt-PT" dirty="0"/>
+          </a:p>
+          <a:p>
+            <a:pPr>
+              <a:buFont typeface="Arial" panose="020B0604020202020204" pitchFamily="34" charset="0"/>
+              <a:buChar char="•"/>
+            </a:pPr>
+            <a:endParaRPr lang="pt-PT" dirty="0"/>
+          </a:p>
+          <a:p>
+            <a:endParaRPr lang="pt-PT" dirty="0"/>
+          </a:p>
+        </p:txBody>
+      </p:sp>
+      <p:pic>
+        <p:nvPicPr>
+          <p:cNvPr id="8" name="Imagem 7">
+            <a:extLst>
+              <a:ext uri="{FF2B5EF4-FFF2-40B4-BE49-F238E27FC236}">
+                <a16:creationId xmlns:a16="http://schemas.microsoft.com/office/drawing/2014/main" id="{40539326-5812-46F4-BA32-A4DEC5A797FE}"/>
+              </a:ext>
+            </a:extLst>
+          </p:cNvPr>
+          <p:cNvPicPr>
+            <a:picLocks noChangeAspect="1"/>
+          </p:cNvPicPr>
+          <p:nvPr/>
+        </p:nvPicPr>
+        <p:blipFill>
+          <a:blip r:embed="rId4">
+            <a:extLst>
+              <a:ext uri="{28A0092B-C50C-407E-A947-70E740481C1C}">
+                <a14:useLocalDpi xmlns:a14="http://schemas.microsoft.com/office/drawing/2010/main" val="0"/>
+              </a:ext>
+            </a:extLst>
+          </a:blip>
+          <a:stretch>
+            <a:fillRect/>
+          </a:stretch>
+        </p:blipFill>
+        <p:spPr>
+          <a:xfrm>
+            <a:off x="10228054" y="5688016"/>
+            <a:ext cx="2083301" cy="1472167"/>
+          </a:xfrm>
+          <a:prstGeom prst="rect">
+            <a:avLst/>
+          </a:prstGeom>
+        </p:spPr>
+      </p:pic>
+    </p:spTree>
+    <p:extLst>
+      <p:ext uri="{BB962C8B-B14F-4D97-AF65-F5344CB8AC3E}">
+        <p14:creationId xmlns:p14="http://schemas.microsoft.com/office/powerpoint/2010/main" val="2685920793"/>
+      </p:ext>
+    </p:extLst>
+  </p:cSld>
+  <p:clrMapOvr>
+    <a:masterClrMapping/>
+  </p:clrMapOvr>
+</p:sld>
+</file>
+
+<file path=ppt/slides/slide11.xml><?xml version="1.0" encoding="utf-8"?>
+<p:sld xmlns:a="http://schemas.openxmlformats.org/drawingml/2006/main" xmlns:r="http://schemas.openxmlformats.org/officeDocument/2006/relationships" xmlns:p="http://schemas.openxmlformats.org/presentationml/2006/main">
+  <p:cSld>
+    <p:spTree>
+      <p:nvGrpSpPr>
+        <p:cNvPr id="1" name=""/>
+        <p:cNvGrpSpPr/>
+        <p:nvPr/>
+      </p:nvGrpSpPr>
+      <p:grpSpPr>
+        <a:xfrm>
+          <a:off x="0" y="0"/>
+          <a:ext cx="0" cy="0"/>
+          <a:chOff x="0" y="0"/>
+          <a:chExt cx="0" cy="0"/>
+        </a:xfrm>
+      </p:grpSpPr>
+      <p:sp>
+        <p:nvSpPr>
+          <p:cNvPr id="2" name="Título 1">
+            <a:extLst>
+              <a:ext uri="{FF2B5EF4-FFF2-40B4-BE49-F238E27FC236}">
+                <a16:creationId xmlns:a16="http://schemas.microsoft.com/office/drawing/2014/main" id="{65D15E48-001F-4A74-91AA-DBB2A0D385B9}"/>
+              </a:ext>
+            </a:extLst>
+          </p:cNvPr>
+          <p:cNvSpPr>
+            <a:spLocks noGrp="1"/>
+          </p:cNvSpPr>
+          <p:nvPr>
+            <p:ph type="title"/>
+          </p:nvPr>
+        </p:nvSpPr>
+        <p:spPr>
+          <a:xfrm>
+            <a:off x="1484310" y="482048"/>
+            <a:ext cx="10018713" cy="1169504"/>
+          </a:xfrm>
+        </p:spPr>
+        <p:txBody>
+          <a:bodyPr/>
+          <a:lstStyle/>
+          <a:p>
+            <a:r>
+              <a:rPr lang="pt-PT" dirty="0"/>
+              <a:t>Parte 3 : Formulação</a:t>
+            </a:r>
+          </a:p>
+        </p:txBody>
+      </p:sp>
+      <p:sp>
+        <p:nvSpPr>
+          <p:cNvPr id="5" name="Marcador de Posição de Conteúdo 2">
+            <a:extLst>
+              <a:ext uri="{FF2B5EF4-FFF2-40B4-BE49-F238E27FC236}">
+                <a16:creationId xmlns:a16="http://schemas.microsoft.com/office/drawing/2014/main" id="{DA15AD1A-7261-4720-A9B8-AAF52C1413B9}"/>
+              </a:ext>
+            </a:extLst>
+          </p:cNvPr>
+          <p:cNvSpPr txBox="1">
+            <a:spLocks/>
+          </p:cNvSpPr>
+          <p:nvPr/>
+        </p:nvSpPr>
+        <p:spPr>
+          <a:xfrm>
+            <a:off x="4290007" y="5019193"/>
+            <a:ext cx="4525521" cy="1527382"/>
+          </a:xfrm>
+          <a:prstGeom prst="rect">
+            <a:avLst/>
+          </a:prstGeom>
+        </p:spPr>
+        <p:txBody>
+          <a:bodyPr vert="horz" lIns="91440" tIns="45720" rIns="91440" bIns="45720" rtlCol="0" anchor="ctr">
+            <a:noAutofit/>
+          </a:bodyPr>
+          <a:lstStyle>
+            <a:lvl1pPr marL="285750" indent="-285750" algn="l" defTabSz="457200" rtl="0" eaLnBrk="1" latinLnBrk="0" hangingPunct="1">
+              <a:spcBef>
+                <a:spcPct val="20000"/>
+              </a:spcBef>
+              <a:spcAft>
+                <a:spcPts val="600"/>
+              </a:spcAft>
+              <a:buClr>
+                <a:schemeClr val="accent1">
+                  <a:lumMod val="75000"/>
+                </a:schemeClr>
+              </a:buClr>
+              <a:buSzPct val="145000"/>
+              <a:buFont typeface="Arial"/>
+              <a:buChar char="•"/>
+              <a:defRPr sz="2400" kern="1200" cap="none">
+                <a:solidFill>
+                  <a:schemeClr val="tx1"/>
+                </a:solidFill>
+                <a:effectLst/>
+                <a:latin typeface="+mn-lt"/>
+                <a:ea typeface="+mn-ea"/>
+                <a:cs typeface="+mn-cs"/>
+              </a:defRPr>
+            </a:lvl1pPr>
+            <a:lvl2pPr marL="742950" indent="-285750" algn="l" defTabSz="457200" rtl="0" eaLnBrk="1" latinLnBrk="0" hangingPunct="1">
+              <a:spcBef>
+                <a:spcPct val="20000"/>
+              </a:spcBef>
+              <a:spcAft>
+                <a:spcPts val="600"/>
+              </a:spcAft>
+              <a:buClr>
+                <a:schemeClr val="accent1">
+                  <a:lumMod val="75000"/>
+                </a:schemeClr>
+              </a:buClr>
+              <a:buSzPct val="145000"/>
+              <a:buFont typeface="Arial"/>
+              <a:buChar char="•"/>
+              <a:defRPr sz="2000" kern="1200" cap="none">
+                <a:solidFill>
+                  <a:schemeClr val="tx1"/>
+                </a:solidFill>
+                <a:effectLst/>
+                <a:latin typeface="+mn-lt"/>
+                <a:ea typeface="+mn-ea"/>
+                <a:cs typeface="+mn-cs"/>
+              </a:defRPr>
+            </a:lvl2pPr>
+            <a:lvl3pPr marL="1200150" indent="-285750" algn="l" defTabSz="457200" rtl="0" eaLnBrk="1" latinLnBrk="0" hangingPunct="1">
+              <a:spcBef>
+                <a:spcPct val="20000"/>
+              </a:spcBef>
+              <a:spcAft>
+                <a:spcPts val="600"/>
+              </a:spcAft>
+              <a:buClr>
+                <a:schemeClr val="accent1">
+                  <a:lumMod val="75000"/>
+                </a:schemeClr>
+              </a:buClr>
+              <a:buSzPct val="145000"/>
+              <a:buFont typeface="Arial"/>
+              <a:buChar char="•"/>
+              <a:defRPr sz="1800" kern="1200" cap="none">
+                <a:solidFill>
+                  <a:schemeClr val="tx1"/>
+                </a:solidFill>
+                <a:effectLst/>
+                <a:latin typeface="+mn-lt"/>
+                <a:ea typeface="+mn-ea"/>
+                <a:cs typeface="+mn-cs"/>
+              </a:defRPr>
+            </a:lvl3pPr>
+            <a:lvl4pPr marL="1543050" indent="-171450" algn="l" defTabSz="457200" rtl="0" eaLnBrk="1" latinLnBrk="0" hangingPunct="1">
+              <a:spcBef>
+                <a:spcPct val="20000"/>
+              </a:spcBef>
+              <a:spcAft>
+                <a:spcPts val="600"/>
+              </a:spcAft>
+              <a:buClr>
+                <a:schemeClr val="accent1">
+                  <a:lumMod val="75000"/>
+                </a:schemeClr>
+              </a:buClr>
+              <a:buSzPct val="145000"/>
+              <a:buFont typeface="Arial"/>
+              <a:buChar char="•"/>
+              <a:defRPr sz="1600" kern="1200" cap="none">
+                <a:solidFill>
+                  <a:schemeClr val="tx1"/>
+                </a:solidFill>
+                <a:effectLst/>
+                <a:latin typeface="+mn-lt"/>
+                <a:ea typeface="+mn-ea"/>
+                <a:cs typeface="+mn-cs"/>
+              </a:defRPr>
+            </a:lvl4pPr>
+            <a:lvl5pPr marL="2000250" indent="-171450" algn="l" defTabSz="457200" rtl="0" eaLnBrk="1" latinLnBrk="0" hangingPunct="1">
+              <a:spcBef>
+                <a:spcPct val="20000"/>
+              </a:spcBef>
+              <a:spcAft>
+                <a:spcPts val="600"/>
+              </a:spcAft>
+              <a:buClr>
+                <a:schemeClr val="accent1">
+                  <a:lumMod val="75000"/>
+                </a:schemeClr>
+              </a:buClr>
+              <a:buSzPct val="145000"/>
+              <a:buFont typeface="Arial"/>
+              <a:buChar char="•"/>
+              <a:defRPr sz="1400" kern="1200" cap="none">
+                <a:solidFill>
+                  <a:schemeClr val="tx1"/>
+                </a:solidFill>
+                <a:effectLst/>
+                <a:latin typeface="+mn-lt"/>
+                <a:ea typeface="+mn-ea"/>
+                <a:cs typeface="+mn-cs"/>
+              </a:defRPr>
+            </a:lvl5pPr>
+            <a:lvl6pPr marL="2514600" indent="-228600" algn="l" defTabSz="457200" rtl="0" eaLnBrk="1" latinLnBrk="0" hangingPunct="1">
+              <a:spcBef>
+                <a:spcPct val="20000"/>
+              </a:spcBef>
+              <a:spcAft>
+                <a:spcPts val="600"/>
+              </a:spcAft>
+              <a:buClr>
+                <a:schemeClr val="accent1">
+                  <a:lumMod val="75000"/>
+                </a:schemeClr>
+              </a:buClr>
+              <a:buSzPct val="145000"/>
+              <a:buFont typeface="Arial"/>
+              <a:buChar char="•"/>
+              <a:defRPr sz="1400" kern="1200" cap="none">
+                <a:solidFill>
+                  <a:schemeClr val="tx1"/>
+                </a:solidFill>
+                <a:effectLst/>
+                <a:latin typeface="+mn-lt"/>
+                <a:ea typeface="+mn-ea"/>
+                <a:cs typeface="+mn-cs"/>
+              </a:defRPr>
+            </a:lvl6pPr>
+            <a:lvl7pPr marL="2971800" indent="-228600" algn="l" defTabSz="457200" rtl="0" eaLnBrk="1" latinLnBrk="0" hangingPunct="1">
+              <a:spcBef>
+                <a:spcPct val="20000"/>
+              </a:spcBef>
+              <a:spcAft>
+                <a:spcPts val="600"/>
+              </a:spcAft>
+              <a:buClr>
+                <a:schemeClr val="accent1">
+                  <a:lumMod val="75000"/>
+                </a:schemeClr>
+              </a:buClr>
+              <a:buSzPct val="145000"/>
+              <a:buFont typeface="Arial"/>
+              <a:buChar char="•"/>
+              <a:defRPr sz="1400" kern="1200" cap="none">
+                <a:solidFill>
+                  <a:schemeClr val="tx1"/>
+                </a:solidFill>
+                <a:effectLst/>
+                <a:latin typeface="+mn-lt"/>
+                <a:ea typeface="+mn-ea"/>
+                <a:cs typeface="+mn-cs"/>
+              </a:defRPr>
+            </a:lvl7pPr>
+            <a:lvl8pPr marL="3429000" indent="-228600" algn="l" defTabSz="457200" rtl="0" eaLnBrk="1" latinLnBrk="0" hangingPunct="1">
+              <a:spcBef>
+                <a:spcPct val="20000"/>
+              </a:spcBef>
+              <a:spcAft>
+                <a:spcPts val="600"/>
+              </a:spcAft>
+              <a:buClr>
+                <a:schemeClr val="accent1">
+                  <a:lumMod val="75000"/>
+                </a:schemeClr>
+              </a:buClr>
+              <a:buSzPct val="145000"/>
+              <a:buFont typeface="Arial"/>
+              <a:buChar char="•"/>
+              <a:defRPr sz="1400" kern="1200" cap="none">
+                <a:solidFill>
+                  <a:schemeClr val="tx1"/>
+                </a:solidFill>
+                <a:effectLst/>
+                <a:latin typeface="+mn-lt"/>
+                <a:ea typeface="+mn-ea"/>
+                <a:cs typeface="+mn-cs"/>
+              </a:defRPr>
+            </a:lvl8pPr>
+            <a:lvl9pPr marL="3886200" indent="-228600" algn="l" defTabSz="457200" rtl="0" eaLnBrk="1" latinLnBrk="0" hangingPunct="1">
+              <a:spcBef>
+                <a:spcPct val="20000"/>
+              </a:spcBef>
+              <a:spcAft>
+                <a:spcPts val="600"/>
+              </a:spcAft>
+              <a:buClr>
+                <a:schemeClr val="accent1">
+                  <a:lumMod val="75000"/>
+                </a:schemeClr>
+              </a:buClr>
+              <a:buSzPct val="145000"/>
+              <a:buFont typeface="Arial"/>
+              <a:buChar char="•"/>
+              <a:defRPr sz="1400" kern="1200" cap="none">
+                <a:solidFill>
+                  <a:schemeClr val="tx1"/>
+                </a:solidFill>
+                <a:effectLst/>
+                <a:latin typeface="+mn-lt"/>
+                <a:ea typeface="+mn-ea"/>
+                <a:cs typeface="+mn-cs"/>
+              </a:defRPr>
+            </a:lvl9pPr>
+          </a:lstStyle>
+          <a:p>
+            <a:pPr>
+              <a:buFont typeface="Arial" panose="020B0604020202020204" pitchFamily="34" charset="0"/>
+              <a:buChar char="•"/>
+            </a:pPr>
+            <a:r>
+              <a:rPr lang="pt-PT" sz="2000" dirty="0"/>
+              <a:t>A – rede original</a:t>
+            </a:r>
+          </a:p>
+          <a:p>
+            <a:pPr>
+              <a:buFont typeface="Arial" panose="020B0604020202020204" pitchFamily="34" charset="0"/>
+              <a:buChar char="•"/>
+            </a:pPr>
+            <a:r>
+              <a:rPr lang="pt-PT" sz="2000" dirty="0"/>
+              <a:t>As – rede com arestas trocadas</a:t>
+            </a:r>
+            <a:endParaRPr lang="pt-PT" dirty="0"/>
+          </a:p>
+          <a:p>
+            <a:pPr>
+              <a:buFont typeface="Arial" panose="020B0604020202020204" pitchFamily="34" charset="0"/>
+              <a:buChar char="•"/>
+            </a:pPr>
+            <a:endParaRPr lang="pt-PT" dirty="0"/>
+          </a:p>
+          <a:p>
+            <a:endParaRPr lang="pt-PT" dirty="0"/>
+          </a:p>
+        </p:txBody>
+      </p:sp>
+      <p:pic>
+        <p:nvPicPr>
+          <p:cNvPr id="6" name="Imagem 5">
+            <a:extLst>
+              <a:ext uri="{FF2B5EF4-FFF2-40B4-BE49-F238E27FC236}">
+                <a16:creationId xmlns:a16="http://schemas.microsoft.com/office/drawing/2014/main" id="{1644BE74-7032-48A7-9BBF-F23E0030406D}"/>
+              </a:ext>
+            </a:extLst>
+          </p:cNvPr>
+          <p:cNvPicPr>
+            <a:picLocks noChangeAspect="1"/>
+          </p:cNvPicPr>
+          <p:nvPr/>
+        </p:nvPicPr>
+        <p:blipFill>
+          <a:blip r:embed="rId3">
+            <a:extLst>
+              <a:ext uri="{28A0092B-C50C-407E-A947-70E740481C1C}">
+                <a14:useLocalDpi xmlns:a14="http://schemas.microsoft.com/office/drawing/2010/main" val="0"/>
+              </a:ext>
+            </a:extLst>
+          </a:blip>
+          <a:stretch>
+            <a:fillRect/>
+          </a:stretch>
+        </p:blipFill>
+        <p:spPr>
+          <a:xfrm>
+            <a:off x="10228054" y="5688016"/>
+            <a:ext cx="2083301" cy="1472167"/>
+          </a:xfrm>
+          <a:prstGeom prst="rect">
+            <a:avLst/>
+          </a:prstGeom>
+        </p:spPr>
+      </p:pic>
+      <p:pic>
+        <p:nvPicPr>
+          <p:cNvPr id="3" name="Imagem 2">
+            <a:extLst>
+              <a:ext uri="{FF2B5EF4-FFF2-40B4-BE49-F238E27FC236}">
+                <a16:creationId xmlns:a16="http://schemas.microsoft.com/office/drawing/2014/main" id="{290D6D53-2AD5-4614-9F99-F9F15F15B420}"/>
+              </a:ext>
+            </a:extLst>
+          </p:cNvPr>
+          <p:cNvPicPr>
+            <a:picLocks noChangeAspect="1"/>
+          </p:cNvPicPr>
+          <p:nvPr/>
+        </p:nvPicPr>
+        <p:blipFill>
+          <a:blip r:embed="rId4">
+            <a:clrChange>
+              <a:clrFrom>
+                <a:srgbClr val="FFFFFF"/>
+              </a:clrFrom>
+              <a:clrTo>
+                <a:srgbClr val="FFFFFF">
+                  <a:alpha val="0"/>
+                </a:srgbClr>
+              </a:clrTo>
+            </a:clrChange>
+          </a:blip>
+          <a:stretch>
+            <a:fillRect/>
+          </a:stretch>
+        </p:blipFill>
+        <p:spPr>
+          <a:xfrm>
+            <a:off x="4290007" y="1651552"/>
+            <a:ext cx="4475244" cy="2682323"/>
+          </a:xfrm>
+          <a:prstGeom prst="rect">
+            <a:avLst/>
+          </a:prstGeom>
+        </p:spPr>
+      </p:pic>
+    </p:spTree>
+    <p:extLst>
+      <p:ext uri="{BB962C8B-B14F-4D97-AF65-F5344CB8AC3E}">
+        <p14:creationId xmlns:p14="http://schemas.microsoft.com/office/powerpoint/2010/main" val="966092888"/>
+      </p:ext>
+    </p:extLst>
+  </p:cSld>
+  <p:clrMapOvr>
+    <a:masterClrMapping/>
+  </p:clrMapOvr>
+</p:sld>
+</file>
+
+<file path=ppt/slides/slide12.xml><?xml version="1.0" encoding="utf-8"?>
+<p:sld xmlns:a="http://schemas.openxmlformats.org/drawingml/2006/main" xmlns:r="http://schemas.openxmlformats.org/officeDocument/2006/relationships" xmlns:p="http://schemas.openxmlformats.org/presentationml/2006/main">
+  <p:cSld>
+    <p:spTree>
+      <p:nvGrpSpPr>
+        <p:cNvPr id="1" name=""/>
+        <p:cNvGrpSpPr/>
+        <p:nvPr/>
+      </p:nvGrpSpPr>
+      <p:grpSpPr>
+        <a:xfrm>
+          <a:off x="0" y="0"/>
+          <a:ext cx="0" cy="0"/>
+          <a:chOff x="0" y="0"/>
+          <a:chExt cx="0" cy="0"/>
+        </a:xfrm>
+      </p:grpSpPr>
+      <p:sp>
+        <p:nvSpPr>
+          <p:cNvPr id="2" name="Título 1">
+            <a:extLst>
+              <a:ext uri="{FF2B5EF4-FFF2-40B4-BE49-F238E27FC236}">
                 <a16:creationId xmlns:a16="http://schemas.microsoft.com/office/drawing/2014/main" id="{DB472E0F-47C6-4377-A9B6-E580652884E4}"/>
               </a:ext>
             </a:extLst>
@@ -6881,12 +10019,12 @@
           <a:graphicData uri="http://schemas.openxmlformats.org/presentationml/2006/ole">
             <mc:AlternateContent xmlns:mc="http://schemas.openxmlformats.org/markup-compatibility/2006">
               <mc:Choice xmlns:v="urn:schemas-microsoft-com:vml" Requires="v">
-                <p:oleObj spid="_x0000_s1030" name="Visio" r:id="rId3" imgW="4514680" imgH="3352926" progId="Visio.Drawing.15">
+                <p:oleObj spid="_x0000_s1041" name="Visio" r:id="rId4" imgW="4514680" imgH="3352926" progId="Visio.Drawing.15">
                   <p:embed/>
                 </p:oleObj>
               </mc:Choice>
               <mc:Fallback>
-                <p:oleObj name="Visio" r:id="rId3" imgW="4514680" imgH="3352926" progId="Visio.Drawing.15">
+                <p:oleObj name="Visio" r:id="rId4" imgW="4514680" imgH="3352926" progId="Visio.Drawing.15">
                   <p:embed/>
                   <p:pic>
                     <p:nvPicPr>
@@ -6895,7 +10033,7 @@
                       <p:nvPr/>
                     </p:nvPicPr>
                     <p:blipFill>
-                      <a:blip r:embed="rId4"/>
+                      <a:blip r:embed="rId5"/>
                       <a:stretch>
                         <a:fillRect/>
                       </a:stretch>
@@ -6931,7 +10069,7 @@
           <p:nvPr/>
         </p:nvPicPr>
         <p:blipFill>
-          <a:blip r:embed="rId5">
+          <a:blip r:embed="rId6">
             <a:clrChange>
               <a:clrFrom>
                 <a:srgbClr val="FFFFFF"/>
@@ -7258,7 +10396,7 @@
           <p:nvPr/>
         </p:nvPicPr>
         <p:blipFill>
-          <a:blip r:embed="rId6">
+          <a:blip r:embed="rId7">
             <a:extLst>
               <a:ext uri="{28A0092B-C50C-407E-A947-70E740481C1C}">
                 <a14:useLocalDpi xmlns:a14="http://schemas.microsoft.com/office/drawing/2010/main" val="0"/>
@@ -7292,7 +10430,7 @@
 </p:sld>
 </file>
 
-<file path=ppt/slides/slide11.xml><?xml version="1.0" encoding="utf-8"?>
+<file path=ppt/slides/slide13.xml><?xml version="1.0" encoding="utf-8"?>
 <p:sld xmlns:a="http://schemas.openxmlformats.org/drawingml/2006/main" xmlns:r="http://schemas.openxmlformats.org/officeDocument/2006/relationships" xmlns:p="http://schemas.openxmlformats.org/presentationml/2006/main">
   <p:cSld>
     <p:spTree>
@@ -7342,51 +10480,6 @@
           </a:p>
         </p:txBody>
       </p:sp>
-      <p:pic>
-        <p:nvPicPr>
-          <p:cNvPr id="5" name="Marcador de Posição de Conteúdo 4" descr="Uma imagem com fotografia, céu, esqui&#10;&#10;Descrição gerada com confiança alta">
-            <a:extLst>
-              <a:ext uri="{FF2B5EF4-FFF2-40B4-BE49-F238E27FC236}">
-                <a16:creationId xmlns:a16="http://schemas.microsoft.com/office/drawing/2014/main" id="{95DED46A-1588-44BD-BD4F-2271D4015872}"/>
-              </a:ext>
-            </a:extLst>
-          </p:cNvPr>
-          <p:cNvPicPr>
-            <a:picLocks noGrp="1" noChangeAspect="1"/>
-          </p:cNvPicPr>
-          <p:nvPr>
-            <p:ph idx="1"/>
-          </p:nvPr>
-        </p:nvPicPr>
-        <p:blipFill>
-          <a:blip r:embed="rId2">
-            <a:clrChange>
-              <a:clrFrom>
-                <a:srgbClr val="FFFFFF"/>
-              </a:clrFrom>
-              <a:clrTo>
-                <a:srgbClr val="FFFFFF">
-                  <a:alpha val="0"/>
-                </a:srgbClr>
-              </a:clrTo>
-            </a:clrChange>
-            <a:extLst>
-              <a:ext uri="{28A0092B-C50C-407E-A947-70E740481C1C}">
-                <a14:useLocalDpi xmlns:a14="http://schemas.microsoft.com/office/drawing/2010/main" val="0"/>
-              </a:ext>
-            </a:extLst>
-          </a:blip>
-          <a:stretch>
-            <a:fillRect/>
-          </a:stretch>
-        </p:blipFill>
-        <p:spPr>
-          <a:xfrm>
-            <a:off x="1986680" y="2471332"/>
-            <a:ext cx="4502170" cy="2829538"/>
-          </a:xfrm>
-        </p:spPr>
-      </p:pic>
       <p:sp>
         <p:nvSpPr>
           <p:cNvPr id="6" name="Marcador de Posição de Conteúdo 2">
@@ -7710,6 +10803,52 @@
           </a:prstGeom>
         </p:spPr>
       </p:pic>
+      <p:pic>
+        <p:nvPicPr>
+          <p:cNvPr id="10" name="Imagem 9" descr="Uma imagem com esqui, céu&#10;&#10;Descrição gerada com confiança alta">
+            <a:extLst>
+              <a:ext uri="{FF2B5EF4-FFF2-40B4-BE49-F238E27FC236}">
+                <a16:creationId xmlns:a16="http://schemas.microsoft.com/office/drawing/2014/main" id="{BDBA26C0-6ED4-4746-98B5-C02F624D159A}"/>
+              </a:ext>
+            </a:extLst>
+          </p:cNvPr>
+          <p:cNvPicPr>
+            <a:picLocks noChangeAspect="1"/>
+          </p:cNvPicPr>
+          <p:nvPr/>
+        </p:nvPicPr>
+        <p:blipFill>
+          <a:blip r:embed="rId4">
+            <a:clrChange>
+              <a:clrFrom>
+                <a:srgbClr val="FFFFFF"/>
+              </a:clrFrom>
+              <a:clrTo>
+                <a:srgbClr val="FFFFFF">
+                  <a:alpha val="0"/>
+                </a:srgbClr>
+              </a:clrTo>
+            </a:clrChange>
+            <a:extLst>
+              <a:ext uri="{28A0092B-C50C-407E-A947-70E740481C1C}">
+                <a14:useLocalDpi xmlns:a14="http://schemas.microsoft.com/office/drawing/2010/main" val="0"/>
+              </a:ext>
+            </a:extLst>
+          </a:blip>
+          <a:stretch>
+            <a:fillRect/>
+          </a:stretch>
+        </p:blipFill>
+        <p:spPr>
+          <a:xfrm>
+            <a:off x="2205874" y="2204651"/>
+            <a:ext cx="4079979" cy="3343742"/>
+          </a:xfrm>
+          <a:prstGeom prst="rect">
+            <a:avLst/>
+          </a:prstGeom>
+        </p:spPr>
+      </p:pic>
     </p:spTree>
     <p:extLst>
       <p:ext uri="{BB962C8B-B14F-4D97-AF65-F5344CB8AC3E}">
@@ -7723,7 +10862,7 @@
 </p:sld>
 </file>
 
-<file path=ppt/slides/slide12.xml><?xml version="1.0" encoding="utf-8"?>
+<file path=ppt/slides/slide14.xml><?xml version="1.0" encoding="utf-8"?>
 <p:sld xmlns:a="http://schemas.openxmlformats.org/drawingml/2006/main" xmlns:r="http://schemas.openxmlformats.org/officeDocument/2006/relationships" xmlns:p="http://schemas.openxmlformats.org/presentationml/2006/main">
   <p:cSld>
     <p:spTree>
@@ -7845,12 +10984,282 @@
           </a:prstGeom>
         </p:spPr>
       </p:pic>
+      <p:sp>
+        <p:nvSpPr>
+          <p:cNvPr id="8" name="Marcador de Posição de Conteúdo 2">
+            <a:extLst>
+              <a:ext uri="{FF2B5EF4-FFF2-40B4-BE49-F238E27FC236}">
+                <a16:creationId xmlns:a16="http://schemas.microsoft.com/office/drawing/2014/main" id="{A9A79C1C-6B3B-4C8C-B1E8-AC736030F820}"/>
+              </a:ext>
+            </a:extLst>
+          </p:cNvPr>
+          <p:cNvSpPr txBox="1">
+            <a:spLocks/>
+          </p:cNvSpPr>
+          <p:nvPr/>
+        </p:nvSpPr>
+        <p:spPr>
+          <a:xfrm>
+            <a:off x="1417975" y="3127957"/>
+            <a:ext cx="4525521" cy="1527382"/>
+          </a:xfrm>
+          <a:prstGeom prst="rect">
+            <a:avLst/>
+          </a:prstGeom>
+        </p:spPr>
+        <p:txBody>
+          <a:bodyPr vert="horz" lIns="91440" tIns="45720" rIns="91440" bIns="45720" rtlCol="0" anchor="ctr">
+            <a:noAutofit/>
+          </a:bodyPr>
+          <a:lstStyle>
+            <a:lvl1pPr marL="285750" indent="-285750" algn="l" defTabSz="457200" rtl="0" eaLnBrk="1" latinLnBrk="0" hangingPunct="1">
+              <a:spcBef>
+                <a:spcPct val="20000"/>
+              </a:spcBef>
+              <a:spcAft>
+                <a:spcPts val="600"/>
+              </a:spcAft>
+              <a:buClr>
+                <a:schemeClr val="accent1">
+                  <a:lumMod val="75000"/>
+                </a:schemeClr>
+              </a:buClr>
+              <a:buSzPct val="145000"/>
+              <a:buFont typeface="Arial"/>
+              <a:buChar char="•"/>
+              <a:defRPr sz="2400" kern="1200" cap="none">
+                <a:solidFill>
+                  <a:schemeClr val="tx1"/>
+                </a:solidFill>
+                <a:effectLst/>
+                <a:latin typeface="+mn-lt"/>
+                <a:ea typeface="+mn-ea"/>
+                <a:cs typeface="+mn-cs"/>
+              </a:defRPr>
+            </a:lvl1pPr>
+            <a:lvl2pPr marL="742950" indent="-285750" algn="l" defTabSz="457200" rtl="0" eaLnBrk="1" latinLnBrk="0" hangingPunct="1">
+              <a:spcBef>
+                <a:spcPct val="20000"/>
+              </a:spcBef>
+              <a:spcAft>
+                <a:spcPts val="600"/>
+              </a:spcAft>
+              <a:buClr>
+                <a:schemeClr val="accent1">
+                  <a:lumMod val="75000"/>
+                </a:schemeClr>
+              </a:buClr>
+              <a:buSzPct val="145000"/>
+              <a:buFont typeface="Arial"/>
+              <a:buChar char="•"/>
+              <a:defRPr sz="2000" kern="1200" cap="none">
+                <a:solidFill>
+                  <a:schemeClr val="tx1"/>
+                </a:solidFill>
+                <a:effectLst/>
+                <a:latin typeface="+mn-lt"/>
+                <a:ea typeface="+mn-ea"/>
+                <a:cs typeface="+mn-cs"/>
+              </a:defRPr>
+            </a:lvl2pPr>
+            <a:lvl3pPr marL="1200150" indent="-285750" algn="l" defTabSz="457200" rtl="0" eaLnBrk="1" latinLnBrk="0" hangingPunct="1">
+              <a:spcBef>
+                <a:spcPct val="20000"/>
+              </a:spcBef>
+              <a:spcAft>
+                <a:spcPts val="600"/>
+              </a:spcAft>
+              <a:buClr>
+                <a:schemeClr val="accent1">
+                  <a:lumMod val="75000"/>
+                </a:schemeClr>
+              </a:buClr>
+              <a:buSzPct val="145000"/>
+              <a:buFont typeface="Arial"/>
+              <a:buChar char="•"/>
+              <a:defRPr sz="1800" kern="1200" cap="none">
+                <a:solidFill>
+                  <a:schemeClr val="tx1"/>
+                </a:solidFill>
+                <a:effectLst/>
+                <a:latin typeface="+mn-lt"/>
+                <a:ea typeface="+mn-ea"/>
+                <a:cs typeface="+mn-cs"/>
+              </a:defRPr>
+            </a:lvl3pPr>
+            <a:lvl4pPr marL="1543050" indent="-171450" algn="l" defTabSz="457200" rtl="0" eaLnBrk="1" latinLnBrk="0" hangingPunct="1">
+              <a:spcBef>
+                <a:spcPct val="20000"/>
+              </a:spcBef>
+              <a:spcAft>
+                <a:spcPts val="600"/>
+              </a:spcAft>
+              <a:buClr>
+                <a:schemeClr val="accent1">
+                  <a:lumMod val="75000"/>
+                </a:schemeClr>
+              </a:buClr>
+              <a:buSzPct val="145000"/>
+              <a:buFont typeface="Arial"/>
+              <a:buChar char="•"/>
+              <a:defRPr sz="1600" kern="1200" cap="none">
+                <a:solidFill>
+                  <a:schemeClr val="tx1"/>
+                </a:solidFill>
+                <a:effectLst/>
+                <a:latin typeface="+mn-lt"/>
+                <a:ea typeface="+mn-ea"/>
+                <a:cs typeface="+mn-cs"/>
+              </a:defRPr>
+            </a:lvl4pPr>
+            <a:lvl5pPr marL="2000250" indent="-171450" algn="l" defTabSz="457200" rtl="0" eaLnBrk="1" latinLnBrk="0" hangingPunct="1">
+              <a:spcBef>
+                <a:spcPct val="20000"/>
+              </a:spcBef>
+              <a:spcAft>
+                <a:spcPts val="600"/>
+              </a:spcAft>
+              <a:buClr>
+                <a:schemeClr val="accent1">
+                  <a:lumMod val="75000"/>
+                </a:schemeClr>
+              </a:buClr>
+              <a:buSzPct val="145000"/>
+              <a:buFont typeface="Arial"/>
+              <a:buChar char="•"/>
+              <a:defRPr sz="1400" kern="1200" cap="none">
+                <a:solidFill>
+                  <a:schemeClr val="tx1"/>
+                </a:solidFill>
+                <a:effectLst/>
+                <a:latin typeface="+mn-lt"/>
+                <a:ea typeface="+mn-ea"/>
+                <a:cs typeface="+mn-cs"/>
+              </a:defRPr>
+            </a:lvl5pPr>
+            <a:lvl6pPr marL="2514600" indent="-228600" algn="l" defTabSz="457200" rtl="0" eaLnBrk="1" latinLnBrk="0" hangingPunct="1">
+              <a:spcBef>
+                <a:spcPct val="20000"/>
+              </a:spcBef>
+              <a:spcAft>
+                <a:spcPts val="600"/>
+              </a:spcAft>
+              <a:buClr>
+                <a:schemeClr val="accent1">
+                  <a:lumMod val="75000"/>
+                </a:schemeClr>
+              </a:buClr>
+              <a:buSzPct val="145000"/>
+              <a:buFont typeface="Arial"/>
+              <a:buChar char="•"/>
+              <a:defRPr sz="1400" kern="1200" cap="none">
+                <a:solidFill>
+                  <a:schemeClr val="tx1"/>
+                </a:solidFill>
+                <a:effectLst/>
+                <a:latin typeface="+mn-lt"/>
+                <a:ea typeface="+mn-ea"/>
+                <a:cs typeface="+mn-cs"/>
+              </a:defRPr>
+            </a:lvl6pPr>
+            <a:lvl7pPr marL="2971800" indent="-228600" algn="l" defTabSz="457200" rtl="0" eaLnBrk="1" latinLnBrk="0" hangingPunct="1">
+              <a:spcBef>
+                <a:spcPct val="20000"/>
+              </a:spcBef>
+              <a:spcAft>
+                <a:spcPts val="600"/>
+              </a:spcAft>
+              <a:buClr>
+                <a:schemeClr val="accent1">
+                  <a:lumMod val="75000"/>
+                </a:schemeClr>
+              </a:buClr>
+              <a:buSzPct val="145000"/>
+              <a:buFont typeface="Arial"/>
+              <a:buChar char="•"/>
+              <a:defRPr sz="1400" kern="1200" cap="none">
+                <a:solidFill>
+                  <a:schemeClr val="tx1"/>
+                </a:solidFill>
+                <a:effectLst/>
+                <a:latin typeface="+mn-lt"/>
+                <a:ea typeface="+mn-ea"/>
+                <a:cs typeface="+mn-cs"/>
+              </a:defRPr>
+            </a:lvl7pPr>
+            <a:lvl8pPr marL="3429000" indent="-228600" algn="l" defTabSz="457200" rtl="0" eaLnBrk="1" latinLnBrk="0" hangingPunct="1">
+              <a:spcBef>
+                <a:spcPct val="20000"/>
+              </a:spcBef>
+              <a:spcAft>
+                <a:spcPts val="600"/>
+              </a:spcAft>
+              <a:buClr>
+                <a:schemeClr val="accent1">
+                  <a:lumMod val="75000"/>
+                </a:schemeClr>
+              </a:buClr>
+              <a:buSzPct val="145000"/>
+              <a:buFont typeface="Arial"/>
+              <a:buChar char="•"/>
+              <a:defRPr sz="1400" kern="1200" cap="none">
+                <a:solidFill>
+                  <a:schemeClr val="tx1"/>
+                </a:solidFill>
+                <a:effectLst/>
+                <a:latin typeface="+mn-lt"/>
+                <a:ea typeface="+mn-ea"/>
+                <a:cs typeface="+mn-cs"/>
+              </a:defRPr>
+            </a:lvl8pPr>
+            <a:lvl9pPr marL="3886200" indent="-228600" algn="l" defTabSz="457200" rtl="0" eaLnBrk="1" latinLnBrk="0" hangingPunct="1">
+              <a:spcBef>
+                <a:spcPct val="20000"/>
+              </a:spcBef>
+              <a:spcAft>
+                <a:spcPts val="600"/>
+              </a:spcAft>
+              <a:buClr>
+                <a:schemeClr val="accent1">
+                  <a:lumMod val="75000"/>
+                </a:schemeClr>
+              </a:buClr>
+              <a:buSzPct val="145000"/>
+              <a:buFont typeface="Arial"/>
+              <a:buChar char="•"/>
+              <a:defRPr sz="1400" kern="1200" cap="none">
+                <a:solidFill>
+                  <a:schemeClr val="tx1"/>
+                </a:solidFill>
+                <a:effectLst/>
+                <a:latin typeface="+mn-lt"/>
+                <a:ea typeface="+mn-ea"/>
+                <a:cs typeface="+mn-cs"/>
+              </a:defRPr>
+            </a:lvl9pPr>
+          </a:lstStyle>
+          <a:p>
+            <a:pPr>
+              <a:buFont typeface="Arial" panose="020B0604020202020204" pitchFamily="34" charset="0"/>
+              <a:buChar char="•"/>
+            </a:pPr>
+            <a:r>
+              <a:rPr lang="pt-PT" sz="2000" dirty="0"/>
+              <a:t>l[3*2] – matriz com declives</a:t>
+            </a:r>
+            <a:endParaRPr lang="pt-PT" dirty="0"/>
+          </a:p>
+          <a:p>
+            <a:endParaRPr lang="pt-PT" dirty="0"/>
+          </a:p>
+        </p:txBody>
+      </p:sp>
       <p:pic>
         <p:nvPicPr>
-          <p:cNvPr id="7" name="Imagem 6">
+          <p:cNvPr id="9" name="Imagem 8">
             <a:extLst>
               <a:ext uri="{FF2B5EF4-FFF2-40B4-BE49-F238E27FC236}">
-                <a16:creationId xmlns:a16="http://schemas.microsoft.com/office/drawing/2014/main" id="{8B60D4DB-0F92-4259-9487-AD1E9FF1B4CB}"/>
+                <a16:creationId xmlns:a16="http://schemas.microsoft.com/office/drawing/2014/main" id="{A9D8BB08-E689-49E1-9E62-371CD723E6BA}"/>
               </a:ext>
             </a:extLst>
           </p:cNvPr>
@@ -7878,290 +11287,20 @@
         </p:blipFill>
         <p:spPr>
           <a:xfrm>
-            <a:off x="1484310" y="1918282"/>
-            <a:ext cx="5226266" cy="1209675"/>
+            <a:off x="1774963" y="3891648"/>
+            <a:ext cx="1485900" cy="923925"/>
           </a:xfrm>
           <a:prstGeom prst="rect">
             <a:avLst/>
           </a:prstGeom>
         </p:spPr>
       </p:pic>
-      <p:sp>
-        <p:nvSpPr>
-          <p:cNvPr id="8" name="Marcador de Posição de Conteúdo 2">
+      <p:pic>
+        <p:nvPicPr>
+          <p:cNvPr id="3" name="Imagem 2">
             <a:extLst>
               <a:ext uri="{FF2B5EF4-FFF2-40B4-BE49-F238E27FC236}">
-                <a16:creationId xmlns:a16="http://schemas.microsoft.com/office/drawing/2014/main" id="{A9A79C1C-6B3B-4C8C-B1E8-AC736030F820}"/>
-              </a:ext>
-            </a:extLst>
-          </p:cNvPr>
-          <p:cNvSpPr txBox="1">
-            <a:spLocks/>
-          </p:cNvSpPr>
-          <p:nvPr/>
-        </p:nvSpPr>
-        <p:spPr>
-          <a:xfrm>
-            <a:off x="1417975" y="3127957"/>
-            <a:ext cx="4525521" cy="1527382"/>
-          </a:xfrm>
-          <a:prstGeom prst="rect">
-            <a:avLst/>
-          </a:prstGeom>
-        </p:spPr>
-        <p:txBody>
-          <a:bodyPr vert="horz" lIns="91440" tIns="45720" rIns="91440" bIns="45720" rtlCol="0" anchor="ctr">
-            <a:noAutofit/>
-          </a:bodyPr>
-          <a:lstStyle>
-            <a:lvl1pPr marL="285750" indent="-285750" algn="l" defTabSz="457200" rtl="0" eaLnBrk="1" latinLnBrk="0" hangingPunct="1">
-              <a:spcBef>
-                <a:spcPct val="20000"/>
-              </a:spcBef>
-              <a:spcAft>
-                <a:spcPts val="600"/>
-              </a:spcAft>
-              <a:buClr>
-                <a:schemeClr val="accent1">
-                  <a:lumMod val="75000"/>
-                </a:schemeClr>
-              </a:buClr>
-              <a:buSzPct val="145000"/>
-              <a:buFont typeface="Arial"/>
-              <a:buChar char="•"/>
-              <a:defRPr sz="2400" kern="1200" cap="none">
-                <a:solidFill>
-                  <a:schemeClr val="tx1"/>
-                </a:solidFill>
-                <a:effectLst/>
-                <a:latin typeface="+mn-lt"/>
-                <a:ea typeface="+mn-ea"/>
-                <a:cs typeface="+mn-cs"/>
-              </a:defRPr>
-            </a:lvl1pPr>
-            <a:lvl2pPr marL="742950" indent="-285750" algn="l" defTabSz="457200" rtl="0" eaLnBrk="1" latinLnBrk="0" hangingPunct="1">
-              <a:spcBef>
-                <a:spcPct val="20000"/>
-              </a:spcBef>
-              <a:spcAft>
-                <a:spcPts val="600"/>
-              </a:spcAft>
-              <a:buClr>
-                <a:schemeClr val="accent1">
-                  <a:lumMod val="75000"/>
-                </a:schemeClr>
-              </a:buClr>
-              <a:buSzPct val="145000"/>
-              <a:buFont typeface="Arial"/>
-              <a:buChar char="•"/>
-              <a:defRPr sz="2000" kern="1200" cap="none">
-                <a:solidFill>
-                  <a:schemeClr val="tx1"/>
-                </a:solidFill>
-                <a:effectLst/>
-                <a:latin typeface="+mn-lt"/>
-                <a:ea typeface="+mn-ea"/>
-                <a:cs typeface="+mn-cs"/>
-              </a:defRPr>
-            </a:lvl2pPr>
-            <a:lvl3pPr marL="1200150" indent="-285750" algn="l" defTabSz="457200" rtl="0" eaLnBrk="1" latinLnBrk="0" hangingPunct="1">
-              <a:spcBef>
-                <a:spcPct val="20000"/>
-              </a:spcBef>
-              <a:spcAft>
-                <a:spcPts val="600"/>
-              </a:spcAft>
-              <a:buClr>
-                <a:schemeClr val="accent1">
-                  <a:lumMod val="75000"/>
-                </a:schemeClr>
-              </a:buClr>
-              <a:buSzPct val="145000"/>
-              <a:buFont typeface="Arial"/>
-              <a:buChar char="•"/>
-              <a:defRPr sz="1800" kern="1200" cap="none">
-                <a:solidFill>
-                  <a:schemeClr val="tx1"/>
-                </a:solidFill>
-                <a:effectLst/>
-                <a:latin typeface="+mn-lt"/>
-                <a:ea typeface="+mn-ea"/>
-                <a:cs typeface="+mn-cs"/>
-              </a:defRPr>
-            </a:lvl3pPr>
-            <a:lvl4pPr marL="1543050" indent="-171450" algn="l" defTabSz="457200" rtl="0" eaLnBrk="1" latinLnBrk="0" hangingPunct="1">
-              <a:spcBef>
-                <a:spcPct val="20000"/>
-              </a:spcBef>
-              <a:spcAft>
-                <a:spcPts val="600"/>
-              </a:spcAft>
-              <a:buClr>
-                <a:schemeClr val="accent1">
-                  <a:lumMod val="75000"/>
-                </a:schemeClr>
-              </a:buClr>
-              <a:buSzPct val="145000"/>
-              <a:buFont typeface="Arial"/>
-              <a:buChar char="•"/>
-              <a:defRPr sz="1600" kern="1200" cap="none">
-                <a:solidFill>
-                  <a:schemeClr val="tx1"/>
-                </a:solidFill>
-                <a:effectLst/>
-                <a:latin typeface="+mn-lt"/>
-                <a:ea typeface="+mn-ea"/>
-                <a:cs typeface="+mn-cs"/>
-              </a:defRPr>
-            </a:lvl4pPr>
-            <a:lvl5pPr marL="2000250" indent="-171450" algn="l" defTabSz="457200" rtl="0" eaLnBrk="1" latinLnBrk="0" hangingPunct="1">
-              <a:spcBef>
-                <a:spcPct val="20000"/>
-              </a:spcBef>
-              <a:spcAft>
-                <a:spcPts val="600"/>
-              </a:spcAft>
-              <a:buClr>
-                <a:schemeClr val="accent1">
-                  <a:lumMod val="75000"/>
-                </a:schemeClr>
-              </a:buClr>
-              <a:buSzPct val="145000"/>
-              <a:buFont typeface="Arial"/>
-              <a:buChar char="•"/>
-              <a:defRPr sz="1400" kern="1200" cap="none">
-                <a:solidFill>
-                  <a:schemeClr val="tx1"/>
-                </a:solidFill>
-                <a:effectLst/>
-                <a:latin typeface="+mn-lt"/>
-                <a:ea typeface="+mn-ea"/>
-                <a:cs typeface="+mn-cs"/>
-              </a:defRPr>
-            </a:lvl5pPr>
-            <a:lvl6pPr marL="2514600" indent="-228600" algn="l" defTabSz="457200" rtl="0" eaLnBrk="1" latinLnBrk="0" hangingPunct="1">
-              <a:spcBef>
-                <a:spcPct val="20000"/>
-              </a:spcBef>
-              <a:spcAft>
-                <a:spcPts val="600"/>
-              </a:spcAft>
-              <a:buClr>
-                <a:schemeClr val="accent1">
-                  <a:lumMod val="75000"/>
-                </a:schemeClr>
-              </a:buClr>
-              <a:buSzPct val="145000"/>
-              <a:buFont typeface="Arial"/>
-              <a:buChar char="•"/>
-              <a:defRPr sz="1400" kern="1200" cap="none">
-                <a:solidFill>
-                  <a:schemeClr val="tx1"/>
-                </a:solidFill>
-                <a:effectLst/>
-                <a:latin typeface="+mn-lt"/>
-                <a:ea typeface="+mn-ea"/>
-                <a:cs typeface="+mn-cs"/>
-              </a:defRPr>
-            </a:lvl6pPr>
-            <a:lvl7pPr marL="2971800" indent="-228600" algn="l" defTabSz="457200" rtl="0" eaLnBrk="1" latinLnBrk="0" hangingPunct="1">
-              <a:spcBef>
-                <a:spcPct val="20000"/>
-              </a:spcBef>
-              <a:spcAft>
-                <a:spcPts val="600"/>
-              </a:spcAft>
-              <a:buClr>
-                <a:schemeClr val="accent1">
-                  <a:lumMod val="75000"/>
-                </a:schemeClr>
-              </a:buClr>
-              <a:buSzPct val="145000"/>
-              <a:buFont typeface="Arial"/>
-              <a:buChar char="•"/>
-              <a:defRPr sz="1400" kern="1200" cap="none">
-                <a:solidFill>
-                  <a:schemeClr val="tx1"/>
-                </a:solidFill>
-                <a:effectLst/>
-                <a:latin typeface="+mn-lt"/>
-                <a:ea typeface="+mn-ea"/>
-                <a:cs typeface="+mn-cs"/>
-              </a:defRPr>
-            </a:lvl7pPr>
-            <a:lvl8pPr marL="3429000" indent="-228600" algn="l" defTabSz="457200" rtl="0" eaLnBrk="1" latinLnBrk="0" hangingPunct="1">
-              <a:spcBef>
-                <a:spcPct val="20000"/>
-              </a:spcBef>
-              <a:spcAft>
-                <a:spcPts val="600"/>
-              </a:spcAft>
-              <a:buClr>
-                <a:schemeClr val="accent1">
-                  <a:lumMod val="75000"/>
-                </a:schemeClr>
-              </a:buClr>
-              <a:buSzPct val="145000"/>
-              <a:buFont typeface="Arial"/>
-              <a:buChar char="•"/>
-              <a:defRPr sz="1400" kern="1200" cap="none">
-                <a:solidFill>
-                  <a:schemeClr val="tx1"/>
-                </a:solidFill>
-                <a:effectLst/>
-                <a:latin typeface="+mn-lt"/>
-                <a:ea typeface="+mn-ea"/>
-                <a:cs typeface="+mn-cs"/>
-              </a:defRPr>
-            </a:lvl8pPr>
-            <a:lvl9pPr marL="3886200" indent="-228600" algn="l" defTabSz="457200" rtl="0" eaLnBrk="1" latinLnBrk="0" hangingPunct="1">
-              <a:spcBef>
-                <a:spcPct val="20000"/>
-              </a:spcBef>
-              <a:spcAft>
-                <a:spcPts val="600"/>
-              </a:spcAft>
-              <a:buClr>
-                <a:schemeClr val="accent1">
-                  <a:lumMod val="75000"/>
-                </a:schemeClr>
-              </a:buClr>
-              <a:buSzPct val="145000"/>
-              <a:buFont typeface="Arial"/>
-              <a:buChar char="•"/>
-              <a:defRPr sz="1400" kern="1200" cap="none">
-                <a:solidFill>
-                  <a:schemeClr val="tx1"/>
-                </a:solidFill>
-                <a:effectLst/>
-                <a:latin typeface="+mn-lt"/>
-                <a:ea typeface="+mn-ea"/>
-                <a:cs typeface="+mn-cs"/>
-              </a:defRPr>
-            </a:lvl9pPr>
-          </a:lstStyle>
-          <a:p>
-            <a:pPr>
-              <a:buFont typeface="Arial" panose="020B0604020202020204" pitchFamily="34" charset="0"/>
-              <a:buChar char="•"/>
-            </a:pPr>
-            <a:r>
-              <a:rPr lang="pt-PT" sz="2000" dirty="0"/>
-              <a:t>l[3*2] – matriz com declives</a:t>
-            </a:r>
-            <a:endParaRPr lang="pt-PT" dirty="0"/>
-          </a:p>
-          <a:p>
-            <a:endParaRPr lang="pt-PT" dirty="0"/>
-          </a:p>
-        </p:txBody>
-      </p:sp>
-      <p:pic>
-        <p:nvPicPr>
-          <p:cNvPr id="9" name="Imagem 8">
-            <a:extLst>
-              <a:ext uri="{FF2B5EF4-FFF2-40B4-BE49-F238E27FC236}">
-                <a16:creationId xmlns:a16="http://schemas.microsoft.com/office/drawing/2014/main" id="{A9D8BB08-E689-49E1-9E62-371CD723E6BA}"/>
+                <a16:creationId xmlns:a16="http://schemas.microsoft.com/office/drawing/2014/main" id="{96F8AE96-B5B3-4CA9-B38E-C6DC57560F93}"/>
               </a:ext>
             </a:extLst>
           </p:cNvPr>
@@ -8189,8 +11328,8 @@
         </p:blipFill>
         <p:spPr>
           <a:xfrm>
-            <a:off x="1774963" y="3891648"/>
-            <a:ext cx="1485900" cy="923925"/>
+            <a:off x="1682870" y="1804988"/>
+            <a:ext cx="4810796" cy="1322969"/>
           </a:xfrm>
           <a:prstGeom prst="rect">
             <a:avLst/>
@@ -8210,7 +11349,7 @@
 </p:sld>
 </file>
 
-<file path=ppt/slides/slide13.xml><?xml version="1.0" encoding="utf-8"?>
+<file path=ppt/slides/slide15.xml><?xml version="1.0" encoding="utf-8"?>
 <p:sld xmlns:a="http://schemas.openxmlformats.org/drawingml/2006/main" xmlns:r="http://schemas.openxmlformats.org/officeDocument/2006/relationships" xmlns:p="http://schemas.openxmlformats.org/presentationml/2006/main">
   <p:cSld>
     <p:spTree>
@@ -8275,7 +11414,7 @@
           <p:nvPr/>
         </p:nvPicPr>
         <p:blipFill>
-          <a:blip r:embed="rId2">
+          <a:blip r:embed="rId3">
             <a:extLst>
               <a:ext uri="{28A0092B-C50C-407E-A947-70E740481C1C}">
                 <a14:useLocalDpi xmlns:a14="http://schemas.microsoft.com/office/drawing/2010/main" val="0"/>
@@ -8313,7 +11452,7 @@
           </p:nvPr>
         </p:nvPicPr>
         <p:blipFill>
-          <a:blip r:embed="rId3">
+          <a:blip r:embed="rId4">
             <a:clrChange>
               <a:clrFrom>
                 <a:srgbClr val="FFFFFF"/>
@@ -8356,7 +11495,7 @@
           <p:nvPr/>
         </p:nvPicPr>
         <p:blipFill>
-          <a:blip r:embed="rId4">
+          <a:blip r:embed="rId5">
             <a:clrChange>
               <a:clrFrom>
                 <a:srgbClr val="FFFFFF"/>
@@ -8397,7 +11536,7 @@
           <p:nvPr/>
         </p:nvPicPr>
         <p:blipFill>
-          <a:blip r:embed="rId5">
+          <a:blip r:embed="rId6">
             <a:clrChange>
               <a:clrFrom>
                 <a:srgbClr val="FFFFFF"/>
@@ -8591,7 +11730,7 @@
           </p:nvPr>
         </p:nvPicPr>
         <p:blipFill>
-          <a:blip r:embed="rId2">
+          <a:blip r:embed="rId3">
             <a:clrChange>
               <a:clrFrom>
                 <a:srgbClr val="FFFFFF"/>
@@ -8637,7 +11776,7 @@
           <p:nvPr/>
         </p:nvPicPr>
         <p:blipFill>
-          <a:blip r:embed="rId3">
+          <a:blip r:embed="rId4">
             <a:extLst>
               <a:ext uri="{28A0092B-C50C-407E-A947-70E740481C1C}">
                 <a14:useLocalDpi xmlns:a14="http://schemas.microsoft.com/office/drawing/2010/main" val="0"/>
@@ -8677,7 +11816,7 @@
     <p:bg>
       <p:bgPr>
         <a:blipFill rotWithShape="1">
-          <a:blip r:embed="rId2">
+          <a:blip r:embed="rId3">
             <a:duotone>
               <a:schemeClr val="bg2">
                 <a:shade val="76000"/>
@@ -8725,7 +11864,7 @@
           <p:nvPr/>
         </p:nvPicPr>
         <p:blipFill>
-          <a:blip r:embed="rId3">
+          <a:blip r:embed="rId4">
             <a:extLst>
               <a:ext uri="{28A0092B-C50C-407E-A947-70E740481C1C}">
                 <a14:useLocalDpi xmlns:a14="http://schemas.microsoft.com/office/drawing/2010/main" val="0"/>
@@ -8767,7 +11906,7 @@
           <p:nvPr/>
         </p:nvPicPr>
         <p:blipFill>
-          <a:blip r:embed="rId4">
+          <a:blip r:embed="rId5">
             <a:extLst>
               <a:ext uri="{28A0092B-C50C-407E-A947-70E740481C1C}">
                 <a14:useLocalDpi xmlns:a14="http://schemas.microsoft.com/office/drawing/2010/main" val="0"/>
@@ -8845,7 +11984,7 @@
           <p:nvPr/>
         </p:nvPicPr>
         <p:blipFill>
-          <a:blip r:embed="rId5">
+          <a:blip r:embed="rId6">
             <a:extLst>
               <a:ext uri="{28A0092B-C50C-407E-A947-70E740481C1C}">
                 <a14:useLocalDpi xmlns:a14="http://schemas.microsoft.com/office/drawing/2010/main" val="0"/>
@@ -8929,56 +12068,6 @@
           </a:p>
         </p:txBody>
       </p:sp>
-      <p:pic>
-        <p:nvPicPr>
-          <p:cNvPr id="4" name="Marcador de Posição de Conteúdo 3">
-            <a:extLst>
-              <a:ext uri="{FF2B5EF4-FFF2-40B4-BE49-F238E27FC236}">
-                <a16:creationId xmlns:a16="http://schemas.microsoft.com/office/drawing/2014/main" id="{3BE3A874-514F-4DE1-B8F0-C56182E9AF84}"/>
-              </a:ext>
-            </a:extLst>
-          </p:cNvPr>
-          <p:cNvPicPr>
-            <a:picLocks noGrp="1" noChangeAspect="1"/>
-          </p:cNvPicPr>
-          <p:nvPr>
-            <p:ph idx="1"/>
-          </p:nvPr>
-        </p:nvPicPr>
-        <p:blipFill>
-          <a:blip r:embed="rId2">
-            <a:clrChange>
-              <a:clrFrom>
-                <a:srgbClr val="FFFFFF"/>
-              </a:clrFrom>
-              <a:clrTo>
-                <a:srgbClr val="FFFFFF">
-                  <a:alpha val="0"/>
-                </a:srgbClr>
-              </a:clrTo>
-            </a:clrChange>
-            <a:duotone>
-              <a:prstClr val="black"/>
-              <a:srgbClr val="E5E7E7">
-                <a:tint val="45000"/>
-                <a:satMod val="400000"/>
-              </a:srgbClr>
-            </a:duotone>
-          </a:blip>
-          <a:stretch>
-            <a:fillRect/>
-          </a:stretch>
-        </p:blipFill>
-        <p:spPr>
-          <a:xfrm>
-            <a:off x="1833980" y="1947444"/>
-            <a:ext cx="4280452" cy="1657921"/>
-          </a:xfrm>
-          <a:prstGeom prst="rect">
-            <a:avLst/>
-          </a:prstGeom>
-        </p:spPr>
-      </p:pic>
       <p:pic>
         <p:nvPicPr>
           <p:cNvPr id="5" name="Imagem 4">
@@ -9392,6 +12481,47 @@
           </a:p>
         </p:txBody>
       </p:sp>
+      <p:pic>
+        <p:nvPicPr>
+          <p:cNvPr id="3" name="Imagem 2">
+            <a:extLst>
+              <a:ext uri="{FF2B5EF4-FFF2-40B4-BE49-F238E27FC236}">
+                <a16:creationId xmlns:a16="http://schemas.microsoft.com/office/drawing/2014/main" id="{2E39D254-DFF4-4077-8AE5-AF21198E1A09}"/>
+              </a:ext>
+            </a:extLst>
+          </p:cNvPr>
+          <p:cNvPicPr>
+            <a:picLocks noChangeAspect="1"/>
+          </p:cNvPicPr>
+          <p:nvPr/>
+        </p:nvPicPr>
+        <p:blipFill>
+          <a:blip r:embed="rId5">
+            <a:clrChange>
+              <a:clrFrom>
+                <a:srgbClr val="FFFFFF"/>
+              </a:clrFrom>
+              <a:clrTo>
+                <a:srgbClr val="FFFFFF">
+                  <a:alpha val="0"/>
+                </a:srgbClr>
+              </a:clrTo>
+            </a:clrChange>
+          </a:blip>
+          <a:stretch>
+            <a:fillRect/>
+          </a:stretch>
+        </p:blipFill>
+        <p:spPr>
+          <a:xfrm>
+            <a:off x="2097771" y="1834799"/>
+            <a:ext cx="3852863" cy="1855082"/>
+          </a:xfrm>
+          <a:prstGeom prst="rect">
+            <a:avLst/>
+          </a:prstGeom>
+        </p:spPr>
+      </p:pic>
     </p:spTree>
     <p:extLst>
       <p:ext uri="{BB962C8B-B14F-4D97-AF65-F5344CB8AC3E}">
@@ -9472,7 +12602,7 @@
           </p:nvPr>
         </p:nvPicPr>
         <p:blipFill>
-          <a:blip r:embed="rId2">
+          <a:blip r:embed="rId3">
             <a:clrChange>
               <a:clrFrom>
                 <a:srgbClr val="FFFFFF"/>
@@ -9515,7 +12645,7 @@
           <p:nvPr/>
         </p:nvPicPr>
         <p:blipFill>
-          <a:blip r:embed="rId3">
+          <a:blip r:embed="rId4">
             <a:extLst>
               <a:ext uri="{28A0092B-C50C-407E-A947-70E740481C1C}">
                 <a14:useLocalDpi xmlns:a14="http://schemas.microsoft.com/office/drawing/2010/main" val="0"/>
@@ -9551,7 +12681,7 @@
           <p:nvPr/>
         </p:nvPicPr>
         <p:blipFill>
-          <a:blip r:embed="rId4">
+          <a:blip r:embed="rId5">
             <a:clrChange>
               <a:clrFrom>
                 <a:srgbClr val="FFFFFF"/>
@@ -9592,7 +12722,7 @@
           <p:nvPr/>
         </p:nvPicPr>
         <p:blipFill>
-          <a:blip r:embed="rId5">
+          <a:blip r:embed="rId6">
             <a:clrChange>
               <a:clrFrom>
                 <a:srgbClr val="FFFFFF"/>
@@ -9681,88 +12811,6 @@
           </a:p>
         </p:txBody>
       </p:sp>
-      <p:pic>
-        <p:nvPicPr>
-          <p:cNvPr id="4" name="Imagem 3">
-            <a:extLst>
-              <a:ext uri="{FF2B5EF4-FFF2-40B4-BE49-F238E27FC236}">
-                <a16:creationId xmlns:a16="http://schemas.microsoft.com/office/drawing/2014/main" id="{92D31A56-2319-428F-B4F4-A2FF0449DDD2}"/>
-              </a:ext>
-            </a:extLst>
-          </p:cNvPr>
-          <p:cNvPicPr>
-            <a:picLocks noChangeAspect="1"/>
-          </p:cNvPicPr>
-          <p:nvPr/>
-        </p:nvPicPr>
-        <p:blipFill>
-          <a:blip r:embed="rId2">
-            <a:clrChange>
-              <a:clrFrom>
-                <a:srgbClr val="FFFFFF"/>
-              </a:clrFrom>
-              <a:clrTo>
-                <a:srgbClr val="FFFFFF">
-                  <a:alpha val="0"/>
-                </a:srgbClr>
-              </a:clrTo>
-            </a:clrChange>
-          </a:blip>
-          <a:stretch>
-            <a:fillRect/>
-          </a:stretch>
-        </p:blipFill>
-        <p:spPr>
-          <a:xfrm>
-            <a:off x="1815234" y="2251109"/>
-            <a:ext cx="4317943" cy="2122625"/>
-          </a:xfrm>
-          <a:prstGeom prst="rect">
-            <a:avLst/>
-          </a:prstGeom>
-        </p:spPr>
-      </p:pic>
-      <p:pic>
-        <p:nvPicPr>
-          <p:cNvPr id="5" name="Imagem 4">
-            <a:extLst>
-              <a:ext uri="{FF2B5EF4-FFF2-40B4-BE49-F238E27FC236}">
-                <a16:creationId xmlns:a16="http://schemas.microsoft.com/office/drawing/2014/main" id="{13EF37FB-BB16-4CD4-82C4-D7FFE0862A49}"/>
-              </a:ext>
-            </a:extLst>
-          </p:cNvPr>
-          <p:cNvPicPr>
-            <a:picLocks noChangeAspect="1"/>
-          </p:cNvPicPr>
-          <p:nvPr/>
-        </p:nvPicPr>
-        <p:blipFill>
-          <a:blip r:embed="rId3">
-            <a:clrChange>
-              <a:clrFrom>
-                <a:srgbClr val="FFFFFF"/>
-              </a:clrFrom>
-              <a:clrTo>
-                <a:srgbClr val="FFFFFF">
-                  <a:alpha val="0"/>
-                </a:srgbClr>
-              </a:clrTo>
-            </a:clrChange>
-          </a:blip>
-          <a:stretch>
-            <a:fillRect/>
-          </a:stretch>
-        </p:blipFill>
-        <p:spPr>
-          <a:xfrm>
-            <a:off x="7388501" y="2608398"/>
-            <a:ext cx="3838302" cy="1288773"/>
-          </a:xfrm>
-          <a:prstGeom prst="rect">
-            <a:avLst/>
-          </a:prstGeom>
-        </p:spPr>
-      </p:pic>
       <p:sp>
         <p:nvSpPr>
           <p:cNvPr id="6" name="Marcador de Posição de Conteúdo 2">
@@ -10063,7 +13111,7 @@
           <p:nvPr/>
         </p:nvPicPr>
         <p:blipFill>
-          <a:blip r:embed="rId4">
+          <a:blip r:embed="rId3">
             <a:extLst>
               <a:ext uri="{28A0092B-C50C-407E-A947-70E740481C1C}">
                 <a14:useLocalDpi xmlns:a14="http://schemas.microsoft.com/office/drawing/2010/main" val="0"/>
@@ -10078,6 +13126,88 @@
           <a:xfrm>
             <a:off x="10228054" y="5688016"/>
             <a:ext cx="2083301" cy="1472167"/>
+          </a:xfrm>
+          <a:prstGeom prst="rect">
+            <a:avLst/>
+          </a:prstGeom>
+        </p:spPr>
+      </p:pic>
+      <p:pic>
+        <p:nvPicPr>
+          <p:cNvPr id="3" name="Imagem 2">
+            <a:extLst>
+              <a:ext uri="{FF2B5EF4-FFF2-40B4-BE49-F238E27FC236}">
+                <a16:creationId xmlns:a16="http://schemas.microsoft.com/office/drawing/2014/main" id="{4813C24F-8E0C-4967-A9AC-47A0DE5AC109}"/>
+              </a:ext>
+            </a:extLst>
+          </p:cNvPr>
+          <p:cNvPicPr>
+            <a:picLocks noChangeAspect="1"/>
+          </p:cNvPicPr>
+          <p:nvPr/>
+        </p:nvPicPr>
+        <p:blipFill>
+          <a:blip r:embed="rId4">
+            <a:clrChange>
+              <a:clrFrom>
+                <a:srgbClr val="FFFFFF"/>
+              </a:clrFrom>
+              <a:clrTo>
+                <a:srgbClr val="FFFFFF">
+                  <a:alpha val="0"/>
+                </a:srgbClr>
+              </a:clrTo>
+            </a:clrChange>
+          </a:blip>
+          <a:stretch>
+            <a:fillRect/>
+          </a:stretch>
+        </p:blipFill>
+        <p:spPr>
+          <a:xfrm>
+            <a:off x="6935373" y="2556653"/>
+            <a:ext cx="4770384" cy="1173545"/>
+          </a:xfrm>
+          <a:prstGeom prst="rect">
+            <a:avLst/>
+          </a:prstGeom>
+        </p:spPr>
+      </p:pic>
+      <p:pic>
+        <p:nvPicPr>
+          <p:cNvPr id="5" name="Imagem 4">
+            <a:extLst>
+              <a:ext uri="{FF2B5EF4-FFF2-40B4-BE49-F238E27FC236}">
+                <a16:creationId xmlns:a16="http://schemas.microsoft.com/office/drawing/2014/main" id="{7C6507DE-B18D-41B0-9A38-7FC40E6001E4}"/>
+              </a:ext>
+            </a:extLst>
+          </p:cNvPr>
+          <p:cNvPicPr>
+            <a:picLocks noChangeAspect="1"/>
+          </p:cNvPicPr>
+          <p:nvPr/>
+        </p:nvPicPr>
+        <p:blipFill>
+          <a:blip r:embed="rId5">
+            <a:clrChange>
+              <a:clrFrom>
+                <a:srgbClr val="FFFFFF"/>
+              </a:clrFrom>
+              <a:clrTo>
+                <a:srgbClr val="FFFFFF">
+                  <a:alpha val="0"/>
+                </a:srgbClr>
+              </a:clrTo>
+            </a:clrChange>
+          </a:blip>
+          <a:stretch>
+            <a:fillRect/>
+          </a:stretch>
+        </p:blipFill>
+        <p:spPr>
+          <a:xfrm>
+            <a:off x="2312726" y="2205971"/>
+            <a:ext cx="3906056" cy="2253494"/>
           </a:xfrm>
           <a:prstGeom prst="rect">
             <a:avLst/>
@@ -10147,88 +13277,6 @@
           </a:p>
         </p:txBody>
       </p:sp>
-      <p:pic>
-        <p:nvPicPr>
-          <p:cNvPr id="4" name="Imagem 3">
-            <a:extLst>
-              <a:ext uri="{FF2B5EF4-FFF2-40B4-BE49-F238E27FC236}">
-                <a16:creationId xmlns:a16="http://schemas.microsoft.com/office/drawing/2014/main" id="{A391B487-976A-4DFB-B063-9871F6998C32}"/>
-              </a:ext>
-            </a:extLst>
-          </p:cNvPr>
-          <p:cNvPicPr>
-            <a:picLocks noChangeAspect="1"/>
-          </p:cNvPicPr>
-          <p:nvPr/>
-        </p:nvPicPr>
-        <p:blipFill>
-          <a:blip r:embed="rId2">
-            <a:clrChange>
-              <a:clrFrom>
-                <a:srgbClr val="FFFFFF"/>
-              </a:clrFrom>
-              <a:clrTo>
-                <a:srgbClr val="FFFFFF">
-                  <a:alpha val="0"/>
-                </a:srgbClr>
-              </a:clrTo>
-            </a:clrChange>
-          </a:blip>
-          <a:stretch>
-            <a:fillRect/>
-          </a:stretch>
-        </p:blipFill>
-        <p:spPr>
-          <a:xfrm>
-            <a:off x="2064440" y="2868616"/>
-            <a:ext cx="3028950" cy="2819400"/>
-          </a:xfrm>
-          <a:prstGeom prst="rect">
-            <a:avLst/>
-          </a:prstGeom>
-        </p:spPr>
-      </p:pic>
-      <p:pic>
-        <p:nvPicPr>
-          <p:cNvPr id="5" name="Imagem 4">
-            <a:extLst>
-              <a:ext uri="{FF2B5EF4-FFF2-40B4-BE49-F238E27FC236}">
-                <a16:creationId xmlns:a16="http://schemas.microsoft.com/office/drawing/2014/main" id="{2BF8E5D8-7D30-4039-A2E3-B41712FC21A4}"/>
-              </a:ext>
-            </a:extLst>
-          </p:cNvPr>
-          <p:cNvPicPr>
-            <a:picLocks noChangeAspect="1"/>
-          </p:cNvPicPr>
-          <p:nvPr/>
-        </p:nvPicPr>
-        <p:blipFill>
-          <a:blip r:embed="rId3">
-            <a:clrChange>
-              <a:clrFrom>
-                <a:srgbClr val="FFFFFF"/>
-              </a:clrFrom>
-              <a:clrTo>
-                <a:srgbClr val="FFFFFF">
-                  <a:alpha val="0"/>
-                </a:srgbClr>
-              </a:clrTo>
-            </a:clrChange>
-          </a:blip>
-          <a:stretch>
-            <a:fillRect/>
-          </a:stretch>
-        </p:blipFill>
-        <p:spPr>
-          <a:xfrm>
-            <a:off x="8310562" y="2801941"/>
-            <a:ext cx="1457325" cy="2886075"/>
-          </a:xfrm>
-          <a:prstGeom prst="rect">
-            <a:avLst/>
-          </a:prstGeom>
-        </p:spPr>
-      </p:pic>
       <p:sp>
         <p:nvSpPr>
           <p:cNvPr id="6" name="Seta: Para a Direita 5">
@@ -10243,7 +13291,7 @@
         </p:nvSpPr>
         <p:spPr>
           <a:xfrm>
-            <a:off x="5637557" y="4109246"/>
+            <a:off x="5256181" y="4154645"/>
             <a:ext cx="2128838" cy="271463"/>
           </a:xfrm>
           <a:prstGeom prst="rightArrow">
@@ -10295,7 +13343,7 @@
           <p:nvPr/>
         </p:nvPicPr>
         <p:blipFill>
-          <a:blip r:embed="rId4">
+          <a:blip r:embed="rId3">
             <a:extLst>
               <a:ext uri="{28A0092B-C50C-407E-A947-70E740481C1C}">
                 <a14:useLocalDpi xmlns:a14="http://schemas.microsoft.com/office/drawing/2010/main" val="0"/>
@@ -10330,7 +13378,7 @@
         </p:nvSpPr>
         <p:spPr>
           <a:xfrm>
-            <a:off x="5880341" y="4380709"/>
+            <a:off x="5498965" y="4369426"/>
             <a:ext cx="1643270" cy="369332"/>
           </a:xfrm>
           <a:prstGeom prst="rect">
@@ -10371,7 +13419,7 @@
         </p:nvSpPr>
         <p:spPr>
           <a:xfrm>
-            <a:off x="4082695" y="1491078"/>
+            <a:off x="4082695" y="1160948"/>
             <a:ext cx="5685192" cy="2363925"/>
           </a:xfrm>
           <a:prstGeom prst="rect">
@@ -10615,27 +13663,98 @@
               <a:buChar char="•"/>
             </a:pPr>
             <a:r>
-              <a:rPr lang="pt-PT" sz="2000" dirty="0" err="1"/>
-              <a:t>Overheads</a:t>
-            </a:r>
-            <a:r>
               <a:rPr lang="pt-PT" sz="2000" dirty="0"/>
-              <a:t> de 1 nas arestas 1, 6 e 7</a:t>
+              <a:t>Overheads de 1 nas arestas 1, 6 e 7</a:t>
             </a:r>
             <a:endParaRPr lang="pt-PT" dirty="0"/>
           </a:p>
           <a:p>
-            <a:pPr>
-              <a:buFont typeface="Arial" panose="020B0604020202020204" pitchFamily="34" charset="0"/>
-              <a:buChar char="•"/>
-            </a:pPr>
             <a:endParaRPr lang="pt-PT" dirty="0"/>
           </a:p>
-          <a:p>
-            <a:endParaRPr lang="pt-PT" dirty="0"/>
-          </a:p>
-        </p:txBody>
-      </p:sp>
+        </p:txBody>
+      </p:sp>
+      <p:pic>
+        <p:nvPicPr>
+          <p:cNvPr id="3" name="Imagem 2">
+            <a:extLst>
+              <a:ext uri="{FF2B5EF4-FFF2-40B4-BE49-F238E27FC236}">
+                <a16:creationId xmlns:a16="http://schemas.microsoft.com/office/drawing/2014/main" id="{56B6F512-C481-4E80-9FF7-A2B7F5974836}"/>
+              </a:ext>
+            </a:extLst>
+          </p:cNvPr>
+          <p:cNvPicPr>
+            <a:picLocks noChangeAspect="1"/>
+          </p:cNvPicPr>
+          <p:nvPr/>
+        </p:nvPicPr>
+        <p:blipFill>
+          <a:blip r:embed="rId4">
+            <a:clrChange>
+              <a:clrFrom>
+                <a:srgbClr val="FFFFFF"/>
+              </a:clrFrom>
+              <a:clrTo>
+                <a:srgbClr val="FFFFFF">
+                  <a:alpha val="0"/>
+                </a:srgbClr>
+              </a:clrTo>
+            </a:clrChange>
+          </a:blip>
+          <a:stretch>
+            <a:fillRect/>
+          </a:stretch>
+        </p:blipFill>
+        <p:spPr>
+          <a:xfrm>
+            <a:off x="1695073" y="2718596"/>
+            <a:ext cx="3128859" cy="3015270"/>
+          </a:xfrm>
+          <a:prstGeom prst="rect">
+            <a:avLst/>
+          </a:prstGeom>
+        </p:spPr>
+      </p:pic>
+      <p:pic>
+        <p:nvPicPr>
+          <p:cNvPr id="10" name="Imagem 9">
+            <a:extLst>
+              <a:ext uri="{FF2B5EF4-FFF2-40B4-BE49-F238E27FC236}">
+                <a16:creationId xmlns:a16="http://schemas.microsoft.com/office/drawing/2014/main" id="{CB44FB36-3A9F-4417-A806-24D946D594D2}"/>
+              </a:ext>
+            </a:extLst>
+          </p:cNvPr>
+          <p:cNvPicPr>
+            <a:picLocks noChangeAspect="1"/>
+          </p:cNvPicPr>
+          <p:nvPr/>
+        </p:nvPicPr>
+        <p:blipFill>
+          <a:blip r:embed="rId5">
+            <a:clrChange>
+              <a:clrFrom>
+                <a:srgbClr val="FFFFFF"/>
+              </a:clrFrom>
+              <a:clrTo>
+                <a:srgbClr val="FFFFFF">
+                  <a:alpha val="0"/>
+                </a:srgbClr>
+              </a:clrTo>
+            </a:clrChange>
+          </a:blip>
+          <a:stretch>
+            <a:fillRect/>
+          </a:stretch>
+        </p:blipFill>
+        <p:spPr>
+          <a:xfrm>
+            <a:off x="7817268" y="2661757"/>
+            <a:ext cx="3128859" cy="3217937"/>
+          </a:xfrm>
+          <a:prstGeom prst="rect">
+            <a:avLst/>
+          </a:prstGeom>
+        </p:spPr>
+      </p:pic>
     </p:spTree>
     <p:extLst>
       <p:ext uri="{BB962C8B-B14F-4D97-AF65-F5344CB8AC3E}">
@@ -10714,7 +13833,7 @@
           <p:nvPr/>
         </p:nvPicPr>
         <p:blipFill>
-          <a:blip r:embed="rId2">
+          <a:blip r:embed="rId3">
             <a:extLst>
               <a:ext uri="{28A0092B-C50C-407E-A947-70E740481C1C}">
                 <a14:useLocalDpi xmlns:a14="http://schemas.microsoft.com/office/drawing/2010/main" val="0"/>
@@ -10750,7 +13869,7 @@
           <p:nvPr/>
         </p:nvPicPr>
         <p:blipFill>
-          <a:blip r:embed="rId3">
+          <a:blip r:embed="rId4">
             <a:clrChange>
               <a:clrFrom>
                 <a:srgbClr val="FFFFFF"/>
@@ -10768,8 +13887,8 @@
         </p:blipFill>
         <p:spPr>
           <a:xfrm>
-            <a:off x="3829050" y="2495546"/>
-            <a:ext cx="1362075" cy="2809875"/>
+            <a:off x="3782556" y="2174639"/>
+            <a:ext cx="1673190" cy="3451685"/>
           </a:xfrm>
           <a:prstGeom prst="rect">
             <a:avLst/>
@@ -10791,7 +13910,7 @@
           <p:nvPr/>
         </p:nvPicPr>
         <p:blipFill>
-          <a:blip r:embed="rId4">
+          <a:blip r:embed="rId5">
             <a:clrChange>
               <a:clrFrom>
                 <a:srgbClr val="FFFFFF"/>
@@ -10852,7 +13971,7 @@
           <p:cNvPr id="2" name="Título 1">
             <a:extLst>
               <a:ext uri="{FF2B5EF4-FFF2-40B4-BE49-F238E27FC236}">
-                <a16:creationId xmlns:a16="http://schemas.microsoft.com/office/drawing/2014/main" id="{65D15E48-001F-4A74-91AA-DBB2A0D385B9}"/>
+                <a16:creationId xmlns:a16="http://schemas.microsoft.com/office/drawing/2014/main" id="{87EC61DD-84D4-4222-80D5-22011CACFB0D}"/>
               </a:ext>
             </a:extLst>
           </p:cNvPr>
@@ -10865,8 +13984,8 @@
         </p:nvSpPr>
         <p:spPr>
           <a:xfrm>
-            <a:off x="1484310" y="482048"/>
-            <a:ext cx="10018713" cy="1169504"/>
+            <a:off x="1484310" y="581439"/>
+            <a:ext cx="10018713" cy="970722"/>
           </a:xfrm>
         </p:spPr>
         <p:txBody>
@@ -10875,17 +13994,62 @@
           <a:p>
             <a:r>
               <a:rPr lang="pt-PT" dirty="0"/>
-              <a:t>Parte 3 : Formulação</a:t>
+              <a:t>Parte 2 : Resultados (Outro Exemplo)</a:t>
             </a:r>
           </a:p>
         </p:txBody>
       </p:sp>
       <p:pic>
         <p:nvPicPr>
-          <p:cNvPr id="4" name="Imagem 3">
+          <p:cNvPr id="5" name="Marcador de Posição de Conteúdo 4">
             <a:extLst>
               <a:ext uri="{FF2B5EF4-FFF2-40B4-BE49-F238E27FC236}">
-                <a16:creationId xmlns:a16="http://schemas.microsoft.com/office/drawing/2014/main" id="{68314A7B-9AE8-4886-BEDA-CA110D311359}"/>
+                <a16:creationId xmlns:a16="http://schemas.microsoft.com/office/drawing/2014/main" id="{9A0A5FF6-3D14-4ACE-910C-C232FFFAFDAE}"/>
+              </a:ext>
+            </a:extLst>
+          </p:cNvPr>
+          <p:cNvPicPr>
+            <a:picLocks noGrp="1" noChangeAspect="1"/>
+          </p:cNvPicPr>
+          <p:nvPr>
+            <p:ph idx="1"/>
+          </p:nvPr>
+        </p:nvPicPr>
+        <p:blipFill>
+          <a:blip r:embed="rId3">
+            <a:clrChange>
+              <a:clrFrom>
+                <a:srgbClr val="FFFFFF"/>
+              </a:clrFrom>
+              <a:clrTo>
+                <a:srgbClr val="FFFFFF">
+                  <a:alpha val="0"/>
+                </a:srgbClr>
+              </a:clrTo>
+            </a:clrChange>
+            <a:extLst>
+              <a:ext uri="{28A0092B-C50C-407E-A947-70E740481C1C}">
+                <a14:useLocalDpi xmlns:a14="http://schemas.microsoft.com/office/drawing/2010/main" val="0"/>
+              </a:ext>
+            </a:extLst>
+          </a:blip>
+          <a:stretch>
+            <a:fillRect/>
+          </a:stretch>
+        </p:blipFill>
+        <p:spPr>
+          <a:xfrm>
+            <a:off x="2461313" y="2103606"/>
+            <a:ext cx="3669481" cy="3575392"/>
+          </a:xfrm>
+        </p:spPr>
+      </p:pic>
+      <p:pic>
+        <p:nvPicPr>
+          <p:cNvPr id="6" name="Imagem 5">
+            <a:extLst>
+              <a:ext uri="{FF2B5EF4-FFF2-40B4-BE49-F238E27FC236}">
+                <a16:creationId xmlns:a16="http://schemas.microsoft.com/office/drawing/2014/main" id="{E9BAD965-D9A4-40A5-8DE8-A5FBD7CB9069}"/>
               </a:ext>
             </a:extLst>
           </p:cNvPr>
@@ -10895,7 +14059,7 @@
           <p:nvPr/>
         </p:nvPicPr>
         <p:blipFill>
-          <a:blip r:embed="rId2">
+          <a:blip r:embed="rId4">
             <a:clrChange>
               <a:clrFrom>
                 <a:srgbClr val="FFFFFF"/>
@@ -10913,8 +14077,8 @@
         </p:blipFill>
         <p:spPr>
           <a:xfrm>
-            <a:off x="4290007" y="1891127"/>
-            <a:ext cx="4407318" cy="2363925"/>
+            <a:off x="8057322" y="2247899"/>
+            <a:ext cx="1584669" cy="1637491"/>
           </a:xfrm>
           <a:prstGeom prst="rect">
             <a:avLst/>
@@ -10923,10 +14087,10 @@
       </p:pic>
       <p:sp>
         <p:nvSpPr>
-          <p:cNvPr id="5" name="Marcador de Posição de Conteúdo 2">
+          <p:cNvPr id="7" name="Marcador de Posição de Conteúdo 2">
             <a:extLst>
               <a:ext uri="{FF2B5EF4-FFF2-40B4-BE49-F238E27FC236}">
-                <a16:creationId xmlns:a16="http://schemas.microsoft.com/office/drawing/2014/main" id="{DA15AD1A-7261-4720-A9B8-AAF52C1413B9}"/>
+                <a16:creationId xmlns:a16="http://schemas.microsoft.com/office/drawing/2014/main" id="{BB660C71-4AB1-4B63-A950-3BFC59188B51}"/>
               </a:ext>
             </a:extLst>
           </p:cNvPr>
@@ -10937,8 +14101,8 @@
         </p:nvSpPr>
         <p:spPr>
           <a:xfrm>
-            <a:off x="4290007" y="5019193"/>
-            <a:ext cx="4525521" cy="1527382"/>
+            <a:off x="7543380" y="4366131"/>
+            <a:ext cx="3401880" cy="1723685"/>
           </a:xfrm>
           <a:prstGeom prst="rect">
             <a:avLst/>
@@ -11181,18 +14345,12 @@
               <a:buChar char="•"/>
             </a:pPr>
             <a:r>
+              <a:rPr lang="pt-PT" sz="2000" dirty="0" err="1"/>
+              <a:t>Overhead</a:t>
+            </a:r>
+            <a:r>
               <a:rPr lang="pt-PT" sz="2000" dirty="0"/>
-              <a:t>A – rede original</a:t>
-            </a:r>
-          </a:p>
-          <a:p>
-            <a:pPr>
-              <a:buFont typeface="Arial" panose="020B0604020202020204" pitchFamily="34" charset="0"/>
-              <a:buChar char="•"/>
-            </a:pPr>
-            <a:r>
-              <a:rPr lang="pt-PT" sz="2000" dirty="0"/>
-              <a:t>As – rede com arestas trocadas</a:t>
+              <a:t> na aresta 3</a:t>
             </a:r>
             <a:endParaRPr lang="pt-PT" dirty="0"/>
           </a:p>
@@ -11210,10 +14368,10 @@
       </p:sp>
       <p:pic>
         <p:nvPicPr>
-          <p:cNvPr id="6" name="Imagem 5">
+          <p:cNvPr id="8" name="Imagem 7">
             <a:extLst>
               <a:ext uri="{FF2B5EF4-FFF2-40B4-BE49-F238E27FC236}">
-                <a16:creationId xmlns:a16="http://schemas.microsoft.com/office/drawing/2014/main" id="{1644BE74-7032-48A7-9BBF-F23E0030406D}"/>
+                <a16:creationId xmlns:a16="http://schemas.microsoft.com/office/drawing/2014/main" id="{4FD4DC67-0AEB-4E2A-A42D-D48A363D9FBC}"/>
               </a:ext>
             </a:extLst>
           </p:cNvPr>
@@ -11223,7 +14381,7 @@
           <p:nvPr/>
         </p:nvPicPr>
         <p:blipFill>
-          <a:blip r:embed="rId3">
+          <a:blip r:embed="rId5">
             <a:extLst>
               <a:ext uri="{28A0092B-C50C-407E-A947-70E740481C1C}">
                 <a14:useLocalDpi xmlns:a14="http://schemas.microsoft.com/office/drawing/2010/main" val="0"/>
@@ -11247,7 +14405,7 @@
     </p:spTree>
     <p:extLst>
       <p:ext uri="{BB962C8B-B14F-4D97-AF65-F5344CB8AC3E}">
-        <p14:creationId xmlns:p14="http://schemas.microsoft.com/office/powerpoint/2010/main" val="966092888"/>
+        <p14:creationId xmlns:p14="http://schemas.microsoft.com/office/powerpoint/2010/main" val="3705581014"/>
       </p:ext>
     </p:extLst>
   </p:cSld>
@@ -11511,4 +14669,299 @@
     </a:ext>
   </a:extLst>
 </a:theme>
+</file>
+
+<file path=ppt/theme/theme2.xml><?xml version="1.0" encoding="utf-8"?>
+<a:theme xmlns:a="http://schemas.openxmlformats.org/drawingml/2006/main" name="Tema do Office">
+  <a:themeElements>
+    <a:clrScheme name="Office">
+      <a:dk1>
+        <a:sysClr val="windowText" lastClr="000000"/>
+      </a:dk1>
+      <a:lt1>
+        <a:sysClr val="window" lastClr="FFFFFF"/>
+      </a:lt1>
+      <a:dk2>
+        <a:srgbClr val="44546A"/>
+      </a:dk2>
+      <a:lt2>
+        <a:srgbClr val="E7E6E6"/>
+      </a:lt2>
+      <a:accent1>
+        <a:srgbClr val="4472C4"/>
+      </a:accent1>
+      <a:accent2>
+        <a:srgbClr val="ED7D31"/>
+      </a:accent2>
+      <a:accent3>
+        <a:srgbClr val="A5A5A5"/>
+      </a:accent3>
+      <a:accent4>
+        <a:srgbClr val="FFC000"/>
+      </a:accent4>
+      <a:accent5>
+        <a:srgbClr val="5B9BD5"/>
+      </a:accent5>
+      <a:accent6>
+        <a:srgbClr val="70AD47"/>
+      </a:accent6>
+      <a:hlink>
+        <a:srgbClr val="0563C1"/>
+      </a:hlink>
+      <a:folHlink>
+        <a:srgbClr val="954F72"/>
+      </a:folHlink>
+    </a:clrScheme>
+    <a:fontScheme name="Office">
+      <a:majorFont>
+        <a:latin typeface="Calibri Light" panose="020F0302020204030204"/>
+        <a:ea typeface=""/>
+        <a:cs typeface=""/>
+        <a:font script="Jpan" typeface="游ゴシック Light"/>
+        <a:font script="Hang" typeface="맑은 고딕"/>
+        <a:font script="Hans" typeface="等线 Light"/>
+        <a:font script="Hant" typeface="新細明體"/>
+        <a:font script="Arab" typeface="Times New Roman"/>
+        <a:font script="Hebr" typeface="Times New Roman"/>
+        <a:font script="Thai" typeface="Angsana New"/>
+        <a:font script="Ethi" typeface="Nyala"/>
+        <a:font script="Beng" typeface="Vrinda"/>
+        <a:font script="Gujr" typeface="Shruti"/>
+        <a:font script="Khmr" typeface="MoolBoran"/>
+        <a:font script="Knda" typeface="Tunga"/>
+        <a:font script="Guru" typeface="Raavi"/>
+        <a:font script="Cans" typeface="Euphemia"/>
+        <a:font script="Cher" typeface="Plantagenet Cherokee"/>
+        <a:font script="Yiii" typeface="Microsoft Yi Baiti"/>
+        <a:font script="Tibt" typeface="Microsoft Himalaya"/>
+        <a:font script="Thaa" typeface="MV Boli"/>
+        <a:font script="Deva" typeface="Mangal"/>
+        <a:font script="Telu" typeface="Gautami"/>
+        <a:font script="Taml" typeface="Latha"/>
+        <a:font script="Syrc" typeface="Estrangelo Edessa"/>
+        <a:font script="Orya" typeface="Kalinga"/>
+        <a:font script="Mlym" typeface="Kartika"/>
+        <a:font script="Laoo" typeface="DokChampa"/>
+        <a:font script="Sinh" typeface="Iskoola Pota"/>
+        <a:font script="Mong" typeface="Mongolian Baiti"/>
+        <a:font script="Viet" typeface="Times New Roman"/>
+        <a:font script="Uigh" typeface="Microsoft Uighur"/>
+        <a:font script="Geor" typeface="Sylfaen"/>
+        <a:font script="Armn" typeface="Arial"/>
+        <a:font script="Bugi" typeface="Leelawadee UI"/>
+        <a:font script="Bopo" typeface="Microsoft JhengHei"/>
+        <a:font script="Java" typeface="Javanese Text"/>
+        <a:font script="Lisu" typeface="Segoe UI"/>
+        <a:font script="Mymr" typeface="Myanmar Text"/>
+        <a:font script="Nkoo" typeface="Ebrima"/>
+        <a:font script="Olck" typeface="Nirmala UI"/>
+        <a:font script="Osma" typeface="Ebrima"/>
+        <a:font script="Phag" typeface="Phagspa"/>
+        <a:font script="Syrn" typeface="Estrangelo Edessa"/>
+        <a:font script="Syrj" typeface="Estrangelo Edessa"/>
+        <a:font script="Syre" typeface="Estrangelo Edessa"/>
+        <a:font script="Sora" typeface="Nirmala UI"/>
+        <a:font script="Tale" typeface="Microsoft Tai Le"/>
+        <a:font script="Talu" typeface="Microsoft New Tai Lue"/>
+        <a:font script="Tfng" typeface="Ebrima"/>
+      </a:majorFont>
+      <a:minorFont>
+        <a:latin typeface="Calibri" panose="020F0502020204030204"/>
+        <a:ea typeface=""/>
+        <a:cs typeface=""/>
+        <a:font script="Jpan" typeface="游ゴシック"/>
+        <a:font script="Hang" typeface="맑은 고딕"/>
+        <a:font script="Hans" typeface="等线"/>
+        <a:font script="Hant" typeface="新細明體"/>
+        <a:font script="Arab" typeface="Arial"/>
+        <a:font script="Hebr" typeface="Arial"/>
+        <a:font script="Thai" typeface="Cordia New"/>
+        <a:font script="Ethi" typeface="Nyala"/>
+        <a:font script="Beng" typeface="Vrinda"/>
+        <a:font script="Gujr" typeface="Shruti"/>
+        <a:font script="Khmr" typeface="DaunPenh"/>
+        <a:font script="Knda" typeface="Tunga"/>
+        <a:font script="Guru" typeface="Raavi"/>
+        <a:font script="Cans" typeface="Euphemia"/>
+        <a:font script="Cher" typeface="Plantagenet Cherokee"/>
+        <a:font script="Yiii" typeface="Microsoft Yi Baiti"/>
+        <a:font script="Tibt" typeface="Microsoft Himalaya"/>
+        <a:font script="Thaa" typeface="MV Boli"/>
+        <a:font script="Deva" typeface="Mangal"/>
+        <a:font script="Telu" typeface="Gautami"/>
+        <a:font script="Taml" typeface="Latha"/>
+        <a:font script="Syrc" typeface="Estrangelo Edessa"/>
+        <a:font script="Orya" typeface="Kalinga"/>
+        <a:font script="Mlym" typeface="Kartika"/>
+        <a:font script="Laoo" typeface="DokChampa"/>
+        <a:font script="Sinh" typeface="Iskoola Pota"/>
+        <a:font script="Mong" typeface="Mongolian Baiti"/>
+        <a:font script="Viet" typeface="Arial"/>
+        <a:font script="Uigh" typeface="Microsoft Uighur"/>
+        <a:font script="Geor" typeface="Sylfaen"/>
+        <a:font script="Armn" typeface="Arial"/>
+        <a:font script="Bugi" typeface="Leelawadee UI"/>
+        <a:font script="Bopo" typeface="Microsoft JhengHei"/>
+        <a:font script="Java" typeface="Javanese Text"/>
+        <a:font script="Lisu" typeface="Segoe UI"/>
+        <a:font script="Mymr" typeface="Myanmar Text"/>
+        <a:font script="Nkoo" typeface="Ebrima"/>
+        <a:font script="Olck" typeface="Nirmala UI"/>
+        <a:font script="Osma" typeface="Ebrima"/>
+        <a:font script="Phag" typeface="Phagspa"/>
+        <a:font script="Syrn" typeface="Estrangelo Edessa"/>
+        <a:font script="Syrj" typeface="Estrangelo Edessa"/>
+        <a:font script="Syre" typeface="Estrangelo Edessa"/>
+        <a:font script="Sora" typeface="Nirmala UI"/>
+        <a:font script="Tale" typeface="Microsoft Tai Le"/>
+        <a:font script="Talu" typeface="Microsoft New Tai Lue"/>
+        <a:font script="Tfng" typeface="Ebrima"/>
+      </a:minorFont>
+    </a:fontScheme>
+    <a:fmtScheme name="Office">
+      <a:fillStyleLst>
+        <a:solidFill>
+          <a:schemeClr val="phClr"/>
+        </a:solidFill>
+        <a:gradFill rotWithShape="1">
+          <a:gsLst>
+            <a:gs pos="0">
+              <a:schemeClr val="phClr">
+                <a:lumMod val="110000"/>
+                <a:satMod val="105000"/>
+                <a:tint val="67000"/>
+              </a:schemeClr>
+            </a:gs>
+            <a:gs pos="50000">
+              <a:schemeClr val="phClr">
+                <a:lumMod val="105000"/>
+                <a:satMod val="103000"/>
+                <a:tint val="73000"/>
+              </a:schemeClr>
+            </a:gs>
+            <a:gs pos="100000">
+              <a:schemeClr val="phClr">
+                <a:lumMod val="105000"/>
+                <a:satMod val="109000"/>
+                <a:tint val="81000"/>
+              </a:schemeClr>
+            </a:gs>
+          </a:gsLst>
+          <a:lin ang="5400000" scaled="0"/>
+        </a:gradFill>
+        <a:gradFill rotWithShape="1">
+          <a:gsLst>
+            <a:gs pos="0">
+              <a:schemeClr val="phClr">
+                <a:satMod val="103000"/>
+                <a:lumMod val="102000"/>
+                <a:tint val="94000"/>
+              </a:schemeClr>
+            </a:gs>
+            <a:gs pos="50000">
+              <a:schemeClr val="phClr">
+                <a:satMod val="110000"/>
+                <a:lumMod val="100000"/>
+                <a:shade val="100000"/>
+              </a:schemeClr>
+            </a:gs>
+            <a:gs pos="100000">
+              <a:schemeClr val="phClr">
+                <a:lumMod val="99000"/>
+                <a:satMod val="120000"/>
+                <a:shade val="78000"/>
+              </a:schemeClr>
+            </a:gs>
+          </a:gsLst>
+          <a:lin ang="5400000" scaled="0"/>
+        </a:gradFill>
+      </a:fillStyleLst>
+      <a:lnStyleLst>
+        <a:ln w="6350" cap="flat" cmpd="sng" algn="ctr">
+          <a:solidFill>
+            <a:schemeClr val="phClr"/>
+          </a:solidFill>
+          <a:prstDash val="solid"/>
+          <a:miter lim="800000"/>
+        </a:ln>
+        <a:ln w="12700" cap="flat" cmpd="sng" algn="ctr">
+          <a:solidFill>
+            <a:schemeClr val="phClr"/>
+          </a:solidFill>
+          <a:prstDash val="solid"/>
+          <a:miter lim="800000"/>
+        </a:ln>
+        <a:ln w="19050" cap="flat" cmpd="sng" algn="ctr">
+          <a:solidFill>
+            <a:schemeClr val="phClr"/>
+          </a:solidFill>
+          <a:prstDash val="solid"/>
+          <a:miter lim="800000"/>
+        </a:ln>
+      </a:lnStyleLst>
+      <a:effectStyleLst>
+        <a:effectStyle>
+          <a:effectLst/>
+        </a:effectStyle>
+        <a:effectStyle>
+          <a:effectLst/>
+        </a:effectStyle>
+        <a:effectStyle>
+          <a:effectLst>
+            <a:outerShdw blurRad="57150" dist="19050" dir="5400000" algn="ctr" rotWithShape="0">
+              <a:srgbClr val="000000">
+                <a:alpha val="63000"/>
+              </a:srgbClr>
+            </a:outerShdw>
+          </a:effectLst>
+        </a:effectStyle>
+      </a:effectStyleLst>
+      <a:bgFillStyleLst>
+        <a:solidFill>
+          <a:schemeClr val="phClr"/>
+        </a:solidFill>
+        <a:solidFill>
+          <a:schemeClr val="phClr">
+            <a:tint val="95000"/>
+            <a:satMod val="170000"/>
+          </a:schemeClr>
+        </a:solidFill>
+        <a:gradFill rotWithShape="1">
+          <a:gsLst>
+            <a:gs pos="0">
+              <a:schemeClr val="phClr">
+                <a:tint val="93000"/>
+                <a:satMod val="150000"/>
+                <a:shade val="98000"/>
+                <a:lumMod val="102000"/>
+              </a:schemeClr>
+            </a:gs>
+            <a:gs pos="50000">
+              <a:schemeClr val="phClr">
+                <a:tint val="98000"/>
+                <a:satMod val="130000"/>
+                <a:shade val="90000"/>
+                <a:lumMod val="103000"/>
+              </a:schemeClr>
+            </a:gs>
+            <a:gs pos="100000">
+              <a:schemeClr val="phClr">
+                <a:shade val="63000"/>
+                <a:satMod val="120000"/>
+              </a:schemeClr>
+            </a:gs>
+          </a:gsLst>
+          <a:lin ang="5400000" scaled="0"/>
+        </a:gradFill>
+      </a:bgFillStyleLst>
+    </a:fmtScheme>
+  </a:themeElements>
+  <a:objectDefaults/>
+  <a:extraClrSchemeLst/>
+  <a:extLst>
+    <a:ext uri="{05A4C25C-085E-4340-85A3-A5531E510DB2}">
+      <thm15:themeFamily xmlns:thm15="http://schemas.microsoft.com/office/thememl/2012/main" name="Office Theme" id="{62F939B6-93AF-4DB8-9C6B-D6C7DFDC589F}" vid="{4A3C46E8-61CC-4603-A589-7422A47A8E4A}"/>
+    </a:ext>
+  </a:extLst>
+</a:theme>
 </file>
--- a/OA_pres.pptx
+++ b/OA_pres.pptx
@@ -7,6 +7,9 @@
   <p:notesMasterIdLst>
     <p:notesMasterId r:id="rId17"/>
   </p:notesMasterIdLst>
+  <p:handoutMasterIdLst>
+    <p:handoutMasterId r:id="rId18"/>
+  </p:handoutMasterIdLst>
   <p:sldIdLst>
     <p:sldId id="256" r:id="rId2"/>
     <p:sldId id="258" r:id="rId3"/>
@@ -133,6 +136,195 @@
 <p1510:revInfo xmlns:a="http://schemas.openxmlformats.org/drawingml/2006/main" xmlns:r="http://schemas.openxmlformats.org/officeDocument/2006/relationships" xmlns:p1510="http://schemas.microsoft.com/office/powerpoint/2015/10/main"/>
 </file>
 
+<file path=ppt/handoutMasters/handoutMaster1.xml><?xml version="1.0" encoding="utf-8"?>
+<p:handoutMaster xmlns:a="http://schemas.openxmlformats.org/drawingml/2006/main" xmlns:r="http://schemas.openxmlformats.org/officeDocument/2006/relationships" xmlns:p="http://schemas.openxmlformats.org/presentationml/2006/main">
+  <p:cSld>
+    <p:bg>
+      <p:bgRef idx="1001">
+        <a:schemeClr val="bg1"/>
+      </p:bgRef>
+    </p:bg>
+    <p:spTree>
+      <p:nvGrpSpPr>
+        <p:cNvPr id="1" name=""/>
+        <p:cNvGrpSpPr/>
+        <p:nvPr/>
+      </p:nvGrpSpPr>
+      <p:grpSpPr>
+        <a:xfrm>
+          <a:off x="0" y="0"/>
+          <a:ext cx="0" cy="0"/>
+          <a:chOff x="0" y="0"/>
+          <a:chExt cx="0" cy="0"/>
+        </a:xfrm>
+      </p:grpSpPr>
+      <p:sp>
+        <p:nvSpPr>
+          <p:cNvPr id="2" name="Marcador de Posição do Cabeçalho 1">
+            <a:extLst>
+              <a:ext uri="{FF2B5EF4-FFF2-40B4-BE49-F238E27FC236}">
+                <a16:creationId xmlns:a16="http://schemas.microsoft.com/office/drawing/2014/main" id="{C0176BFE-7D87-488B-92AB-5E3F3FDDCFCE}"/>
+              </a:ext>
+            </a:extLst>
+          </p:cNvPr>
+          <p:cNvSpPr>
+            <a:spLocks noGrp="1"/>
+          </p:cNvSpPr>
+          <p:nvPr>
+            <p:ph type="hdr" sz="quarter"/>
+          </p:nvPr>
+        </p:nvSpPr>
+        <p:spPr>
+          <a:xfrm>
+            <a:off x="0" y="0"/>
+            <a:ext cx="2971800" cy="458788"/>
+          </a:xfrm>
+          <a:prstGeom prst="rect">
+            <a:avLst/>
+          </a:prstGeom>
+        </p:spPr>
+        <p:txBody>
+          <a:bodyPr vert="horz" lIns="91440" tIns="45720" rIns="91440" bIns="45720" rtlCol="0"/>
+          <a:lstStyle>
+            <a:lvl1pPr algn="l">
+              <a:defRPr sz="1200"/>
+            </a:lvl1pPr>
+          </a:lstStyle>
+          <a:p>
+            <a:endParaRPr lang="pt-PT"/>
+          </a:p>
+        </p:txBody>
+      </p:sp>
+      <p:sp>
+        <p:nvSpPr>
+          <p:cNvPr id="3" name="Marcador de Posição da Data 2">
+            <a:extLst>
+              <a:ext uri="{FF2B5EF4-FFF2-40B4-BE49-F238E27FC236}">
+                <a16:creationId xmlns:a16="http://schemas.microsoft.com/office/drawing/2014/main" id="{D1C3D3FE-9498-492D-9154-D70AC2250862}"/>
+              </a:ext>
+            </a:extLst>
+          </p:cNvPr>
+          <p:cNvSpPr>
+            <a:spLocks noGrp="1"/>
+          </p:cNvSpPr>
+          <p:nvPr>
+            <p:ph type="dt" sz="quarter" idx="1"/>
+          </p:nvPr>
+        </p:nvSpPr>
+        <p:spPr>
+          <a:xfrm>
+            <a:off x="3884613" y="0"/>
+            <a:ext cx="2971800" cy="458788"/>
+          </a:xfrm>
+          <a:prstGeom prst="rect">
+            <a:avLst/>
+          </a:prstGeom>
+        </p:spPr>
+        <p:txBody>
+          <a:bodyPr vert="horz" lIns="91440" tIns="45720" rIns="91440" bIns="45720" rtlCol="0"/>
+          <a:lstStyle>
+            <a:lvl1pPr algn="r">
+              <a:defRPr sz="1200"/>
+            </a:lvl1pPr>
+          </a:lstStyle>
+          <a:p>
+            <a:fld id="{260FD193-2EBC-4390-ABC7-47396FFE3157}" type="datetimeFigureOut">
+              <a:rPr lang="pt-PT" smtClean="0"/>
+              <a:t>14/12/2017</a:t>
+            </a:fld>
+            <a:endParaRPr lang="pt-PT"/>
+          </a:p>
+        </p:txBody>
+      </p:sp>
+      <p:sp>
+        <p:nvSpPr>
+          <p:cNvPr id="4" name="Marcador de Posição do Rodapé 3">
+            <a:extLst>
+              <a:ext uri="{FF2B5EF4-FFF2-40B4-BE49-F238E27FC236}">
+                <a16:creationId xmlns:a16="http://schemas.microsoft.com/office/drawing/2014/main" id="{A6503E07-F117-4345-8054-A7EFD58B5FD6}"/>
+              </a:ext>
+            </a:extLst>
+          </p:cNvPr>
+          <p:cNvSpPr>
+            <a:spLocks noGrp="1"/>
+          </p:cNvSpPr>
+          <p:nvPr>
+            <p:ph type="ftr" sz="quarter" idx="2"/>
+          </p:nvPr>
+        </p:nvSpPr>
+        <p:spPr>
+          <a:xfrm>
+            <a:off x="0" y="8685213"/>
+            <a:ext cx="2971800" cy="458787"/>
+          </a:xfrm>
+          <a:prstGeom prst="rect">
+            <a:avLst/>
+          </a:prstGeom>
+        </p:spPr>
+        <p:txBody>
+          <a:bodyPr vert="horz" lIns="91440" tIns="45720" rIns="91440" bIns="45720" rtlCol="0" anchor="b"/>
+          <a:lstStyle>
+            <a:lvl1pPr algn="l">
+              <a:defRPr sz="1200"/>
+            </a:lvl1pPr>
+          </a:lstStyle>
+          <a:p>
+            <a:endParaRPr lang="pt-PT"/>
+          </a:p>
+        </p:txBody>
+      </p:sp>
+      <p:sp>
+        <p:nvSpPr>
+          <p:cNvPr id="5" name="Marcador de Posição do Número do Diapositivo 4">
+            <a:extLst>
+              <a:ext uri="{FF2B5EF4-FFF2-40B4-BE49-F238E27FC236}">
+                <a16:creationId xmlns:a16="http://schemas.microsoft.com/office/drawing/2014/main" id="{4222F00D-28E6-4AEA-A15D-1BE7F12B5839}"/>
+              </a:ext>
+            </a:extLst>
+          </p:cNvPr>
+          <p:cNvSpPr>
+            <a:spLocks noGrp="1"/>
+          </p:cNvSpPr>
+          <p:nvPr>
+            <p:ph type="sldNum" sz="quarter" idx="3"/>
+          </p:nvPr>
+        </p:nvSpPr>
+        <p:spPr>
+          <a:xfrm>
+            <a:off x="3884613" y="8685213"/>
+            <a:ext cx="2971800" cy="458787"/>
+          </a:xfrm>
+          <a:prstGeom prst="rect">
+            <a:avLst/>
+          </a:prstGeom>
+        </p:spPr>
+        <p:txBody>
+          <a:bodyPr vert="horz" lIns="91440" tIns="45720" rIns="91440" bIns="45720" rtlCol="0" anchor="b"/>
+          <a:lstStyle>
+            <a:lvl1pPr algn="r">
+              <a:defRPr sz="1200"/>
+            </a:lvl1pPr>
+          </a:lstStyle>
+          <a:p>
+            <a:fld id="{C6B3D858-ACF9-4305-B184-4DE1846C88C4}" type="slidenum">
+              <a:rPr lang="pt-PT" smtClean="0"/>
+              <a:t>‹nº›</a:t>
+            </a:fld>
+            <a:endParaRPr lang="pt-PT"/>
+          </a:p>
+        </p:txBody>
+      </p:sp>
+    </p:spTree>
+    <p:extLst>
+      <p:ext uri="{BB962C8B-B14F-4D97-AF65-F5344CB8AC3E}">
+        <p14:creationId xmlns:p14="http://schemas.microsoft.com/office/powerpoint/2010/main" val="694589394"/>
+      </p:ext>
+    </p:extLst>
+  </p:cSld>
+  <p:clrMap bg1="lt1" tx1="dk1" bg2="lt2" tx2="dk2" accent1="accent1" accent2="accent2" accent3="accent3" accent4="accent4" accent5="accent5" accent6="accent6" hlink="hlink" folHlink="folHlink"/>
+</p:handoutMaster>
+</file>
+
 <file path=ppt/notesMasters/notesMaster1.xml><?xml version="1.0" encoding="utf-8"?>
 <p:notesMaster xmlns:a="http://schemas.openxmlformats.org/drawingml/2006/main" xmlns:r="http://schemas.openxmlformats.org/officeDocument/2006/relationships" xmlns:p="http://schemas.openxmlformats.org/presentationml/2006/main">
   <p:cSld>
@@ -215,7 +407,7 @@
           <a:p>
             <a:fld id="{D5B1BFC7-0EB9-4CB1-ABC7-62262F39C40C}" type="datetimeFigureOut">
               <a:rPr lang="pt-PT" smtClean="0"/>
-              <a:t>11/12/2017</a:t>
+              <a:t>14/12/2017</a:t>
             </a:fld>
             <a:endParaRPr lang="pt-PT"/>
           </a:p>
@@ -1100,7 +1292,7 @@
             </a:pPr>
             <a:r>
               <a:rPr lang="pt-PT" dirty="0"/>
-              <a:t>Rede de transporte de mercadorias cada aresta=uma estrada</a:t>
+              <a:t>Rede de mercadorias cada aresta=uma estrada</a:t>
             </a:r>
           </a:p>
           <a:p>
@@ -1110,7 +1302,7 @@
             </a:pPr>
             <a:r>
               <a:rPr lang="pt-PT" dirty="0"/>
-              <a:t>O custo é dado pelo tempo que demora percorrer ou a distancia de cada estrada</a:t>
+              <a:t>O custo :tempo ou distancia</a:t>
             </a:r>
           </a:p>
         </p:txBody>
@@ -1221,7 +1413,7 @@
             </a:pPr>
             <a:r>
               <a:rPr lang="pt-PT" dirty="0"/>
-              <a:t>Não usamos =0 devido o algoritmo ser de iterações logo não conseguirá chegar exatamente a zero</a:t>
+              <a:t>Não usamos =0 devido iterações</a:t>
             </a:r>
           </a:p>
           <a:p>
@@ -1249,7 +1441,7 @@
             </a:pPr>
             <a:r>
               <a:rPr lang="pt-PT" dirty="0"/>
-              <a:t>r não pode exceder a capacidade</a:t>
+              <a:t>CVX;CVX;CVX;CVX</a:t>
             </a:r>
           </a:p>
           <a:p>
@@ -1259,7 +1451,17 @@
             </a:pPr>
             <a:r>
               <a:rPr lang="pt-PT" dirty="0"/>
-              <a:t>f reservas para cada cenário particular e r têm em conta todos os cenários</a:t>
+              <a:t>r não pode exceder a capacidade</a:t>
+            </a:r>
+          </a:p>
+          <a:p>
+            <a:pPr marL="171450" indent="-171450">
+              <a:buFontTx/>
+              <a:buChar char="-"/>
+            </a:pPr>
+            <a:r>
+              <a:rPr lang="pt-PT" dirty="0"/>
+              <a:t>f reservas cenário particular e r todos os cenários</a:t>
             </a:r>
           </a:p>
         </p:txBody>
@@ -1350,7 +1552,7 @@
             </a:pPr>
             <a:r>
               <a:rPr lang="pt-PT" dirty="0"/>
-              <a:t>Procura usar o menor número de arestas possível dado que todas têm o mesmo custo</a:t>
+              <a:t>Usar o menor número de arestas pois mesmo custo</a:t>
             </a:r>
           </a:p>
           <a:p>
@@ -1451,15 +1653,15 @@
             </a:pPr>
             <a:r>
               <a:rPr lang="pt-PT" dirty="0"/>
-              <a:t>Custo deixa de ser só proporcional, passa-se a pagar taxa por usar aresta (</a:t>
+              <a:t>Custo </a:t>
             </a:r>
             <a:r>
               <a:rPr lang="pt-PT" dirty="0" err="1"/>
-              <a:t>overhead</a:t>
+              <a:t>ovehead</a:t>
             </a:r>
             <a:r>
               <a:rPr lang="pt-PT" dirty="0"/>
-              <a:t>)</a:t>
+              <a:t>.</a:t>
             </a:r>
           </a:p>
           <a:p>
@@ -1469,7 +1671,7 @@
             </a:pPr>
             <a:r>
               <a:rPr lang="pt-PT" dirty="0"/>
-              <a:t>g é em teoria um vetor binário</a:t>
+              <a:t>g idealmente 0 ou 1</a:t>
             </a:r>
           </a:p>
           <a:p>
@@ -1479,7 +1681,15 @@
             </a:pPr>
             <a:r>
               <a:rPr lang="pt-PT" dirty="0"/>
-              <a:t>Um vetor binário não é linear</a:t>
+              <a:t>Definimos g no </a:t>
+            </a:r>
+            <a:r>
+              <a:rPr lang="pt-PT" dirty="0" err="1"/>
+              <a:t>invervalo</a:t>
+            </a:r>
+            <a:r>
+              <a:rPr lang="pt-PT" dirty="0"/>
+              <a:t> de 0 ou 1 </a:t>
             </a:r>
           </a:p>
           <a:p>
@@ -1489,7 +1699,7 @@
             </a:pPr>
             <a:r>
               <a:rPr lang="pt-PT" dirty="0"/>
-              <a:t>Isto não será problema pois os valores de g iram convergir para 0 ou 1 consoante a necessidade de usar a aresta</a:t>
+              <a:t>Apos uma iteração aplicar um critério decidir </a:t>
             </a:r>
           </a:p>
         </p:txBody>
@@ -1608,15 +1818,7 @@
             </a:pPr>
             <a:r>
               <a:rPr lang="pt-PT" dirty="0"/>
-              <a:t>Após testar com outras redes e outros </a:t>
-            </a:r>
-            <a:r>
-              <a:rPr lang="pt-PT" dirty="0" err="1"/>
-              <a:t>overheads</a:t>
-            </a:r>
-            <a:r>
-              <a:rPr lang="pt-PT" dirty="0"/>
-              <a:t> definimos 0,1 como sendo um valor razoável para escolher entre 0 ou 1</a:t>
+              <a:t>Após testar definimos limiar baixo garantir que não deixamos de utilizar aresta</a:t>
             </a:r>
           </a:p>
           <a:p>
@@ -1626,7 +1828,7 @@
             </a:pPr>
             <a:r>
               <a:rPr lang="pt-PT" dirty="0"/>
-              <a:t>Reescrevemos g e corrermos o algoritmo novamente</a:t>
+              <a:t>Redefine-se g calcula se custo e reservas</a:t>
             </a:r>
           </a:p>
           <a:p>
@@ -1733,13 +1935,8 @@
           <a:p>
             <a:r>
               <a:rPr lang="pt-PT" sz="1200" dirty="0"/>
-              <a:t>- Ciclo for que testa todas as possibilidades de uso ou não das arestas com </a:t>
-            </a:r>
-            <a:r>
-              <a:rPr lang="pt-PT" sz="1200" dirty="0" err="1"/>
-              <a:t>overhead</a:t>
-            </a:r>
-            <a:endParaRPr lang="pt-PT" sz="1200" dirty="0"/>
+              <a:t>Alternativa testar todas as combinações.</a:t>
+            </a:r>
           </a:p>
           <a:p>
             <a:r>
@@ -1763,16 +1960,6 @@
             <a:r>
               <a:rPr lang="pt-PT" sz="1200" dirty="0"/>
               <a:t>)</a:t>
-            </a:r>
-          </a:p>
-          <a:p>
-            <a:pPr marL="171450" indent="-171450">
-              <a:buFontTx/>
-              <a:buChar char="-"/>
-            </a:pPr>
-            <a:r>
-              <a:rPr lang="pt-PT" sz="1200" dirty="0"/>
-              <a:t>No nosso exemplo tínhamos 8 combinações mas apenas duas davam solução válida</a:t>
             </a:r>
           </a:p>
           <a:p>
@@ -2590,7 +2777,7 @@
           <a:p>
             <a:fld id="{9162E90D-0598-4B7E-A551-61CEB5DD1D2D}" type="datetimeFigureOut">
               <a:rPr lang="pt-PT" smtClean="0"/>
-              <a:t>11/12/2017</a:t>
+              <a:t>14/12/2017</a:t>
             </a:fld>
             <a:endParaRPr lang="pt-PT"/>
           </a:p>
@@ -2886,7 +3073,7 @@
           <a:p>
             <a:fld id="{9162E90D-0598-4B7E-A551-61CEB5DD1D2D}" type="datetimeFigureOut">
               <a:rPr lang="pt-PT" smtClean="0"/>
-              <a:t>11/12/2017</a:t>
+              <a:t>14/12/2017</a:t>
             </a:fld>
             <a:endParaRPr lang="pt-PT"/>
           </a:p>
@@ -3134,7 +3321,7 @@
           <a:p>
             <a:fld id="{9162E90D-0598-4B7E-A551-61CEB5DD1D2D}" type="datetimeFigureOut">
               <a:rPr lang="pt-PT" smtClean="0"/>
-              <a:t>11/12/2017</a:t>
+              <a:t>14/12/2017</a:t>
             </a:fld>
             <a:endParaRPr lang="pt-PT"/>
           </a:p>
@@ -3674,7 +3861,7 @@
           <a:p>
             <a:fld id="{9162E90D-0598-4B7E-A551-61CEB5DD1D2D}" type="datetimeFigureOut">
               <a:rPr lang="pt-PT" smtClean="0"/>
-              <a:t>11/12/2017</a:t>
+              <a:t>14/12/2017</a:t>
             </a:fld>
             <a:endParaRPr lang="pt-PT"/>
           </a:p>
@@ -3922,7 +4109,7 @@
           <a:p>
             <a:fld id="{9162E90D-0598-4B7E-A551-61CEB5DD1D2D}" type="datetimeFigureOut">
               <a:rPr lang="pt-PT" smtClean="0"/>
-              <a:t>11/12/2017</a:t>
+              <a:t>14/12/2017</a:t>
             </a:fld>
             <a:endParaRPr lang="pt-PT"/>
           </a:p>
@@ -4454,7 +4641,7 @@
           <a:p>
             <a:fld id="{9162E90D-0598-4B7E-A551-61CEB5DD1D2D}" type="datetimeFigureOut">
               <a:rPr lang="pt-PT" smtClean="0"/>
-              <a:t>11/12/2017</a:t>
+              <a:t>14/12/2017</a:t>
             </a:fld>
             <a:endParaRPr lang="pt-PT"/>
           </a:p>
@@ -4751,7 +4938,7 @@
           <a:p>
             <a:fld id="{9162E90D-0598-4B7E-A551-61CEB5DD1D2D}" type="datetimeFigureOut">
               <a:rPr lang="pt-PT" smtClean="0"/>
-              <a:t>11/12/2017</a:t>
+              <a:t>14/12/2017</a:t>
             </a:fld>
             <a:endParaRPr lang="pt-PT"/>
           </a:p>
@@ -4925,7 +5112,7 @@
           <a:p>
             <a:fld id="{9162E90D-0598-4B7E-A551-61CEB5DD1D2D}" type="datetimeFigureOut">
               <a:rPr lang="pt-PT" smtClean="0"/>
-              <a:t>11/12/2017</a:t>
+              <a:t>14/12/2017</a:t>
             </a:fld>
             <a:endParaRPr lang="pt-PT"/>
           </a:p>
@@ -5105,7 +5292,7 @@
           <a:p>
             <a:fld id="{9162E90D-0598-4B7E-A551-61CEB5DD1D2D}" type="datetimeFigureOut">
               <a:rPr lang="pt-PT" smtClean="0"/>
-              <a:t>11/12/2017</a:t>
+              <a:t>14/12/2017</a:t>
             </a:fld>
             <a:endParaRPr lang="pt-PT"/>
           </a:p>
@@ -5275,7 +5462,7 @@
           <a:p>
             <a:fld id="{9162E90D-0598-4B7E-A551-61CEB5DD1D2D}" type="datetimeFigureOut">
               <a:rPr lang="pt-PT" smtClean="0"/>
-              <a:t>11/12/2017</a:t>
+              <a:t>14/12/2017</a:t>
             </a:fld>
             <a:endParaRPr lang="pt-PT"/>
           </a:p>
@@ -5526,7 +5713,7 @@
           <a:p>
             <a:fld id="{9162E90D-0598-4B7E-A551-61CEB5DD1D2D}" type="datetimeFigureOut">
               <a:rPr lang="pt-PT" smtClean="0"/>
-              <a:t>11/12/2017</a:t>
+              <a:t>14/12/2017</a:t>
             </a:fld>
             <a:endParaRPr lang="pt-PT"/>
           </a:p>
@@ -5823,7 +6010,7 @@
           <a:p>
             <a:fld id="{9162E90D-0598-4B7E-A551-61CEB5DD1D2D}" type="datetimeFigureOut">
               <a:rPr lang="pt-PT" smtClean="0"/>
-              <a:t>11/12/2017</a:t>
+              <a:t>14/12/2017</a:t>
             </a:fld>
             <a:endParaRPr lang="pt-PT"/>
           </a:p>
@@ -6265,7 +6452,7 @@
           <a:p>
             <a:fld id="{9162E90D-0598-4B7E-A551-61CEB5DD1D2D}" type="datetimeFigureOut">
               <a:rPr lang="pt-PT" smtClean="0"/>
-              <a:t>11/12/2017</a:t>
+              <a:t>14/12/2017</a:t>
             </a:fld>
             <a:endParaRPr lang="pt-PT"/>
           </a:p>
@@ -6383,7 +6570,7 @@
           <a:p>
             <a:fld id="{9162E90D-0598-4B7E-A551-61CEB5DD1D2D}" type="datetimeFigureOut">
               <a:rPr lang="pt-PT" smtClean="0"/>
-              <a:t>11/12/2017</a:t>
+              <a:t>14/12/2017</a:t>
             </a:fld>
             <a:endParaRPr lang="pt-PT"/>
           </a:p>
@@ -6478,7 +6665,7 @@
           <a:p>
             <a:fld id="{9162E90D-0598-4B7E-A551-61CEB5DD1D2D}" type="datetimeFigureOut">
               <a:rPr lang="pt-PT" smtClean="0"/>
-              <a:t>11/12/2017</a:t>
+              <a:t>14/12/2017</a:t>
             </a:fld>
             <a:endParaRPr lang="pt-PT"/>
           </a:p>
@@ -6761,7 +6948,7 @@
           <a:p>
             <a:fld id="{9162E90D-0598-4B7E-A551-61CEB5DD1D2D}" type="datetimeFigureOut">
               <a:rPr lang="pt-PT" smtClean="0"/>
-              <a:t>11/12/2017</a:t>
+              <a:t>14/12/2017</a:t>
             </a:fld>
             <a:endParaRPr lang="pt-PT"/>
           </a:p>
@@ -7052,7 +7239,7 @@
           <a:p>
             <a:fld id="{9162E90D-0598-4B7E-A551-61CEB5DD1D2D}" type="datetimeFigureOut">
               <a:rPr lang="pt-PT" smtClean="0"/>
-              <a:t>11/12/2017</a:t>
+              <a:t>14/12/2017</a:t>
             </a:fld>
             <a:endParaRPr lang="pt-PT"/>
           </a:p>
@@ -7582,7 +7769,7 @@
           <a:p>
             <a:fld id="{9162E90D-0598-4B7E-A551-61CEB5DD1D2D}" type="datetimeFigureOut">
               <a:rPr lang="pt-PT" smtClean="0"/>
-              <a:t>11/12/2017</a:t>
+              <a:t>14/12/2017</a:t>
             </a:fld>
             <a:endParaRPr lang="pt-PT"/>
           </a:p>
@@ -10019,7 +10206,7 @@
           <a:graphicData uri="http://schemas.openxmlformats.org/presentationml/2006/ole">
             <mc:AlternateContent xmlns:mc="http://schemas.openxmlformats.org/markup-compatibility/2006">
               <mc:Choice xmlns:v="urn:schemas-microsoft-com:vml" Requires="v">
-                <p:oleObj spid="_x0000_s1041" name="Visio" r:id="rId4" imgW="4514680" imgH="3352926" progId="Visio.Drawing.15">
+                <p:oleObj spid="_x0000_s1045" name="Visio" r:id="rId4" imgW="4514680" imgH="3352926" progId="Visio.Drawing.15">
                   <p:embed/>
                 </p:oleObj>
               </mc:Choice>
@@ -12454,7 +12641,7 @@
             </a:pPr>
             <a:r>
               <a:rPr lang="pt-PT" sz="2000" dirty="0"/>
-              <a:t>s [nº arestas * nº cenários]- </a:t>
+              <a:t>s [nº nós * nº cenários]- </a:t>
             </a:r>
             <a:r>
               <a:rPr lang="pt-PT" sz="2000" dirty="0" err="1"/>
@@ -14964,4 +15151,299 @@
     </a:ext>
   </a:extLst>
 </a:theme>
+</file>
+
+<file path=ppt/theme/theme3.xml><?xml version="1.0" encoding="utf-8"?>
+<a:theme xmlns:a="http://schemas.openxmlformats.org/drawingml/2006/main" name="Tema do Office">
+  <a:themeElements>
+    <a:clrScheme name="Office">
+      <a:dk1>
+        <a:sysClr val="windowText" lastClr="000000"/>
+      </a:dk1>
+      <a:lt1>
+        <a:sysClr val="window" lastClr="FFFFFF"/>
+      </a:lt1>
+      <a:dk2>
+        <a:srgbClr val="44546A"/>
+      </a:dk2>
+      <a:lt2>
+        <a:srgbClr val="E7E6E6"/>
+      </a:lt2>
+      <a:accent1>
+        <a:srgbClr val="4472C4"/>
+      </a:accent1>
+      <a:accent2>
+        <a:srgbClr val="ED7D31"/>
+      </a:accent2>
+      <a:accent3>
+        <a:srgbClr val="A5A5A5"/>
+      </a:accent3>
+      <a:accent4>
+        <a:srgbClr val="FFC000"/>
+      </a:accent4>
+      <a:accent5>
+        <a:srgbClr val="5B9BD5"/>
+      </a:accent5>
+      <a:accent6>
+        <a:srgbClr val="70AD47"/>
+      </a:accent6>
+      <a:hlink>
+        <a:srgbClr val="0563C1"/>
+      </a:hlink>
+      <a:folHlink>
+        <a:srgbClr val="954F72"/>
+      </a:folHlink>
+    </a:clrScheme>
+    <a:fontScheme name="Office">
+      <a:majorFont>
+        <a:latin typeface="Calibri Light" panose="020F0302020204030204"/>
+        <a:ea typeface=""/>
+        <a:cs typeface=""/>
+        <a:font script="Jpan" typeface="游ゴシック Light"/>
+        <a:font script="Hang" typeface="맑은 고딕"/>
+        <a:font script="Hans" typeface="等线 Light"/>
+        <a:font script="Hant" typeface="新細明體"/>
+        <a:font script="Arab" typeface="Times New Roman"/>
+        <a:font script="Hebr" typeface="Times New Roman"/>
+        <a:font script="Thai" typeface="Angsana New"/>
+        <a:font script="Ethi" typeface="Nyala"/>
+        <a:font script="Beng" typeface="Vrinda"/>
+        <a:font script="Gujr" typeface="Shruti"/>
+        <a:font script="Khmr" typeface="MoolBoran"/>
+        <a:font script="Knda" typeface="Tunga"/>
+        <a:font script="Guru" typeface="Raavi"/>
+        <a:font script="Cans" typeface="Euphemia"/>
+        <a:font script="Cher" typeface="Plantagenet Cherokee"/>
+        <a:font script="Yiii" typeface="Microsoft Yi Baiti"/>
+        <a:font script="Tibt" typeface="Microsoft Himalaya"/>
+        <a:font script="Thaa" typeface="MV Boli"/>
+        <a:font script="Deva" typeface="Mangal"/>
+        <a:font script="Telu" typeface="Gautami"/>
+        <a:font script="Taml" typeface="Latha"/>
+        <a:font script="Syrc" typeface="Estrangelo Edessa"/>
+        <a:font script="Orya" typeface="Kalinga"/>
+        <a:font script="Mlym" typeface="Kartika"/>
+        <a:font script="Laoo" typeface="DokChampa"/>
+        <a:font script="Sinh" typeface="Iskoola Pota"/>
+        <a:font script="Mong" typeface="Mongolian Baiti"/>
+        <a:font script="Viet" typeface="Times New Roman"/>
+        <a:font script="Uigh" typeface="Microsoft Uighur"/>
+        <a:font script="Geor" typeface="Sylfaen"/>
+        <a:font script="Armn" typeface="Arial"/>
+        <a:font script="Bugi" typeface="Leelawadee UI"/>
+        <a:font script="Bopo" typeface="Microsoft JhengHei"/>
+        <a:font script="Java" typeface="Javanese Text"/>
+        <a:font script="Lisu" typeface="Segoe UI"/>
+        <a:font script="Mymr" typeface="Myanmar Text"/>
+        <a:font script="Nkoo" typeface="Ebrima"/>
+        <a:font script="Olck" typeface="Nirmala UI"/>
+        <a:font script="Osma" typeface="Ebrima"/>
+        <a:font script="Phag" typeface="Phagspa"/>
+        <a:font script="Syrn" typeface="Estrangelo Edessa"/>
+        <a:font script="Syrj" typeface="Estrangelo Edessa"/>
+        <a:font script="Syre" typeface="Estrangelo Edessa"/>
+        <a:font script="Sora" typeface="Nirmala UI"/>
+        <a:font script="Tale" typeface="Microsoft Tai Le"/>
+        <a:font script="Talu" typeface="Microsoft New Tai Lue"/>
+        <a:font script="Tfng" typeface="Ebrima"/>
+      </a:majorFont>
+      <a:minorFont>
+        <a:latin typeface="Calibri" panose="020F0502020204030204"/>
+        <a:ea typeface=""/>
+        <a:cs typeface=""/>
+        <a:font script="Jpan" typeface="游ゴシック"/>
+        <a:font script="Hang" typeface="맑은 고딕"/>
+        <a:font script="Hans" typeface="等线"/>
+        <a:font script="Hant" typeface="新細明體"/>
+        <a:font script="Arab" typeface="Arial"/>
+        <a:font script="Hebr" typeface="Arial"/>
+        <a:font script="Thai" typeface="Cordia New"/>
+        <a:font script="Ethi" typeface="Nyala"/>
+        <a:font script="Beng" typeface="Vrinda"/>
+        <a:font script="Gujr" typeface="Shruti"/>
+        <a:font script="Khmr" typeface="DaunPenh"/>
+        <a:font script="Knda" typeface="Tunga"/>
+        <a:font script="Guru" typeface="Raavi"/>
+        <a:font script="Cans" typeface="Euphemia"/>
+        <a:font script="Cher" typeface="Plantagenet Cherokee"/>
+        <a:font script="Yiii" typeface="Microsoft Yi Baiti"/>
+        <a:font script="Tibt" typeface="Microsoft Himalaya"/>
+        <a:font script="Thaa" typeface="MV Boli"/>
+        <a:font script="Deva" typeface="Mangal"/>
+        <a:font script="Telu" typeface="Gautami"/>
+        <a:font script="Taml" typeface="Latha"/>
+        <a:font script="Syrc" typeface="Estrangelo Edessa"/>
+        <a:font script="Orya" typeface="Kalinga"/>
+        <a:font script="Mlym" typeface="Kartika"/>
+        <a:font script="Laoo" typeface="DokChampa"/>
+        <a:font script="Sinh" typeface="Iskoola Pota"/>
+        <a:font script="Mong" typeface="Mongolian Baiti"/>
+        <a:font script="Viet" typeface="Arial"/>
+        <a:font script="Uigh" typeface="Microsoft Uighur"/>
+        <a:font script="Geor" typeface="Sylfaen"/>
+        <a:font script="Armn" typeface="Arial"/>
+        <a:font script="Bugi" typeface="Leelawadee UI"/>
+        <a:font script="Bopo" typeface="Microsoft JhengHei"/>
+        <a:font script="Java" typeface="Javanese Text"/>
+        <a:font script="Lisu" typeface="Segoe UI"/>
+        <a:font script="Mymr" typeface="Myanmar Text"/>
+        <a:font script="Nkoo" typeface="Ebrima"/>
+        <a:font script="Olck" typeface="Nirmala UI"/>
+        <a:font script="Osma" typeface="Ebrima"/>
+        <a:font script="Phag" typeface="Phagspa"/>
+        <a:font script="Syrn" typeface="Estrangelo Edessa"/>
+        <a:font script="Syrj" typeface="Estrangelo Edessa"/>
+        <a:font script="Syre" typeface="Estrangelo Edessa"/>
+        <a:font script="Sora" typeface="Nirmala UI"/>
+        <a:font script="Tale" typeface="Microsoft Tai Le"/>
+        <a:font script="Talu" typeface="Microsoft New Tai Lue"/>
+        <a:font script="Tfng" typeface="Ebrima"/>
+      </a:minorFont>
+    </a:fontScheme>
+    <a:fmtScheme name="Office">
+      <a:fillStyleLst>
+        <a:solidFill>
+          <a:schemeClr val="phClr"/>
+        </a:solidFill>
+        <a:gradFill rotWithShape="1">
+          <a:gsLst>
+            <a:gs pos="0">
+              <a:schemeClr val="phClr">
+                <a:lumMod val="110000"/>
+                <a:satMod val="105000"/>
+                <a:tint val="67000"/>
+              </a:schemeClr>
+            </a:gs>
+            <a:gs pos="50000">
+              <a:schemeClr val="phClr">
+                <a:lumMod val="105000"/>
+                <a:satMod val="103000"/>
+                <a:tint val="73000"/>
+              </a:schemeClr>
+            </a:gs>
+            <a:gs pos="100000">
+              <a:schemeClr val="phClr">
+                <a:lumMod val="105000"/>
+                <a:satMod val="109000"/>
+                <a:tint val="81000"/>
+              </a:schemeClr>
+            </a:gs>
+          </a:gsLst>
+          <a:lin ang="5400000" scaled="0"/>
+        </a:gradFill>
+        <a:gradFill rotWithShape="1">
+          <a:gsLst>
+            <a:gs pos="0">
+              <a:schemeClr val="phClr">
+                <a:satMod val="103000"/>
+                <a:lumMod val="102000"/>
+                <a:tint val="94000"/>
+              </a:schemeClr>
+            </a:gs>
+            <a:gs pos="50000">
+              <a:schemeClr val="phClr">
+                <a:satMod val="110000"/>
+                <a:lumMod val="100000"/>
+                <a:shade val="100000"/>
+              </a:schemeClr>
+            </a:gs>
+            <a:gs pos="100000">
+              <a:schemeClr val="phClr">
+                <a:lumMod val="99000"/>
+                <a:satMod val="120000"/>
+                <a:shade val="78000"/>
+              </a:schemeClr>
+            </a:gs>
+          </a:gsLst>
+          <a:lin ang="5400000" scaled="0"/>
+        </a:gradFill>
+      </a:fillStyleLst>
+      <a:lnStyleLst>
+        <a:ln w="6350" cap="flat" cmpd="sng" algn="ctr">
+          <a:solidFill>
+            <a:schemeClr val="phClr"/>
+          </a:solidFill>
+          <a:prstDash val="solid"/>
+          <a:miter lim="800000"/>
+        </a:ln>
+        <a:ln w="12700" cap="flat" cmpd="sng" algn="ctr">
+          <a:solidFill>
+            <a:schemeClr val="phClr"/>
+          </a:solidFill>
+          <a:prstDash val="solid"/>
+          <a:miter lim="800000"/>
+        </a:ln>
+        <a:ln w="19050" cap="flat" cmpd="sng" algn="ctr">
+          <a:solidFill>
+            <a:schemeClr val="phClr"/>
+          </a:solidFill>
+          <a:prstDash val="solid"/>
+          <a:miter lim="800000"/>
+        </a:ln>
+      </a:lnStyleLst>
+      <a:effectStyleLst>
+        <a:effectStyle>
+          <a:effectLst/>
+        </a:effectStyle>
+        <a:effectStyle>
+          <a:effectLst/>
+        </a:effectStyle>
+        <a:effectStyle>
+          <a:effectLst>
+            <a:outerShdw blurRad="57150" dist="19050" dir="5400000" algn="ctr" rotWithShape="0">
+              <a:srgbClr val="000000">
+                <a:alpha val="63000"/>
+              </a:srgbClr>
+            </a:outerShdw>
+          </a:effectLst>
+        </a:effectStyle>
+      </a:effectStyleLst>
+      <a:bgFillStyleLst>
+        <a:solidFill>
+          <a:schemeClr val="phClr"/>
+        </a:solidFill>
+        <a:solidFill>
+          <a:schemeClr val="phClr">
+            <a:tint val="95000"/>
+            <a:satMod val="170000"/>
+          </a:schemeClr>
+        </a:solidFill>
+        <a:gradFill rotWithShape="1">
+          <a:gsLst>
+            <a:gs pos="0">
+              <a:schemeClr val="phClr">
+                <a:tint val="93000"/>
+                <a:satMod val="150000"/>
+                <a:shade val="98000"/>
+                <a:lumMod val="102000"/>
+              </a:schemeClr>
+            </a:gs>
+            <a:gs pos="50000">
+              <a:schemeClr val="phClr">
+                <a:tint val="98000"/>
+                <a:satMod val="130000"/>
+                <a:shade val="90000"/>
+                <a:lumMod val="103000"/>
+              </a:schemeClr>
+            </a:gs>
+            <a:gs pos="100000">
+              <a:schemeClr val="phClr">
+                <a:shade val="63000"/>
+                <a:satMod val="120000"/>
+              </a:schemeClr>
+            </a:gs>
+          </a:gsLst>
+          <a:lin ang="5400000" scaled="0"/>
+        </a:gradFill>
+      </a:bgFillStyleLst>
+    </a:fmtScheme>
+  </a:themeElements>
+  <a:objectDefaults/>
+  <a:extraClrSchemeLst/>
+  <a:extLst>
+    <a:ext uri="{05A4C25C-085E-4340-85A3-A5531E510DB2}">
+      <thm15:themeFamily xmlns:thm15="http://schemas.microsoft.com/office/thememl/2012/main" name="Office Theme" id="{62F939B6-93AF-4DB8-9C6B-D6C7DFDC589F}" vid="{4A3C46E8-61CC-4603-A589-7422A47A8E4A}"/>
+    </a:ext>
+  </a:extLst>
+</a:theme>
 </file>